--- a/Lec 8 Errors and Agreement/Performance metrics and errors.pptx
+++ b/Lec 8 Errors and Agreement/Performance metrics and errors.pptx
@@ -137,6 +137,11 @@
       </a:defRPr>
     </a:lvl9pPr>
   </p:defaultTextStyle>
+  <p:extLst>
+    <p:ext uri="{EFAFB233-063F-42B5-8137-9DF3F51BA10A}">
+      <p15:sldGuideLst xmlns:p15="http://schemas.microsoft.com/office/powerpoint/2012/main"/>
+    </p:ext>
+  </p:extLst>
 </p:presentation>
 </file>
 
@@ -222,7 +227,7 @@
           <a:p>
             <a:fld id="{FFC2E6A4-2DC8-4D0A-97BD-DEDE89172481}" type="datetimeFigureOut">
               <a:rPr lang="en-US" smtClean="0"/>
-              <a:t>3/3/2018</a:t>
+              <a:t>3/5/2018</a:t>
             </a:fld>
             <a:endParaRPr lang="en-US"/>
           </a:p>
@@ -615,14 +620,14 @@
           <a:noFill/>
           <a:extLst>
             <a:ext uri="{909E8E84-426E-40dd-AFC4-6F175D3DCCD1}">
-              <a14:hiddenFill xmlns="" xmlns:a14="http://schemas.microsoft.com/office/drawing/2010/main">
+              <a14:hiddenFill xmlns:a14="http://schemas.microsoft.com/office/drawing/2010/main" xmlns="">
                 <a:solidFill>
                   <a:schemeClr val="accent1"/>
                 </a:solidFill>
               </a14:hiddenFill>
             </a:ext>
             <a:ext uri="{91240B29-F687-4f45-9708-019B960494DF}">
-              <a14:hiddenLine xmlns="" xmlns:a14="http://schemas.microsoft.com/office/drawing/2010/main" w="9525">
+              <a14:hiddenLine xmlns:a14="http://schemas.microsoft.com/office/drawing/2010/main" xmlns="" w="9525">
                 <a:solidFill>
                   <a:schemeClr val="tx1"/>
                 </a:solidFill>
@@ -632,7 +637,7 @@
               </a14:hiddenLine>
             </a:ext>
             <a:ext uri="{AF507438-7753-43e0-B8FC-AC1667EBCBE1}">
-              <a14:hiddenEffects xmlns="" xmlns:a14="http://schemas.microsoft.com/office/drawing/2010/main">
+              <a14:hiddenEffects xmlns:a14="http://schemas.microsoft.com/office/drawing/2010/main" xmlns="">
                 <a:effectLst>
                   <a:outerShdw blurRad="63500" dist="38099" dir="2700000" algn="ctr" rotWithShape="0">
                     <a:schemeClr val="bg2">
@@ -1058,14 +1063,14 @@
           <a:noFill/>
           <a:extLst>
             <a:ext uri="{909E8E84-426E-40dd-AFC4-6F175D3DCCD1}">
-              <a14:hiddenFill xmlns="" xmlns:a14="http://schemas.microsoft.com/office/drawing/2010/main">
+              <a14:hiddenFill xmlns:a14="http://schemas.microsoft.com/office/drawing/2010/main" xmlns="">
                 <a:solidFill>
                   <a:schemeClr val="accent1"/>
                 </a:solidFill>
               </a14:hiddenFill>
             </a:ext>
             <a:ext uri="{91240B29-F687-4f45-9708-019B960494DF}">
-              <a14:hiddenLine xmlns="" xmlns:a14="http://schemas.microsoft.com/office/drawing/2010/main" w="9525">
+              <a14:hiddenLine xmlns:a14="http://schemas.microsoft.com/office/drawing/2010/main" xmlns="" w="9525">
                 <a:solidFill>
                   <a:schemeClr val="tx1"/>
                 </a:solidFill>
@@ -1075,7 +1080,7 @@
               </a14:hiddenLine>
             </a:ext>
             <a:ext uri="{AF507438-7753-43e0-B8FC-AC1667EBCBE1}">
-              <a14:hiddenEffects xmlns="" xmlns:a14="http://schemas.microsoft.com/office/drawing/2010/main">
+              <a14:hiddenEffects xmlns:a14="http://schemas.microsoft.com/office/drawing/2010/main" xmlns="">
                 <a:effectLst>
                   <a:outerShdw blurRad="63500" dist="38099" dir="2700000" algn="ctr" rotWithShape="0">
                     <a:schemeClr val="bg2">
@@ -1361,14 +1366,14 @@
           <a:noFill/>
           <a:extLst>
             <a:ext uri="{909E8E84-426E-40dd-AFC4-6F175D3DCCD1}">
-              <a14:hiddenFill xmlns="" xmlns:a14="http://schemas.microsoft.com/office/drawing/2010/main">
+              <a14:hiddenFill xmlns:a14="http://schemas.microsoft.com/office/drawing/2010/main" xmlns="">
                 <a:solidFill>
                   <a:schemeClr val="accent1"/>
                 </a:solidFill>
               </a14:hiddenFill>
             </a:ext>
             <a:ext uri="{91240B29-F687-4f45-9708-019B960494DF}">
-              <a14:hiddenLine xmlns="" xmlns:a14="http://schemas.microsoft.com/office/drawing/2010/main" w="9525">
+              <a14:hiddenLine xmlns:a14="http://schemas.microsoft.com/office/drawing/2010/main" xmlns="" w="9525">
                 <a:solidFill>
                   <a:schemeClr val="tx1"/>
                 </a:solidFill>
@@ -1378,7 +1383,7 @@
               </a14:hiddenLine>
             </a:ext>
             <a:ext uri="{AF507438-7753-43e0-B8FC-AC1667EBCBE1}">
-              <a14:hiddenEffects xmlns="" xmlns:a14="http://schemas.microsoft.com/office/drawing/2010/main">
+              <a14:hiddenEffects xmlns:a14="http://schemas.microsoft.com/office/drawing/2010/main" xmlns="">
                 <a:effectLst>
                   <a:outerShdw blurRad="63500" dist="38099" dir="2700000" algn="ctr" rotWithShape="0">
                     <a:schemeClr val="bg2">
@@ -1664,14 +1669,14 @@
           <a:noFill/>
           <a:extLst>
             <a:ext uri="{909E8E84-426E-40dd-AFC4-6F175D3DCCD1}">
-              <a14:hiddenFill xmlns="" xmlns:a14="http://schemas.microsoft.com/office/drawing/2010/main">
+              <a14:hiddenFill xmlns:a14="http://schemas.microsoft.com/office/drawing/2010/main" xmlns="">
                 <a:solidFill>
                   <a:schemeClr val="accent1"/>
                 </a:solidFill>
               </a14:hiddenFill>
             </a:ext>
             <a:ext uri="{91240B29-F687-4f45-9708-019B960494DF}">
-              <a14:hiddenLine xmlns="" xmlns:a14="http://schemas.microsoft.com/office/drawing/2010/main" w="9525">
+              <a14:hiddenLine xmlns:a14="http://schemas.microsoft.com/office/drawing/2010/main" xmlns="" w="9525">
                 <a:solidFill>
                   <a:schemeClr val="tx1"/>
                 </a:solidFill>
@@ -1681,7 +1686,7 @@
               </a14:hiddenLine>
             </a:ext>
             <a:ext uri="{AF507438-7753-43e0-B8FC-AC1667EBCBE1}">
-              <a14:hiddenEffects xmlns="" xmlns:a14="http://schemas.microsoft.com/office/drawing/2010/main">
+              <a14:hiddenEffects xmlns:a14="http://schemas.microsoft.com/office/drawing/2010/main" xmlns="">
                 <a:effectLst>
                   <a:outerShdw blurRad="63500" dist="38099" dir="2700000" algn="ctr" rotWithShape="0">
                     <a:schemeClr val="bg2">
@@ -1967,14 +1972,14 @@
           <a:noFill/>
           <a:extLst>
             <a:ext uri="{909E8E84-426E-40dd-AFC4-6F175D3DCCD1}">
-              <a14:hiddenFill xmlns="" xmlns:a14="http://schemas.microsoft.com/office/drawing/2010/main">
+              <a14:hiddenFill xmlns:a14="http://schemas.microsoft.com/office/drawing/2010/main" xmlns="">
                 <a:solidFill>
                   <a:schemeClr val="accent1"/>
                 </a:solidFill>
               </a14:hiddenFill>
             </a:ext>
             <a:ext uri="{91240B29-F687-4f45-9708-019B960494DF}">
-              <a14:hiddenLine xmlns="" xmlns:a14="http://schemas.microsoft.com/office/drawing/2010/main" w="9525">
+              <a14:hiddenLine xmlns:a14="http://schemas.microsoft.com/office/drawing/2010/main" xmlns="" w="9525">
                 <a:solidFill>
                   <a:schemeClr val="tx1"/>
                 </a:solidFill>
@@ -1984,7 +1989,7 @@
               </a14:hiddenLine>
             </a:ext>
             <a:ext uri="{AF507438-7753-43e0-B8FC-AC1667EBCBE1}">
-              <a14:hiddenEffects xmlns="" xmlns:a14="http://schemas.microsoft.com/office/drawing/2010/main">
+              <a14:hiddenEffects xmlns:a14="http://schemas.microsoft.com/office/drawing/2010/main" xmlns="">
                 <a:effectLst>
                   <a:outerShdw blurRad="63500" dist="38099" dir="2700000" algn="ctr" rotWithShape="0">
                     <a:schemeClr val="bg2">
@@ -2270,14 +2275,14 @@
           <a:noFill/>
           <a:extLst>
             <a:ext uri="{909E8E84-426E-40dd-AFC4-6F175D3DCCD1}">
-              <a14:hiddenFill xmlns="" xmlns:a14="http://schemas.microsoft.com/office/drawing/2010/main">
+              <a14:hiddenFill xmlns:a14="http://schemas.microsoft.com/office/drawing/2010/main" xmlns="">
                 <a:solidFill>
                   <a:schemeClr val="accent1"/>
                 </a:solidFill>
               </a14:hiddenFill>
             </a:ext>
             <a:ext uri="{91240B29-F687-4f45-9708-019B960494DF}">
-              <a14:hiddenLine xmlns="" xmlns:a14="http://schemas.microsoft.com/office/drawing/2010/main" w="9525">
+              <a14:hiddenLine xmlns:a14="http://schemas.microsoft.com/office/drawing/2010/main" xmlns="" w="9525">
                 <a:solidFill>
                   <a:schemeClr val="tx1"/>
                 </a:solidFill>
@@ -2287,7 +2292,7 @@
               </a14:hiddenLine>
             </a:ext>
             <a:ext uri="{AF507438-7753-43e0-B8FC-AC1667EBCBE1}">
-              <a14:hiddenEffects xmlns="" xmlns:a14="http://schemas.microsoft.com/office/drawing/2010/main">
+              <a14:hiddenEffects xmlns:a14="http://schemas.microsoft.com/office/drawing/2010/main" xmlns="">
                 <a:effectLst>
                   <a:outerShdw blurRad="63500" dist="38099" dir="2700000" algn="ctr" rotWithShape="0">
                     <a:schemeClr val="bg2">
@@ -2573,14 +2578,14 @@
           <a:noFill/>
           <a:extLst>
             <a:ext uri="{909E8E84-426E-40dd-AFC4-6F175D3DCCD1}">
-              <a14:hiddenFill xmlns="" xmlns:a14="http://schemas.microsoft.com/office/drawing/2010/main">
+              <a14:hiddenFill xmlns:a14="http://schemas.microsoft.com/office/drawing/2010/main" xmlns="">
                 <a:solidFill>
                   <a:schemeClr val="accent1"/>
                 </a:solidFill>
               </a14:hiddenFill>
             </a:ext>
             <a:ext uri="{91240B29-F687-4f45-9708-019B960494DF}">
-              <a14:hiddenLine xmlns="" xmlns:a14="http://schemas.microsoft.com/office/drawing/2010/main" w="9525">
+              <a14:hiddenLine xmlns:a14="http://schemas.microsoft.com/office/drawing/2010/main" xmlns="" w="9525">
                 <a:solidFill>
                   <a:schemeClr val="tx1"/>
                 </a:solidFill>
@@ -2590,7 +2595,7 @@
               </a14:hiddenLine>
             </a:ext>
             <a:ext uri="{AF507438-7753-43e0-B8FC-AC1667EBCBE1}">
-              <a14:hiddenEffects xmlns="" xmlns:a14="http://schemas.microsoft.com/office/drawing/2010/main">
+              <a14:hiddenEffects xmlns:a14="http://schemas.microsoft.com/office/drawing/2010/main" xmlns="">
                 <a:effectLst>
                   <a:outerShdw blurRad="63500" dist="38099" dir="2700000" algn="ctr" rotWithShape="0">
                     <a:schemeClr val="bg2">
@@ -2876,14 +2881,14 @@
           <a:noFill/>
           <a:extLst>
             <a:ext uri="{909E8E84-426E-40dd-AFC4-6F175D3DCCD1}">
-              <a14:hiddenFill xmlns="" xmlns:a14="http://schemas.microsoft.com/office/drawing/2010/main">
+              <a14:hiddenFill xmlns:a14="http://schemas.microsoft.com/office/drawing/2010/main" xmlns="">
                 <a:solidFill>
                   <a:schemeClr val="accent1"/>
                 </a:solidFill>
               </a14:hiddenFill>
             </a:ext>
             <a:ext uri="{91240B29-F687-4f45-9708-019B960494DF}">
-              <a14:hiddenLine xmlns="" xmlns:a14="http://schemas.microsoft.com/office/drawing/2010/main" w="9525">
+              <a14:hiddenLine xmlns:a14="http://schemas.microsoft.com/office/drawing/2010/main" xmlns="" w="9525">
                 <a:solidFill>
                   <a:schemeClr val="tx1"/>
                 </a:solidFill>
@@ -2893,7 +2898,7 @@
               </a14:hiddenLine>
             </a:ext>
             <a:ext uri="{AF507438-7753-43e0-B8FC-AC1667EBCBE1}">
-              <a14:hiddenEffects xmlns="" xmlns:a14="http://schemas.microsoft.com/office/drawing/2010/main">
+              <a14:hiddenEffects xmlns:a14="http://schemas.microsoft.com/office/drawing/2010/main" xmlns="">
                 <a:effectLst>
                   <a:outerShdw blurRad="63500" dist="38099" dir="2700000" algn="ctr" rotWithShape="0">
                     <a:schemeClr val="bg2">
@@ -4477,7 +4482,7 @@
           <a:p>
             <a:fld id="{4CCED3DC-BA0B-44BE-93EF-295DA90D2FC5}" type="datetimeFigureOut">
               <a:rPr lang="en-US" smtClean="0"/>
-              <a:t>3/3/2018</a:t>
+              <a:t>3/5/2018</a:t>
             </a:fld>
             <a:endParaRPr lang="en-US"/>
           </a:p>
@@ -4647,7 +4652,7 @@
           <a:p>
             <a:fld id="{4CCED3DC-BA0B-44BE-93EF-295DA90D2FC5}" type="datetimeFigureOut">
               <a:rPr lang="en-US" smtClean="0"/>
-              <a:t>3/3/2018</a:t>
+              <a:t>3/5/2018</a:t>
             </a:fld>
             <a:endParaRPr lang="en-US"/>
           </a:p>
@@ -4827,7 +4832,7 @@
           <a:p>
             <a:fld id="{4CCED3DC-BA0B-44BE-93EF-295DA90D2FC5}" type="datetimeFigureOut">
               <a:rPr lang="en-US" smtClean="0"/>
-              <a:t>3/3/2018</a:t>
+              <a:t>3/5/2018</a:t>
             </a:fld>
             <a:endParaRPr lang="en-US"/>
           </a:p>
@@ -5178,7 +5183,7 @@
           <a:p>
             <a:fld id="{4CCED3DC-BA0B-44BE-93EF-295DA90D2FC5}" type="datetimeFigureOut">
               <a:rPr lang="en-US" smtClean="0"/>
-              <a:t>3/3/2018</a:t>
+              <a:t>3/5/2018</a:t>
             </a:fld>
             <a:endParaRPr lang="en-US"/>
           </a:p>
@@ -5424,7 +5429,7 @@
           <a:p>
             <a:fld id="{4CCED3DC-BA0B-44BE-93EF-295DA90D2FC5}" type="datetimeFigureOut">
               <a:rPr lang="en-US" smtClean="0"/>
-              <a:t>3/3/2018</a:t>
+              <a:t>3/5/2018</a:t>
             </a:fld>
             <a:endParaRPr lang="en-US"/>
           </a:p>
@@ -5656,7 +5661,7 @@
           <a:p>
             <a:fld id="{4CCED3DC-BA0B-44BE-93EF-295DA90D2FC5}" type="datetimeFigureOut">
               <a:rPr lang="en-US" smtClean="0"/>
-              <a:t>3/3/2018</a:t>
+              <a:t>3/5/2018</a:t>
             </a:fld>
             <a:endParaRPr lang="en-US"/>
           </a:p>
@@ -6023,7 +6028,7 @@
           <a:p>
             <a:fld id="{4CCED3DC-BA0B-44BE-93EF-295DA90D2FC5}" type="datetimeFigureOut">
               <a:rPr lang="en-US" smtClean="0"/>
-              <a:t>3/3/2018</a:t>
+              <a:t>3/5/2018</a:t>
             </a:fld>
             <a:endParaRPr lang="en-US"/>
           </a:p>
@@ -6141,7 +6146,7 @@
           <a:p>
             <a:fld id="{4CCED3DC-BA0B-44BE-93EF-295DA90D2FC5}" type="datetimeFigureOut">
               <a:rPr lang="en-US" smtClean="0"/>
-              <a:t>3/3/2018</a:t>
+              <a:t>3/5/2018</a:t>
             </a:fld>
             <a:endParaRPr lang="en-US"/>
           </a:p>
@@ -6236,7 +6241,7 @@
           <a:p>
             <a:fld id="{4CCED3DC-BA0B-44BE-93EF-295DA90D2FC5}" type="datetimeFigureOut">
               <a:rPr lang="en-US" smtClean="0"/>
-              <a:t>3/3/2018</a:t>
+              <a:t>3/5/2018</a:t>
             </a:fld>
             <a:endParaRPr lang="en-US"/>
           </a:p>
@@ -6513,7 +6518,7 @@
           <a:p>
             <a:fld id="{4CCED3DC-BA0B-44BE-93EF-295DA90D2FC5}" type="datetimeFigureOut">
               <a:rPr lang="en-US" smtClean="0"/>
-              <a:t>3/3/2018</a:t>
+              <a:t>3/5/2018</a:t>
             </a:fld>
             <a:endParaRPr lang="en-US"/>
           </a:p>
@@ -6766,7 +6771,7 @@
           <a:p>
             <a:fld id="{4CCED3DC-BA0B-44BE-93EF-295DA90D2FC5}" type="datetimeFigureOut">
               <a:rPr lang="en-US" smtClean="0"/>
-              <a:t>3/3/2018</a:t>
+              <a:t>3/5/2018</a:t>
             </a:fld>
             <a:endParaRPr lang="en-US"/>
           </a:p>
@@ -6979,7 +6984,7 @@
           <a:p>
             <a:fld id="{4CCED3DC-BA0B-44BE-93EF-295DA90D2FC5}" type="datetimeFigureOut">
               <a:rPr lang="en-US" smtClean="0"/>
-              <a:t>3/3/2018</a:t>
+              <a:t>3/5/2018</a:t>
             </a:fld>
             <a:endParaRPr lang="en-US"/>
           </a:p>
@@ -7437,6 +7442,13 @@
   <p:clrMapOvr>
     <a:masterClrMapping/>
   </p:clrMapOvr>
+  <p:timing>
+    <p:tnLst>
+      <p:par>
+        <p:cTn id="1" dur="indefinite" restart="never" nodeType="tmRoot"/>
+      </p:par>
+    </p:tnLst>
+  </p:timing>
 </p:sld>
 </file>
 
@@ -7540,6 +7552,13 @@
   <p:clrMapOvr>
     <a:masterClrMapping/>
   </p:clrMapOvr>
+  <p:timing>
+    <p:tnLst>
+      <p:par>
+        <p:cTn id="1" dur="indefinite" restart="never" nodeType="tmRoot"/>
+      </p:par>
+    </p:tnLst>
+  </p:timing>
 </p:sld>
 </file>
 
@@ -7632,6 +7651,13 @@
   <p:clrMapOvr>
     <a:masterClrMapping/>
   </p:clrMapOvr>
+  <p:timing>
+    <p:tnLst>
+      <p:par>
+        <p:cTn id="1" dur="indefinite" restart="never" nodeType="tmRoot"/>
+      </p:par>
+    </p:tnLst>
+  </p:timing>
 </p:sld>
 </file>
 
@@ -7717,7 +7743,7 @@
         </p:blipFill>
         <p:spPr>
           <a:xfrm>
-            <a:off x="5224596" y="759854"/>
+            <a:off x="5700846" y="724134"/>
             <a:ext cx="6636846" cy="5282172"/>
           </a:xfrm>
           <a:prstGeom prst="rect">
@@ -7735,6 +7761,13 @@
   <p:clrMapOvr>
     <a:masterClrMapping/>
   </p:clrMapOvr>
+  <p:timing>
+    <p:tnLst>
+      <p:par>
+        <p:cTn id="1" dur="indefinite" restart="never" nodeType="tmRoot"/>
+      </p:par>
+    </p:tnLst>
+  </p:timing>
 </p:sld>
 </file>
 
@@ -7883,6 +7916,13 @@
   <p:clrMapOvr>
     <a:masterClrMapping/>
   </p:clrMapOvr>
+  <p:timing>
+    <p:tnLst>
+      <p:par>
+        <p:cTn id="1" dur="indefinite" restart="never" nodeType="tmRoot"/>
+      </p:par>
+    </p:tnLst>
+  </p:timing>
 </p:sld>
 </file>
 
@@ -7975,6 +8015,13 @@
   <p:clrMapOvr>
     <a:masterClrMapping/>
   </p:clrMapOvr>
+  <p:timing>
+    <p:tnLst>
+      <p:par>
+        <p:cTn id="1" dur="indefinite" restart="never" nodeType="tmRoot"/>
+      </p:par>
+    </p:tnLst>
+  </p:timing>
 </p:sld>
 </file>
 
@@ -10393,6 +10440,13 @@
   <p:clrMapOvr>
     <a:masterClrMapping/>
   </p:clrMapOvr>
+  <p:timing>
+    <p:tnLst>
+      <p:par>
+        <p:cTn id="1" dur="indefinite" restart="never" nodeType="tmRoot"/>
+      </p:par>
+    </p:tnLst>
+  </p:timing>
 </p:sld>
 </file>
 
@@ -10430,14 +10484,14 @@
           </a:xfrm>
           <a:extLst>
             <a:ext uri="{909E8E84-426E-40dd-AFC4-6F175D3DCCD1}">
-              <a14:hiddenFill xmlns="" xmlns:a14="http://schemas.microsoft.com/office/drawing/2010/main">
+              <a14:hiddenFill xmlns:a14="http://schemas.microsoft.com/office/drawing/2010/main" xmlns="">
                 <a:solidFill>
                   <a:schemeClr val="accent1"/>
                 </a:solidFill>
               </a14:hiddenFill>
             </a:ext>
             <a:ext uri="{91240B29-F687-4f45-9708-019B960494DF}">
-              <a14:hiddenLine xmlns="" xmlns:a14="http://schemas.microsoft.com/office/drawing/2010/main" w="9525">
+              <a14:hiddenLine xmlns:a14="http://schemas.microsoft.com/office/drawing/2010/main" xmlns="" w="9525">
                 <a:solidFill>
                   <a:schemeClr val="tx1"/>
                 </a:solidFill>
@@ -10447,7 +10501,7 @@
               </a14:hiddenLine>
             </a:ext>
             <a:ext uri="{AF507438-7753-43e0-B8FC-AC1667EBCBE1}">
-              <a14:hiddenEffects xmlns="" xmlns:a14="http://schemas.microsoft.com/office/drawing/2010/main">
+              <a14:hiddenEffects xmlns:a14="http://schemas.microsoft.com/office/drawing/2010/main" xmlns="">
                 <a:effectLst>
                   <a:outerShdw blurRad="63500" dist="38099" dir="2700000" algn="ctr" rotWithShape="0">
                     <a:schemeClr val="bg2">
@@ -10502,14 +10556,14 @@
           </a:xfrm>
           <a:extLst>
             <a:ext uri="{909E8E84-426E-40dd-AFC4-6F175D3DCCD1}">
-              <a14:hiddenFill xmlns="" xmlns:a14="http://schemas.microsoft.com/office/drawing/2010/main">
+              <a14:hiddenFill xmlns:a14="http://schemas.microsoft.com/office/drawing/2010/main" xmlns="">
                 <a:solidFill>
                   <a:schemeClr val="accent1"/>
                 </a:solidFill>
               </a14:hiddenFill>
             </a:ext>
             <a:ext uri="{91240B29-F687-4f45-9708-019B960494DF}">
-              <a14:hiddenLine xmlns="" xmlns:a14="http://schemas.microsoft.com/office/drawing/2010/main" w="9525">
+              <a14:hiddenLine xmlns:a14="http://schemas.microsoft.com/office/drawing/2010/main" xmlns="" w="9525">
                 <a:solidFill>
                   <a:schemeClr val="tx1"/>
                 </a:solidFill>
@@ -10519,7 +10573,7 @@
               </a14:hiddenLine>
             </a:ext>
             <a:ext uri="{AF507438-7753-43e0-B8FC-AC1667EBCBE1}">
-              <a14:hiddenEffects xmlns="" xmlns:a14="http://schemas.microsoft.com/office/drawing/2010/main">
+              <a14:hiddenEffects xmlns:a14="http://schemas.microsoft.com/office/drawing/2010/main" xmlns="">
                 <a:effectLst>
                   <a:outerShdw blurRad="63500" dist="38099" dir="2700000" algn="ctr" rotWithShape="0">
                     <a:schemeClr val="bg2">
@@ -10591,14 +10645,14 @@
           <a:effectLst/>
           <a:extLst>
             <a:ext uri="{909E8E84-426E-40dd-AFC4-6F175D3DCCD1}">
-              <a14:hiddenFill xmlns="" xmlns:a14="http://schemas.microsoft.com/office/drawing/2010/main">
+              <a14:hiddenFill xmlns:a14="http://schemas.microsoft.com/office/drawing/2010/main" xmlns="">
                 <a:solidFill>
                   <a:schemeClr val="accent1"/>
                 </a:solidFill>
               </a14:hiddenFill>
             </a:ext>
             <a:ext uri="{91240B29-F687-4f45-9708-019B960494DF}">
-              <a14:hiddenLine xmlns="" xmlns:a14="http://schemas.microsoft.com/office/drawing/2010/main" w="9525">
+              <a14:hiddenLine xmlns:a14="http://schemas.microsoft.com/office/drawing/2010/main" xmlns="" w="9525">
                 <a:solidFill>
                   <a:schemeClr val="tx1"/>
                 </a:solidFill>
@@ -10608,7 +10662,7 @@
               </a14:hiddenLine>
             </a:ext>
             <a:ext uri="{AF507438-7753-43e0-B8FC-AC1667EBCBE1}">
-              <a14:hiddenEffects xmlns="" xmlns:a14="http://schemas.microsoft.com/office/drawing/2010/main">
+              <a14:hiddenEffects xmlns:a14="http://schemas.microsoft.com/office/drawing/2010/main" xmlns="">
                 <a:effectLst>
                   <a:outerShdw blurRad="63500" dist="38099" dir="2700000" algn="ctr" rotWithShape="0">
                     <a:schemeClr val="bg2">
@@ -11024,14 +11078,14 @@
         <p:spPr bwMode="auto">
           <a:extLst>
             <a:ext uri="{909E8E84-426E-40dd-AFC4-6F175D3DCCD1}">
-              <a14:hiddenFill xmlns="" xmlns:a14="http://schemas.microsoft.com/office/drawing/2010/main">
+              <a14:hiddenFill xmlns:a14="http://schemas.microsoft.com/office/drawing/2010/main" xmlns="">
                 <a:solidFill>
                   <a:schemeClr val="accent1"/>
                 </a:solidFill>
               </a14:hiddenFill>
             </a:ext>
             <a:ext uri="{91240B29-F687-4f45-9708-019B960494DF}">
-              <a14:hiddenLine xmlns="" xmlns:a14="http://schemas.microsoft.com/office/drawing/2010/main" w="9525">
+              <a14:hiddenLine xmlns:a14="http://schemas.microsoft.com/office/drawing/2010/main" xmlns="" w="9525">
                 <a:solidFill>
                   <a:schemeClr val="tx1"/>
                 </a:solidFill>
@@ -11041,7 +11095,7 @@
               </a14:hiddenLine>
             </a:ext>
             <a:ext uri="{AF507438-7753-43e0-B8FC-AC1667EBCBE1}">
-              <a14:hiddenEffects xmlns="" xmlns:a14="http://schemas.microsoft.com/office/drawing/2010/main">
+              <a14:hiddenEffects xmlns:a14="http://schemas.microsoft.com/office/drawing/2010/main" xmlns="">
                 <a:effectLst>
                   <a:outerShdw blurRad="63500" dist="38099" dir="2700000" algn="ctr" rotWithShape="0">
                     <a:schemeClr val="bg2">
@@ -11092,14 +11146,14 @@
           </a:xfrm>
           <a:extLst>
             <a:ext uri="{909E8E84-426E-40dd-AFC4-6F175D3DCCD1}">
-              <a14:hiddenFill xmlns="" xmlns:a14="http://schemas.microsoft.com/office/drawing/2010/main">
+              <a14:hiddenFill xmlns:a14="http://schemas.microsoft.com/office/drawing/2010/main" xmlns="">
                 <a:solidFill>
                   <a:schemeClr val="accent1"/>
                 </a:solidFill>
               </a14:hiddenFill>
             </a:ext>
             <a:ext uri="{91240B29-F687-4f45-9708-019B960494DF}">
-              <a14:hiddenLine xmlns="" xmlns:a14="http://schemas.microsoft.com/office/drawing/2010/main" w="9525">
+              <a14:hiddenLine xmlns:a14="http://schemas.microsoft.com/office/drawing/2010/main" xmlns="" w="9525">
                 <a:solidFill>
                   <a:schemeClr val="tx1"/>
                 </a:solidFill>
@@ -11109,7 +11163,7 @@
               </a14:hiddenLine>
             </a:ext>
             <a:ext uri="{AF507438-7753-43e0-B8FC-AC1667EBCBE1}">
-              <a14:hiddenEffects xmlns="" xmlns:a14="http://schemas.microsoft.com/office/drawing/2010/main">
+              <a14:hiddenEffects xmlns:a14="http://schemas.microsoft.com/office/drawing/2010/main" xmlns="">
                 <a:effectLst>
                   <a:outerShdw blurRad="63500" dist="38099" dir="2700000" algn="ctr" rotWithShape="0">
                     <a:schemeClr val="bg2">
@@ -11156,13 +11210,7 @@
               <a:rPr lang="en-GB" altLang="en-US" dirty="0" smtClean="0">
                 <a:sym typeface="Symbol" panose="05050102010706020507" pitchFamily="18" charset="2"/>
               </a:rPr>
-              <a:t> </a:t>
-            </a:r>
-            <a:r>
-              <a:rPr lang="en-GB" altLang="en-US" dirty="0" smtClean="0">
-                <a:sym typeface="Symbol" panose="05050102010706020507" pitchFamily="18" charset="2"/>
-              </a:rPr>
-              <a:t>Error</a:t>
+              <a:t> Error</a:t>
             </a:r>
           </a:p>
           <a:p>
@@ -11441,7 +11489,7 @@
           <a:effectLst/>
           <a:extLst>
             <a:ext uri="{91240B29-F687-4f45-9708-019B960494DF}">
-              <a14:hiddenLine xmlns="" xmlns:a14="http://schemas.microsoft.com/office/drawing/2010/main" w="9525">
+              <a14:hiddenLine xmlns:a14="http://schemas.microsoft.com/office/drawing/2010/main" xmlns="" w="9525">
                 <a:solidFill>
                   <a:schemeClr val="tx1"/>
                 </a:solidFill>
@@ -11451,7 +11499,7 @@
               </a14:hiddenLine>
             </a:ext>
             <a:ext uri="{AF507438-7753-43e0-B8FC-AC1667EBCBE1}">
-              <a14:hiddenEffects xmlns="" xmlns:a14="http://schemas.microsoft.com/office/drawing/2010/main">
+              <a14:hiddenEffects xmlns:a14="http://schemas.microsoft.com/office/drawing/2010/main" xmlns="">
                 <a:effectLst>
                   <a:outerShdw blurRad="63500" dist="38099" dir="2700000" algn="ctr" rotWithShape="0">
                     <a:schemeClr val="bg2">
@@ -11515,14 +11563,14 @@
           <a:effectLst/>
           <a:extLst>
             <a:ext uri="{909E8E84-426E-40dd-AFC4-6F175D3DCCD1}">
-              <a14:hiddenFill xmlns="" xmlns:a14="http://schemas.microsoft.com/office/drawing/2010/main">
+              <a14:hiddenFill xmlns:a14="http://schemas.microsoft.com/office/drawing/2010/main" xmlns="">
                 <a:solidFill>
                   <a:schemeClr val="accent1"/>
                 </a:solidFill>
               </a14:hiddenFill>
             </a:ext>
             <a:ext uri="{91240B29-F687-4f45-9708-019B960494DF}">
-              <a14:hiddenLine xmlns="" xmlns:a14="http://schemas.microsoft.com/office/drawing/2010/main" w="9525">
+              <a14:hiddenLine xmlns:a14="http://schemas.microsoft.com/office/drawing/2010/main" xmlns="" w="9525">
                 <a:solidFill>
                   <a:schemeClr val="tx1"/>
                 </a:solidFill>
@@ -11532,7 +11580,7 @@
               </a14:hiddenLine>
             </a:ext>
             <a:ext uri="{AF507438-7753-43e0-B8FC-AC1667EBCBE1}">
-              <a14:hiddenEffects xmlns="" xmlns:a14="http://schemas.microsoft.com/office/drawing/2010/main">
+              <a14:hiddenEffects xmlns:a14="http://schemas.microsoft.com/office/drawing/2010/main" xmlns="">
                 <a:effectLst>
                   <a:outerShdw blurRad="63500" dist="38099" dir="2700000" algn="ctr" rotWithShape="0">
                     <a:schemeClr val="bg2">
@@ -11701,14 +11749,14 @@
           <a:effectLst/>
           <a:extLst>
             <a:ext uri="{909E8E84-426E-40dd-AFC4-6F175D3DCCD1}">
-              <a14:hiddenFill xmlns="" xmlns:a14="http://schemas.microsoft.com/office/drawing/2010/main">
+              <a14:hiddenFill xmlns:a14="http://schemas.microsoft.com/office/drawing/2010/main" xmlns="">
                 <a:solidFill>
                   <a:schemeClr val="accent1"/>
                 </a:solidFill>
               </a14:hiddenFill>
             </a:ext>
             <a:ext uri="{91240B29-F687-4f45-9708-019B960494DF}">
-              <a14:hiddenLine xmlns="" xmlns:a14="http://schemas.microsoft.com/office/drawing/2010/main" w="9525">
+              <a14:hiddenLine xmlns:a14="http://schemas.microsoft.com/office/drawing/2010/main" xmlns="" w="9525">
                 <a:solidFill>
                   <a:schemeClr val="tx1"/>
                 </a:solidFill>
@@ -11718,7 +11766,7 @@
               </a14:hiddenLine>
             </a:ext>
             <a:ext uri="{AF507438-7753-43e0-B8FC-AC1667EBCBE1}">
-              <a14:hiddenEffects xmlns="" xmlns:a14="http://schemas.microsoft.com/office/drawing/2010/main">
+              <a14:hiddenEffects xmlns:a14="http://schemas.microsoft.com/office/drawing/2010/main" xmlns="">
                 <a:effectLst>
                   <a:outerShdw blurRad="63500" dist="38099" dir="2700000" algn="ctr" rotWithShape="0">
                     <a:schemeClr val="bg2">
@@ -11895,7 +11943,7 @@
           <a:effectLst/>
           <a:extLst>
             <a:ext uri="{91240B29-F687-4f45-9708-019B960494DF}">
-              <a14:hiddenLine xmlns="" xmlns:a14="http://schemas.microsoft.com/office/drawing/2010/main" w="9525">
+              <a14:hiddenLine xmlns:a14="http://schemas.microsoft.com/office/drawing/2010/main" xmlns="" w="9525">
                 <a:solidFill>
                   <a:schemeClr val="tx1"/>
                 </a:solidFill>
@@ -11905,7 +11953,7 @@
               </a14:hiddenLine>
             </a:ext>
             <a:ext uri="{AF507438-7753-43e0-B8FC-AC1667EBCBE1}">
-              <a14:hiddenEffects xmlns="" xmlns:a14="http://schemas.microsoft.com/office/drawing/2010/main">
+              <a14:hiddenEffects xmlns:a14="http://schemas.microsoft.com/office/drawing/2010/main" xmlns="">
                 <a:effectLst>
                   <a:outerShdw blurRad="63500" dist="38099" dir="2700000" algn="ctr" rotWithShape="0">
                     <a:schemeClr val="bg2">
@@ -11979,7 +12027,7 @@
           <a:effectLst/>
           <a:extLst>
             <a:ext uri="{91240B29-F687-4f45-9708-019B960494DF}">
-              <a14:hiddenLine xmlns="" xmlns:a14="http://schemas.microsoft.com/office/drawing/2010/main" w="9525">
+              <a14:hiddenLine xmlns:a14="http://schemas.microsoft.com/office/drawing/2010/main" xmlns="" w="9525">
                 <a:solidFill>
                   <a:schemeClr val="tx1"/>
                 </a:solidFill>
@@ -11989,7 +12037,7 @@
               </a14:hiddenLine>
             </a:ext>
             <a:ext uri="{AF507438-7753-43e0-B8FC-AC1667EBCBE1}">
-              <a14:hiddenEffects xmlns="" xmlns:a14="http://schemas.microsoft.com/office/drawing/2010/main">
+              <a14:hiddenEffects xmlns:a14="http://schemas.microsoft.com/office/drawing/2010/main" xmlns="">
                 <a:effectLst>
                   <a:outerShdw blurRad="63500" dist="38099" dir="2700000" algn="ctr" rotWithShape="0">
                     <a:schemeClr val="bg2">
@@ -12058,12 +12106,12 @@
           <a:effectLst/>
           <a:extLst>
             <a:ext uri="{909E8E84-426E-40dd-AFC4-6F175D3DCCD1}">
-              <a14:hiddenFill xmlns="" xmlns:a14="http://schemas.microsoft.com/office/drawing/2010/main">
+              <a14:hiddenFill xmlns:a14="http://schemas.microsoft.com/office/drawing/2010/main" xmlns="">
                 <a:noFill/>
               </a14:hiddenFill>
             </a:ext>
             <a:ext uri="{AF507438-7753-43e0-B8FC-AC1667EBCBE1}">
-              <a14:hiddenEffects xmlns="" xmlns:a14="http://schemas.microsoft.com/office/drawing/2010/main">
+              <a14:hiddenEffects xmlns:a14="http://schemas.microsoft.com/office/drawing/2010/main" xmlns="">
                 <a:effectLst>
                   <a:outerShdw blurRad="63500" dist="38099" dir="2700000" algn="ctr" rotWithShape="0">
                     <a:schemeClr val="bg2">
@@ -12112,14 +12160,14 @@
           <a:effectLst/>
           <a:extLst>
             <a:ext uri="{909E8E84-426E-40dd-AFC4-6F175D3DCCD1}">
-              <a14:hiddenFill xmlns="" xmlns:a14="http://schemas.microsoft.com/office/drawing/2010/main">
+              <a14:hiddenFill xmlns:a14="http://schemas.microsoft.com/office/drawing/2010/main" xmlns="">
                 <a:solidFill>
                   <a:schemeClr val="accent1"/>
                 </a:solidFill>
               </a14:hiddenFill>
             </a:ext>
             <a:ext uri="{91240B29-F687-4f45-9708-019B960494DF}">
-              <a14:hiddenLine xmlns="" xmlns:a14="http://schemas.microsoft.com/office/drawing/2010/main" w="9525">
+              <a14:hiddenLine xmlns:a14="http://schemas.microsoft.com/office/drawing/2010/main" xmlns="" w="9525">
                 <a:solidFill>
                   <a:schemeClr val="tx1"/>
                 </a:solidFill>
@@ -12129,7 +12177,7 @@
               </a14:hiddenLine>
             </a:ext>
             <a:ext uri="{AF507438-7753-43e0-B8FC-AC1667EBCBE1}">
-              <a14:hiddenEffects xmlns="" xmlns:a14="http://schemas.microsoft.com/office/drawing/2010/main">
+              <a14:hiddenEffects xmlns:a14="http://schemas.microsoft.com/office/drawing/2010/main" xmlns="">
                 <a:effectLst>
                   <a:outerShdw blurRad="63500" dist="38099" dir="2700000" algn="ctr" rotWithShape="0">
                     <a:schemeClr val="bg2">
@@ -12294,12 +12342,12 @@
           <a:effectLst/>
           <a:extLst>
             <a:ext uri="{909E8E84-426E-40dd-AFC4-6F175D3DCCD1}">
-              <a14:hiddenFill xmlns="" xmlns:a14="http://schemas.microsoft.com/office/drawing/2010/main">
+              <a14:hiddenFill xmlns:a14="http://schemas.microsoft.com/office/drawing/2010/main" xmlns="">
                 <a:noFill/>
               </a14:hiddenFill>
             </a:ext>
             <a:ext uri="{AF507438-7753-43e0-B8FC-AC1667EBCBE1}">
-              <a14:hiddenEffects xmlns="" xmlns:a14="http://schemas.microsoft.com/office/drawing/2010/main">
+              <a14:hiddenEffects xmlns:a14="http://schemas.microsoft.com/office/drawing/2010/main" xmlns="">
                 <a:effectLst>
                   <a:outerShdw blurRad="63500" dist="38099" dir="2700000" algn="ctr" rotWithShape="0">
                     <a:schemeClr val="bg2">
@@ -12348,14 +12396,14 @@
           <a:effectLst/>
           <a:extLst>
             <a:ext uri="{909E8E84-426E-40dd-AFC4-6F175D3DCCD1}">
-              <a14:hiddenFill xmlns="" xmlns:a14="http://schemas.microsoft.com/office/drawing/2010/main">
+              <a14:hiddenFill xmlns:a14="http://schemas.microsoft.com/office/drawing/2010/main" xmlns="">
                 <a:solidFill>
                   <a:schemeClr val="accent1"/>
                 </a:solidFill>
               </a14:hiddenFill>
             </a:ext>
             <a:ext uri="{91240B29-F687-4f45-9708-019B960494DF}">
-              <a14:hiddenLine xmlns="" xmlns:a14="http://schemas.microsoft.com/office/drawing/2010/main" w="9525">
+              <a14:hiddenLine xmlns:a14="http://schemas.microsoft.com/office/drawing/2010/main" xmlns="" w="9525">
                 <a:solidFill>
                   <a:schemeClr val="tx1"/>
                 </a:solidFill>
@@ -12365,7 +12413,7 @@
               </a14:hiddenLine>
             </a:ext>
             <a:ext uri="{AF507438-7753-43e0-B8FC-AC1667EBCBE1}">
-              <a14:hiddenEffects xmlns="" xmlns:a14="http://schemas.microsoft.com/office/drawing/2010/main">
+              <a14:hiddenEffects xmlns:a14="http://schemas.microsoft.com/office/drawing/2010/main" xmlns="">
                 <a:effectLst>
                   <a:outerShdw blurRad="63500" dist="38099" dir="2700000" algn="ctr" rotWithShape="0">
                     <a:schemeClr val="bg2">
@@ -12530,14 +12578,14 @@
           <a:effectLst/>
           <a:extLst>
             <a:ext uri="{909E8E84-426E-40dd-AFC4-6F175D3DCCD1}">
-              <a14:hiddenFill xmlns="" xmlns:a14="http://schemas.microsoft.com/office/drawing/2010/main">
+              <a14:hiddenFill xmlns:a14="http://schemas.microsoft.com/office/drawing/2010/main" xmlns="">
                 <a:solidFill>
                   <a:schemeClr val="accent1"/>
                 </a:solidFill>
               </a14:hiddenFill>
             </a:ext>
             <a:ext uri="{AF507438-7753-43e0-B8FC-AC1667EBCBE1}">
-              <a14:hiddenEffects xmlns="" xmlns:a14="http://schemas.microsoft.com/office/drawing/2010/main">
+              <a14:hiddenEffects xmlns:a14="http://schemas.microsoft.com/office/drawing/2010/main" xmlns="">
                 <a:effectLst>
                   <a:outerShdw blurRad="63500" dist="38099" dir="2700000" algn="ctr" rotWithShape="0">
                     <a:schemeClr val="bg2">
@@ -12591,14 +12639,14 @@
           <a:effectLst/>
           <a:extLst>
             <a:ext uri="{909E8E84-426E-40dd-AFC4-6F175D3DCCD1}">
-              <a14:hiddenFill xmlns="" xmlns:a14="http://schemas.microsoft.com/office/drawing/2010/main">
+              <a14:hiddenFill xmlns:a14="http://schemas.microsoft.com/office/drawing/2010/main" xmlns="">
                 <a:solidFill>
                   <a:schemeClr val="accent1"/>
                 </a:solidFill>
               </a14:hiddenFill>
             </a:ext>
             <a:ext uri="{AF507438-7753-43e0-B8FC-AC1667EBCBE1}">
-              <a14:hiddenEffects xmlns="" xmlns:a14="http://schemas.microsoft.com/office/drawing/2010/main">
+              <a14:hiddenEffects xmlns:a14="http://schemas.microsoft.com/office/drawing/2010/main" xmlns="">
                 <a:effectLst>
                   <a:outerShdw blurRad="63500" dist="38099" dir="2700000" algn="ctr" rotWithShape="0">
                     <a:schemeClr val="bg2">
@@ -13214,14 +13262,14 @@
           </a:xfrm>
           <a:extLst>
             <a:ext uri="{909E8E84-426E-40dd-AFC4-6F175D3DCCD1}">
-              <a14:hiddenFill xmlns="" xmlns:a14="http://schemas.microsoft.com/office/drawing/2010/main">
+              <a14:hiddenFill xmlns:a14="http://schemas.microsoft.com/office/drawing/2010/main" xmlns="">
                 <a:solidFill>
                   <a:schemeClr val="accent1"/>
                 </a:solidFill>
               </a14:hiddenFill>
             </a:ext>
             <a:ext uri="{91240B29-F687-4f45-9708-019B960494DF}">
-              <a14:hiddenLine xmlns="" xmlns:a14="http://schemas.microsoft.com/office/drawing/2010/main" w="9525">
+              <a14:hiddenLine xmlns:a14="http://schemas.microsoft.com/office/drawing/2010/main" xmlns="" w="9525">
                 <a:solidFill>
                   <a:schemeClr val="tx1"/>
                 </a:solidFill>
@@ -13231,7 +13279,7 @@
               </a14:hiddenLine>
             </a:ext>
             <a:ext uri="{AF507438-7753-43e0-B8FC-AC1667EBCBE1}">
-              <a14:hiddenEffects xmlns="" xmlns:a14="http://schemas.microsoft.com/office/drawing/2010/main">
+              <a14:hiddenEffects xmlns:a14="http://schemas.microsoft.com/office/drawing/2010/main" xmlns="">
                 <a:effectLst>
                   <a:outerShdw blurRad="63500" dist="38099" dir="2700000" algn="ctr" rotWithShape="0">
                     <a:schemeClr val="bg2">
@@ -13282,14 +13330,14 @@
           </a:xfrm>
           <a:extLst>
             <a:ext uri="{909E8E84-426E-40dd-AFC4-6F175D3DCCD1}">
-              <a14:hiddenFill xmlns="" xmlns:a14="http://schemas.microsoft.com/office/drawing/2010/main">
+              <a14:hiddenFill xmlns:a14="http://schemas.microsoft.com/office/drawing/2010/main" xmlns="">
                 <a:solidFill>
                   <a:schemeClr val="accent1"/>
                 </a:solidFill>
               </a14:hiddenFill>
             </a:ext>
             <a:ext uri="{91240B29-F687-4f45-9708-019B960494DF}">
-              <a14:hiddenLine xmlns="" xmlns:a14="http://schemas.microsoft.com/office/drawing/2010/main" w="9525">
+              <a14:hiddenLine xmlns:a14="http://schemas.microsoft.com/office/drawing/2010/main" xmlns="" w="9525">
                 <a:solidFill>
                   <a:schemeClr val="tx1"/>
                 </a:solidFill>
@@ -13299,7 +13347,7 @@
               </a14:hiddenLine>
             </a:ext>
             <a:ext uri="{AF507438-7753-43e0-B8FC-AC1667EBCBE1}">
-              <a14:hiddenEffects xmlns="" xmlns:a14="http://schemas.microsoft.com/office/drawing/2010/main">
+              <a14:hiddenEffects xmlns:a14="http://schemas.microsoft.com/office/drawing/2010/main" xmlns="">
                 <a:effectLst>
                   <a:outerShdw blurRad="63500" dist="38099" dir="2700000" algn="ctr" rotWithShape="0">
                     <a:schemeClr val="bg2">
@@ -13760,14 +13808,14 @@
           </a:xfrm>
           <a:extLst>
             <a:ext uri="{909E8E84-426E-40dd-AFC4-6F175D3DCCD1}">
-              <a14:hiddenFill xmlns="" xmlns:a14="http://schemas.microsoft.com/office/drawing/2010/main">
+              <a14:hiddenFill xmlns:a14="http://schemas.microsoft.com/office/drawing/2010/main" xmlns="">
                 <a:solidFill>
                   <a:schemeClr val="accent1"/>
                 </a:solidFill>
               </a14:hiddenFill>
             </a:ext>
             <a:ext uri="{91240B29-F687-4f45-9708-019B960494DF}">
-              <a14:hiddenLine xmlns="" xmlns:a14="http://schemas.microsoft.com/office/drawing/2010/main" w="9525">
+              <a14:hiddenLine xmlns:a14="http://schemas.microsoft.com/office/drawing/2010/main" xmlns="" w="9525">
                 <a:solidFill>
                   <a:schemeClr val="tx1"/>
                 </a:solidFill>
@@ -13777,7 +13825,7 @@
               </a14:hiddenLine>
             </a:ext>
             <a:ext uri="{AF507438-7753-43e0-B8FC-AC1667EBCBE1}">
-              <a14:hiddenEffects xmlns="" xmlns:a14="http://schemas.microsoft.com/office/drawing/2010/main">
+              <a14:hiddenEffects xmlns:a14="http://schemas.microsoft.com/office/drawing/2010/main" xmlns="">
                 <a:effectLst>
                   <a:outerShdw blurRad="63500" dist="38099" dir="2700000" algn="ctr" rotWithShape="0">
                     <a:schemeClr val="bg2">
@@ -13828,14 +13876,14 @@
           </a:xfrm>
           <a:extLst>
             <a:ext uri="{909E8E84-426E-40dd-AFC4-6F175D3DCCD1}">
-              <a14:hiddenFill xmlns="" xmlns:a14="http://schemas.microsoft.com/office/drawing/2010/main">
+              <a14:hiddenFill xmlns:a14="http://schemas.microsoft.com/office/drawing/2010/main" xmlns="">
                 <a:solidFill>
                   <a:schemeClr val="accent1"/>
                 </a:solidFill>
               </a14:hiddenFill>
             </a:ext>
             <a:ext uri="{91240B29-F687-4f45-9708-019B960494DF}">
-              <a14:hiddenLine xmlns="" xmlns:a14="http://schemas.microsoft.com/office/drawing/2010/main" w="9525">
+              <a14:hiddenLine xmlns:a14="http://schemas.microsoft.com/office/drawing/2010/main" xmlns="" w="9525">
                 <a:solidFill>
                   <a:schemeClr val="tx1"/>
                 </a:solidFill>
@@ -13845,7 +13893,7 @@
               </a14:hiddenLine>
             </a:ext>
             <a:ext uri="{AF507438-7753-43e0-B8FC-AC1667EBCBE1}">
-              <a14:hiddenEffects xmlns="" xmlns:a14="http://schemas.microsoft.com/office/drawing/2010/main">
+              <a14:hiddenEffects xmlns:a14="http://schemas.microsoft.com/office/drawing/2010/main" xmlns="">
                 <a:effectLst>
                   <a:outerShdw blurRad="63500" dist="38099" dir="2700000" algn="ctr" rotWithShape="0">
                     <a:schemeClr val="bg2">
@@ -13919,14 +13967,14 @@
           <a:effectLst/>
           <a:extLst>
             <a:ext uri="{909E8E84-426E-40dd-AFC4-6F175D3DCCD1}">
-              <a14:hiddenFill xmlns="" xmlns:a14="http://schemas.microsoft.com/office/drawing/2010/main">
+              <a14:hiddenFill xmlns:a14="http://schemas.microsoft.com/office/drawing/2010/main" xmlns="">
                 <a:solidFill>
                   <a:schemeClr val="accent1"/>
                 </a:solidFill>
               </a14:hiddenFill>
             </a:ext>
             <a:ext uri="{91240B29-F687-4f45-9708-019B960494DF}">
-              <a14:hiddenLine xmlns="" xmlns:a14="http://schemas.microsoft.com/office/drawing/2010/main" w="9525">
+              <a14:hiddenLine xmlns:a14="http://schemas.microsoft.com/office/drawing/2010/main" xmlns="" w="9525">
                 <a:solidFill>
                   <a:schemeClr val="tx1"/>
                 </a:solidFill>
@@ -13936,7 +13984,7 @@
               </a14:hiddenLine>
             </a:ext>
             <a:ext uri="{AF507438-7753-43e0-B8FC-AC1667EBCBE1}">
-              <a14:hiddenEffects xmlns="" xmlns:a14="http://schemas.microsoft.com/office/drawing/2010/main">
+              <a14:hiddenEffects xmlns:a14="http://schemas.microsoft.com/office/drawing/2010/main" xmlns="">
                 <a:effectLst>
                   <a:outerShdw blurRad="63500" dist="38099" dir="2700000" algn="ctr" rotWithShape="0">
                     <a:schemeClr val="bg2">
@@ -14119,12 +14167,12 @@
           <a:effectLst/>
           <a:extLst>
             <a:ext uri="{909E8E84-426E-40dd-AFC4-6F175D3DCCD1}">
-              <a14:hiddenFill xmlns="" xmlns:a14="http://schemas.microsoft.com/office/drawing/2010/main">
+              <a14:hiddenFill xmlns:a14="http://schemas.microsoft.com/office/drawing/2010/main" xmlns="">
                 <a:noFill/>
               </a14:hiddenFill>
             </a:ext>
             <a:ext uri="{AF507438-7753-43e0-B8FC-AC1667EBCBE1}">
-              <a14:hiddenEffects xmlns="" xmlns:a14="http://schemas.microsoft.com/office/drawing/2010/main">
+              <a14:hiddenEffects xmlns:a14="http://schemas.microsoft.com/office/drawing/2010/main" xmlns="">
                 <a:effectLst>
                   <a:outerShdw blurRad="63500" dist="38099" dir="2700000" algn="ctr" rotWithShape="0">
                     <a:schemeClr val="bg2">
@@ -14178,14 +14226,14 @@
           <a:effectLst/>
           <a:extLst>
             <a:ext uri="{909E8E84-426E-40dd-AFC4-6F175D3DCCD1}">
-              <a14:hiddenFill xmlns="" xmlns:a14="http://schemas.microsoft.com/office/drawing/2010/main">
+              <a14:hiddenFill xmlns:a14="http://schemas.microsoft.com/office/drawing/2010/main" xmlns="">
                 <a:solidFill>
                   <a:schemeClr val="accent1"/>
                 </a:solidFill>
               </a14:hiddenFill>
             </a:ext>
             <a:ext uri="{AF507438-7753-43e0-B8FC-AC1667EBCBE1}">
-              <a14:hiddenEffects xmlns="" xmlns:a14="http://schemas.microsoft.com/office/drawing/2010/main">
+              <a14:hiddenEffects xmlns:a14="http://schemas.microsoft.com/office/drawing/2010/main" xmlns="">
                 <a:effectLst>
                   <a:outerShdw blurRad="63500" dist="38099" dir="2700000" algn="ctr" rotWithShape="0">
                     <a:schemeClr val="bg2">
@@ -14239,14 +14287,14 @@
           <a:effectLst/>
           <a:extLst>
             <a:ext uri="{909E8E84-426E-40dd-AFC4-6F175D3DCCD1}">
-              <a14:hiddenFill xmlns="" xmlns:a14="http://schemas.microsoft.com/office/drawing/2010/main">
+              <a14:hiddenFill xmlns:a14="http://schemas.microsoft.com/office/drawing/2010/main" xmlns="">
                 <a:solidFill>
                   <a:schemeClr val="accent1"/>
                 </a:solidFill>
               </a14:hiddenFill>
             </a:ext>
             <a:ext uri="{AF507438-7753-43e0-B8FC-AC1667EBCBE1}">
-              <a14:hiddenEffects xmlns="" xmlns:a14="http://schemas.microsoft.com/office/drawing/2010/main">
+              <a14:hiddenEffects xmlns:a14="http://schemas.microsoft.com/office/drawing/2010/main" xmlns="">
                 <a:effectLst>
                   <a:outerShdw blurRad="63500" dist="38099" dir="2700000" algn="ctr" rotWithShape="0">
                     <a:schemeClr val="bg2">
@@ -14447,14 +14495,14 @@
           </a:xfrm>
           <a:extLst>
             <a:ext uri="{909E8E84-426E-40dd-AFC4-6F175D3DCCD1}">
-              <a14:hiddenFill xmlns="" xmlns:a14="http://schemas.microsoft.com/office/drawing/2010/main">
+              <a14:hiddenFill xmlns:a14="http://schemas.microsoft.com/office/drawing/2010/main" xmlns="">
                 <a:solidFill>
                   <a:schemeClr val="accent1"/>
                 </a:solidFill>
               </a14:hiddenFill>
             </a:ext>
             <a:ext uri="{91240B29-F687-4f45-9708-019B960494DF}">
-              <a14:hiddenLine xmlns="" xmlns:a14="http://schemas.microsoft.com/office/drawing/2010/main" w="9525">
+              <a14:hiddenLine xmlns:a14="http://schemas.microsoft.com/office/drawing/2010/main" xmlns="" w="9525">
                 <a:solidFill>
                   <a:schemeClr val="tx1"/>
                 </a:solidFill>
@@ -14464,7 +14512,7 @@
               </a14:hiddenLine>
             </a:ext>
             <a:ext uri="{AF507438-7753-43e0-B8FC-AC1667EBCBE1}">
-              <a14:hiddenEffects xmlns="" xmlns:a14="http://schemas.microsoft.com/office/drawing/2010/main">
+              <a14:hiddenEffects xmlns:a14="http://schemas.microsoft.com/office/drawing/2010/main" xmlns="">
                 <a:effectLst>
                   <a:outerShdw blurRad="63500" dist="38099" dir="2700000" algn="ctr" rotWithShape="0">
                     <a:schemeClr val="bg2">
@@ -14515,14 +14563,14 @@
           </a:xfrm>
           <a:extLst>
             <a:ext uri="{909E8E84-426E-40dd-AFC4-6F175D3DCCD1}">
-              <a14:hiddenFill xmlns="" xmlns:a14="http://schemas.microsoft.com/office/drawing/2010/main">
+              <a14:hiddenFill xmlns:a14="http://schemas.microsoft.com/office/drawing/2010/main" xmlns="">
                 <a:solidFill>
                   <a:schemeClr val="accent1"/>
                 </a:solidFill>
               </a14:hiddenFill>
             </a:ext>
             <a:ext uri="{91240B29-F687-4f45-9708-019B960494DF}">
-              <a14:hiddenLine xmlns="" xmlns:a14="http://schemas.microsoft.com/office/drawing/2010/main" w="9525">
+              <a14:hiddenLine xmlns:a14="http://schemas.microsoft.com/office/drawing/2010/main" xmlns="" w="9525">
                 <a:solidFill>
                   <a:schemeClr val="tx1"/>
                 </a:solidFill>
@@ -14532,7 +14580,7 @@
               </a14:hiddenLine>
             </a:ext>
             <a:ext uri="{AF507438-7753-43e0-B8FC-AC1667EBCBE1}">
-              <a14:hiddenEffects xmlns="" xmlns:a14="http://schemas.microsoft.com/office/drawing/2010/main">
+              <a14:hiddenEffects xmlns:a14="http://schemas.microsoft.com/office/drawing/2010/main" xmlns="">
                 <a:effectLst>
                   <a:outerShdw blurRad="63500" dist="38099" dir="2700000" algn="ctr" rotWithShape="0">
                     <a:schemeClr val="bg2">
@@ -14619,14 +14667,14 @@
           <a:effectLst/>
           <a:extLst>
             <a:ext uri="{909E8E84-426E-40dd-AFC4-6F175D3DCCD1}">
-              <a14:hiddenFill xmlns="" xmlns:a14="http://schemas.microsoft.com/office/drawing/2010/main">
+              <a14:hiddenFill xmlns:a14="http://schemas.microsoft.com/office/drawing/2010/main" xmlns="">
                 <a:solidFill>
                   <a:schemeClr val="accent1"/>
                 </a:solidFill>
               </a14:hiddenFill>
             </a:ext>
             <a:ext uri="{91240B29-F687-4f45-9708-019B960494DF}">
-              <a14:hiddenLine xmlns="" xmlns:a14="http://schemas.microsoft.com/office/drawing/2010/main" w="9525">
+              <a14:hiddenLine xmlns:a14="http://schemas.microsoft.com/office/drawing/2010/main" xmlns="" w="9525">
                 <a:solidFill>
                   <a:schemeClr val="tx1"/>
                 </a:solidFill>
@@ -14636,7 +14684,7 @@
               </a14:hiddenLine>
             </a:ext>
             <a:ext uri="{AF507438-7753-43e0-B8FC-AC1667EBCBE1}">
-              <a14:hiddenEffects xmlns="" xmlns:a14="http://schemas.microsoft.com/office/drawing/2010/main">
+              <a14:hiddenEffects xmlns:a14="http://schemas.microsoft.com/office/drawing/2010/main" xmlns="">
                 <a:effectLst>
                   <a:outerShdw blurRad="63500" dist="38099" dir="2700000" algn="ctr" rotWithShape="0">
                     <a:schemeClr val="bg2">
@@ -14672,14 +14720,14 @@
           <a:effectLst/>
           <a:extLst>
             <a:ext uri="{909E8E84-426E-40dd-AFC4-6F175D3DCCD1}">
-              <a14:hiddenFill xmlns="" xmlns:a14="http://schemas.microsoft.com/office/drawing/2010/main">
+              <a14:hiddenFill xmlns:a14="http://schemas.microsoft.com/office/drawing/2010/main" xmlns="">
                 <a:solidFill>
                   <a:schemeClr val="accent1"/>
                 </a:solidFill>
               </a14:hiddenFill>
             </a:ext>
             <a:ext uri="{91240B29-F687-4f45-9708-019B960494DF}">
-              <a14:hiddenLine xmlns="" xmlns:a14="http://schemas.microsoft.com/office/drawing/2010/main" w="9525">
+              <a14:hiddenLine xmlns:a14="http://schemas.microsoft.com/office/drawing/2010/main" xmlns="" w="9525">
                 <a:solidFill>
                   <a:schemeClr val="tx1"/>
                 </a:solidFill>
@@ -14689,7 +14737,7 @@
               </a14:hiddenLine>
             </a:ext>
             <a:ext uri="{AF507438-7753-43e0-B8FC-AC1667EBCBE1}">
-              <a14:hiddenEffects xmlns="" xmlns:a14="http://schemas.microsoft.com/office/drawing/2010/main">
+              <a14:hiddenEffects xmlns:a14="http://schemas.microsoft.com/office/drawing/2010/main" xmlns="">
                 <a:effectLst>
                   <a:outerShdw blurRad="63500" dist="38099" dir="2700000" algn="ctr" rotWithShape="0">
                     <a:schemeClr val="bg2">
@@ -15022,12 +15070,12 @@
           <a:effectLst/>
           <a:extLst>
             <a:ext uri="{909E8E84-426E-40dd-AFC4-6F175D3DCCD1}">
-              <a14:hiddenFill xmlns="" xmlns:a14="http://schemas.microsoft.com/office/drawing/2010/main">
+              <a14:hiddenFill xmlns:a14="http://schemas.microsoft.com/office/drawing/2010/main" xmlns="">
                 <a:noFill/>
               </a14:hiddenFill>
             </a:ext>
             <a:ext uri="{AF507438-7753-43e0-B8FC-AC1667EBCBE1}">
-              <a14:hiddenEffects xmlns="" xmlns:a14="http://schemas.microsoft.com/office/drawing/2010/main">
+              <a14:hiddenEffects xmlns:a14="http://schemas.microsoft.com/office/drawing/2010/main" xmlns="">
                 <a:effectLst>
                   <a:outerShdw blurRad="63500" dist="38099" dir="2700000" algn="ctr" rotWithShape="0">
                     <a:schemeClr val="bg2">
@@ -15503,14 +15551,14 @@
           </a:xfrm>
           <a:extLst>
             <a:ext uri="{909E8E84-426E-40dd-AFC4-6F175D3DCCD1}">
-              <a14:hiddenFill xmlns="" xmlns:a14="http://schemas.microsoft.com/office/drawing/2010/main">
+              <a14:hiddenFill xmlns:a14="http://schemas.microsoft.com/office/drawing/2010/main" xmlns="">
                 <a:solidFill>
                   <a:schemeClr val="accent1"/>
                 </a:solidFill>
               </a14:hiddenFill>
             </a:ext>
             <a:ext uri="{91240B29-F687-4f45-9708-019B960494DF}">
-              <a14:hiddenLine xmlns="" xmlns:a14="http://schemas.microsoft.com/office/drawing/2010/main" w="9525">
+              <a14:hiddenLine xmlns:a14="http://schemas.microsoft.com/office/drawing/2010/main" xmlns="" w="9525">
                 <a:solidFill>
                   <a:schemeClr val="tx1"/>
                 </a:solidFill>
@@ -15520,7 +15568,7 @@
               </a14:hiddenLine>
             </a:ext>
             <a:ext uri="{AF507438-7753-43e0-B8FC-AC1667EBCBE1}">
-              <a14:hiddenEffects xmlns="" xmlns:a14="http://schemas.microsoft.com/office/drawing/2010/main">
+              <a14:hiddenEffects xmlns:a14="http://schemas.microsoft.com/office/drawing/2010/main" xmlns="">
                 <a:effectLst>
                   <a:outerShdw blurRad="63500" dist="38099" dir="2700000" algn="ctr" rotWithShape="0">
                     <a:schemeClr val="bg2">
@@ -15590,14 +15638,14 @@
           <a:effectLst/>
           <a:extLst>
             <a:ext uri="{909E8E84-426E-40dd-AFC4-6F175D3DCCD1}">
-              <a14:hiddenFill xmlns="" xmlns:a14="http://schemas.microsoft.com/office/drawing/2010/main">
+              <a14:hiddenFill xmlns:a14="http://schemas.microsoft.com/office/drawing/2010/main" xmlns="">
                 <a:solidFill>
                   <a:schemeClr val="accent1"/>
                 </a:solidFill>
               </a14:hiddenFill>
             </a:ext>
             <a:ext uri="{91240B29-F687-4f45-9708-019B960494DF}">
-              <a14:hiddenLine xmlns="" xmlns:a14="http://schemas.microsoft.com/office/drawing/2010/main" w="9525">
+              <a14:hiddenLine xmlns:a14="http://schemas.microsoft.com/office/drawing/2010/main" xmlns="" w="9525">
                 <a:solidFill>
                   <a:schemeClr val="tx1"/>
                 </a:solidFill>
@@ -15607,7 +15655,7 @@
               </a14:hiddenLine>
             </a:ext>
             <a:ext uri="{AF507438-7753-43e0-B8FC-AC1667EBCBE1}">
-              <a14:hiddenEffects xmlns="" xmlns:a14="http://schemas.microsoft.com/office/drawing/2010/main">
+              <a14:hiddenEffects xmlns:a14="http://schemas.microsoft.com/office/drawing/2010/main" xmlns="">
                 <a:effectLst>
                   <a:outerShdw blurRad="63500" dist="38099" dir="2700000" algn="ctr" rotWithShape="0">
                     <a:schemeClr val="bg2">
@@ -15664,12 +15712,12 @@
             <a:effectLst/>
             <a:extLst>
               <a:ext uri="{909E8E84-426E-40dd-AFC4-6F175D3DCCD1}">
-                <a14:hiddenFill xmlns="" xmlns:a14="http://schemas.microsoft.com/office/drawing/2010/main">
+                <a14:hiddenFill xmlns:a14="http://schemas.microsoft.com/office/drawing/2010/main" xmlns="">
                   <a:noFill/>
                 </a14:hiddenFill>
               </a:ext>
               <a:ext uri="{AF507438-7753-43e0-B8FC-AC1667EBCBE1}">
-                <a14:hiddenEffects xmlns="" xmlns:a14="http://schemas.microsoft.com/office/drawing/2010/main">
+                <a14:hiddenEffects xmlns:a14="http://schemas.microsoft.com/office/drawing/2010/main" xmlns="">
                   <a:effectLst>
                     <a:outerShdw blurRad="63500" dist="38099" dir="2700000" algn="ctr" rotWithShape="0">
                       <a:schemeClr val="bg2">
@@ -15723,12 +15771,12 @@
             <a:effectLst/>
             <a:extLst>
               <a:ext uri="{909E8E84-426E-40dd-AFC4-6F175D3DCCD1}">
-                <a14:hiddenFill xmlns="" xmlns:a14="http://schemas.microsoft.com/office/drawing/2010/main">
+                <a14:hiddenFill xmlns:a14="http://schemas.microsoft.com/office/drawing/2010/main" xmlns="">
                   <a:noFill/>
                 </a14:hiddenFill>
               </a:ext>
               <a:ext uri="{AF507438-7753-43e0-B8FC-AC1667EBCBE1}">
-                <a14:hiddenEffects xmlns="" xmlns:a14="http://schemas.microsoft.com/office/drawing/2010/main">
+                <a14:hiddenEffects xmlns:a14="http://schemas.microsoft.com/office/drawing/2010/main" xmlns="">
                   <a:effectLst>
                     <a:outerShdw blurRad="63500" dist="38099" dir="2700000" algn="ctr" rotWithShape="0">
                       <a:schemeClr val="bg2">
@@ -15777,14 +15825,14 @@
             <a:effectLst/>
             <a:extLst>
               <a:ext uri="{909E8E84-426E-40dd-AFC4-6F175D3DCCD1}">
-                <a14:hiddenFill xmlns="" xmlns:a14="http://schemas.microsoft.com/office/drawing/2010/main">
+                <a14:hiddenFill xmlns:a14="http://schemas.microsoft.com/office/drawing/2010/main" xmlns="">
                   <a:solidFill>
                     <a:schemeClr val="accent1"/>
                   </a:solidFill>
                 </a14:hiddenFill>
               </a:ext>
               <a:ext uri="{91240B29-F687-4f45-9708-019B960494DF}">
-                <a14:hiddenLine xmlns="" xmlns:a14="http://schemas.microsoft.com/office/drawing/2010/main" w="9525">
+                <a14:hiddenLine xmlns:a14="http://schemas.microsoft.com/office/drawing/2010/main" xmlns="" w="9525">
                   <a:solidFill>
                     <a:schemeClr val="tx1"/>
                   </a:solidFill>
@@ -15794,7 +15842,7 @@
                 </a14:hiddenLine>
               </a:ext>
               <a:ext uri="{AF507438-7753-43e0-B8FC-AC1667EBCBE1}">
-                <a14:hiddenEffects xmlns="" xmlns:a14="http://schemas.microsoft.com/office/drawing/2010/main">
+                <a14:hiddenEffects xmlns:a14="http://schemas.microsoft.com/office/drawing/2010/main" xmlns="">
                   <a:effectLst>
                     <a:outerShdw blurRad="63500" dist="38099" dir="2700000" algn="ctr" rotWithShape="0">
                       <a:schemeClr val="bg2">
@@ -15963,12 +16011,12 @@
           <a:effectLst/>
           <a:extLst>
             <a:ext uri="{909E8E84-426E-40dd-AFC4-6F175D3DCCD1}">
-              <a14:hiddenFill xmlns="" xmlns:a14="http://schemas.microsoft.com/office/drawing/2010/main">
+              <a14:hiddenFill xmlns:a14="http://schemas.microsoft.com/office/drawing/2010/main" xmlns="">
                 <a:noFill/>
               </a14:hiddenFill>
             </a:ext>
             <a:ext uri="{AF507438-7753-43e0-B8FC-AC1667EBCBE1}">
-              <a14:hiddenEffects xmlns="" xmlns:a14="http://schemas.microsoft.com/office/drawing/2010/main">
+              <a14:hiddenEffects xmlns:a14="http://schemas.microsoft.com/office/drawing/2010/main" xmlns="">
                 <a:effectLst>
                   <a:outerShdw blurRad="63500" dist="38099" dir="2700000" algn="ctr" rotWithShape="0">
                     <a:schemeClr val="bg2">
@@ -16017,14 +16065,14 @@
           <a:effectLst/>
           <a:extLst>
             <a:ext uri="{909E8E84-426E-40dd-AFC4-6F175D3DCCD1}">
-              <a14:hiddenFill xmlns="" xmlns:a14="http://schemas.microsoft.com/office/drawing/2010/main">
+              <a14:hiddenFill xmlns:a14="http://schemas.microsoft.com/office/drawing/2010/main" xmlns="">
                 <a:solidFill>
                   <a:schemeClr val="accent1"/>
                 </a:solidFill>
               </a14:hiddenFill>
             </a:ext>
             <a:ext uri="{91240B29-F687-4f45-9708-019B960494DF}">
-              <a14:hiddenLine xmlns="" xmlns:a14="http://schemas.microsoft.com/office/drawing/2010/main" w="9525">
+              <a14:hiddenLine xmlns:a14="http://schemas.microsoft.com/office/drawing/2010/main" xmlns="" w="9525">
                 <a:solidFill>
                   <a:schemeClr val="tx1"/>
                 </a:solidFill>
@@ -16034,7 +16082,7 @@
               </a14:hiddenLine>
             </a:ext>
             <a:ext uri="{AF507438-7753-43e0-B8FC-AC1667EBCBE1}">
-              <a14:hiddenEffects xmlns="" xmlns:a14="http://schemas.microsoft.com/office/drawing/2010/main">
+              <a14:hiddenEffects xmlns:a14="http://schemas.microsoft.com/office/drawing/2010/main" xmlns="">
                 <a:effectLst>
                   <a:outerShdw blurRad="63500" dist="38099" dir="2700000" algn="ctr" rotWithShape="0">
                     <a:schemeClr val="bg2">
@@ -16201,14 +16249,14 @@
           <a:effectLst/>
           <a:extLst>
             <a:ext uri="{909E8E84-426E-40dd-AFC4-6F175D3DCCD1}">
-              <a14:hiddenFill xmlns="" xmlns:a14="http://schemas.microsoft.com/office/drawing/2010/main">
+              <a14:hiddenFill xmlns:a14="http://schemas.microsoft.com/office/drawing/2010/main" xmlns="">
                 <a:solidFill>
                   <a:schemeClr val="accent1"/>
                 </a:solidFill>
               </a14:hiddenFill>
             </a:ext>
             <a:ext uri="{AF507438-7753-43e0-B8FC-AC1667EBCBE1}">
-              <a14:hiddenEffects xmlns="" xmlns:a14="http://schemas.microsoft.com/office/drawing/2010/main">
+              <a14:hiddenEffects xmlns:a14="http://schemas.microsoft.com/office/drawing/2010/main" xmlns="">
                 <a:effectLst>
                   <a:outerShdw blurRad="63500" dist="38099" dir="2700000" algn="ctr" rotWithShape="0">
                     <a:schemeClr val="bg2">
@@ -16262,14 +16310,14 @@
           <a:effectLst/>
           <a:extLst>
             <a:ext uri="{909E8E84-426E-40dd-AFC4-6F175D3DCCD1}">
-              <a14:hiddenFill xmlns="" xmlns:a14="http://schemas.microsoft.com/office/drawing/2010/main">
+              <a14:hiddenFill xmlns:a14="http://schemas.microsoft.com/office/drawing/2010/main" xmlns="">
                 <a:solidFill>
                   <a:schemeClr val="accent1"/>
                 </a:solidFill>
               </a14:hiddenFill>
             </a:ext>
             <a:ext uri="{AF507438-7753-43e0-B8FC-AC1667EBCBE1}">
-              <a14:hiddenEffects xmlns="" xmlns:a14="http://schemas.microsoft.com/office/drawing/2010/main">
+              <a14:hiddenEffects xmlns:a14="http://schemas.microsoft.com/office/drawing/2010/main" xmlns="">
                 <a:effectLst>
                   <a:outerShdw blurRad="63500" dist="38099" dir="2700000" algn="ctr" rotWithShape="0">
                     <a:schemeClr val="bg2">
@@ -16323,14 +16371,14 @@
           <a:effectLst/>
           <a:extLst>
             <a:ext uri="{909E8E84-426E-40dd-AFC4-6F175D3DCCD1}">
-              <a14:hiddenFill xmlns="" xmlns:a14="http://schemas.microsoft.com/office/drawing/2010/main">
+              <a14:hiddenFill xmlns:a14="http://schemas.microsoft.com/office/drawing/2010/main" xmlns="">
                 <a:solidFill>
                   <a:schemeClr val="accent1"/>
                 </a:solidFill>
               </a14:hiddenFill>
             </a:ext>
             <a:ext uri="{AF507438-7753-43e0-B8FC-AC1667EBCBE1}">
-              <a14:hiddenEffects xmlns="" xmlns:a14="http://schemas.microsoft.com/office/drawing/2010/main">
+              <a14:hiddenEffects xmlns:a14="http://schemas.microsoft.com/office/drawing/2010/main" xmlns="">
                 <a:effectLst>
                   <a:outerShdw blurRad="63500" dist="38099" dir="2700000" algn="ctr" rotWithShape="0">
                     <a:schemeClr val="bg2">
@@ -16384,14 +16432,14 @@
           <a:effectLst/>
           <a:extLst>
             <a:ext uri="{909E8E84-426E-40dd-AFC4-6F175D3DCCD1}">
-              <a14:hiddenFill xmlns="" xmlns:a14="http://schemas.microsoft.com/office/drawing/2010/main">
+              <a14:hiddenFill xmlns:a14="http://schemas.microsoft.com/office/drawing/2010/main" xmlns="">
                 <a:solidFill>
                   <a:schemeClr val="accent1"/>
                 </a:solidFill>
               </a14:hiddenFill>
             </a:ext>
             <a:ext uri="{AF507438-7753-43e0-B8FC-AC1667EBCBE1}">
-              <a14:hiddenEffects xmlns="" xmlns:a14="http://schemas.microsoft.com/office/drawing/2010/main">
+              <a14:hiddenEffects xmlns:a14="http://schemas.microsoft.com/office/drawing/2010/main" xmlns="">
                 <a:effectLst>
                   <a:outerShdw blurRad="63500" dist="38099" dir="2700000" algn="ctr" rotWithShape="0">
                     <a:schemeClr val="bg2">
@@ -16445,14 +16493,14 @@
           <a:effectLst/>
           <a:extLst>
             <a:ext uri="{909E8E84-426E-40dd-AFC4-6F175D3DCCD1}">
-              <a14:hiddenFill xmlns="" xmlns:a14="http://schemas.microsoft.com/office/drawing/2010/main">
+              <a14:hiddenFill xmlns:a14="http://schemas.microsoft.com/office/drawing/2010/main" xmlns="">
                 <a:solidFill>
                   <a:schemeClr val="accent1"/>
                 </a:solidFill>
               </a14:hiddenFill>
             </a:ext>
             <a:ext uri="{AF507438-7753-43e0-B8FC-AC1667EBCBE1}">
-              <a14:hiddenEffects xmlns="" xmlns:a14="http://schemas.microsoft.com/office/drawing/2010/main">
+              <a14:hiddenEffects xmlns:a14="http://schemas.microsoft.com/office/drawing/2010/main" xmlns="">
                 <a:effectLst>
                   <a:outerShdw blurRad="63500" dist="38099" dir="2700000" algn="ctr" rotWithShape="0">
                     <a:schemeClr val="bg2">
@@ -16506,14 +16554,14 @@
           <a:effectLst/>
           <a:extLst>
             <a:ext uri="{909E8E84-426E-40dd-AFC4-6F175D3DCCD1}">
-              <a14:hiddenFill xmlns="" xmlns:a14="http://schemas.microsoft.com/office/drawing/2010/main">
+              <a14:hiddenFill xmlns:a14="http://schemas.microsoft.com/office/drawing/2010/main" xmlns="">
                 <a:solidFill>
                   <a:schemeClr val="accent1"/>
                 </a:solidFill>
               </a14:hiddenFill>
             </a:ext>
             <a:ext uri="{AF507438-7753-43e0-B8FC-AC1667EBCBE1}">
-              <a14:hiddenEffects xmlns="" xmlns:a14="http://schemas.microsoft.com/office/drawing/2010/main">
+              <a14:hiddenEffects xmlns:a14="http://schemas.microsoft.com/office/drawing/2010/main" xmlns="">
                 <a:effectLst>
                   <a:outerShdw blurRad="63500" dist="38099" dir="2700000" algn="ctr" rotWithShape="0">
                     <a:schemeClr val="bg2">
@@ -16567,14 +16615,14 @@
           <a:effectLst/>
           <a:extLst>
             <a:ext uri="{909E8E84-426E-40dd-AFC4-6F175D3DCCD1}">
-              <a14:hiddenFill xmlns="" xmlns:a14="http://schemas.microsoft.com/office/drawing/2010/main">
+              <a14:hiddenFill xmlns:a14="http://schemas.microsoft.com/office/drawing/2010/main" xmlns="">
                 <a:solidFill>
                   <a:schemeClr val="accent1"/>
                 </a:solidFill>
               </a14:hiddenFill>
             </a:ext>
             <a:ext uri="{AF507438-7753-43e0-B8FC-AC1667EBCBE1}">
-              <a14:hiddenEffects xmlns="" xmlns:a14="http://schemas.microsoft.com/office/drawing/2010/main">
+              <a14:hiddenEffects xmlns:a14="http://schemas.microsoft.com/office/drawing/2010/main" xmlns="">
                 <a:effectLst>
                   <a:outerShdw blurRad="63500" dist="38099" dir="2700000" algn="ctr" rotWithShape="0">
                     <a:schemeClr val="bg2">
@@ -16628,14 +16676,14 @@
           <a:effectLst/>
           <a:extLst>
             <a:ext uri="{909E8E84-426E-40dd-AFC4-6F175D3DCCD1}">
-              <a14:hiddenFill xmlns="" xmlns:a14="http://schemas.microsoft.com/office/drawing/2010/main">
+              <a14:hiddenFill xmlns:a14="http://schemas.microsoft.com/office/drawing/2010/main" xmlns="">
                 <a:solidFill>
                   <a:schemeClr val="accent1"/>
                 </a:solidFill>
               </a14:hiddenFill>
             </a:ext>
             <a:ext uri="{AF507438-7753-43e0-B8FC-AC1667EBCBE1}">
-              <a14:hiddenEffects xmlns="" xmlns:a14="http://schemas.microsoft.com/office/drawing/2010/main">
+              <a14:hiddenEffects xmlns:a14="http://schemas.microsoft.com/office/drawing/2010/main" xmlns="">
                 <a:effectLst>
                   <a:outerShdw blurRad="63500" dist="38099" dir="2700000" algn="ctr" rotWithShape="0">
                     <a:schemeClr val="bg2">
@@ -16689,14 +16737,14 @@
           <a:effectLst/>
           <a:extLst>
             <a:ext uri="{909E8E84-426E-40dd-AFC4-6F175D3DCCD1}">
-              <a14:hiddenFill xmlns="" xmlns:a14="http://schemas.microsoft.com/office/drawing/2010/main">
+              <a14:hiddenFill xmlns:a14="http://schemas.microsoft.com/office/drawing/2010/main" xmlns="">
                 <a:solidFill>
                   <a:schemeClr val="accent1"/>
                 </a:solidFill>
               </a14:hiddenFill>
             </a:ext>
             <a:ext uri="{AF507438-7753-43e0-B8FC-AC1667EBCBE1}">
-              <a14:hiddenEffects xmlns="" xmlns:a14="http://schemas.microsoft.com/office/drawing/2010/main">
+              <a14:hiddenEffects xmlns:a14="http://schemas.microsoft.com/office/drawing/2010/main" xmlns="">
                 <a:effectLst>
                   <a:outerShdw blurRad="63500" dist="38099" dir="2700000" algn="ctr" rotWithShape="0">
                     <a:schemeClr val="bg2">
@@ -16750,14 +16798,14 @@
           <a:effectLst/>
           <a:extLst>
             <a:ext uri="{909E8E84-426E-40dd-AFC4-6F175D3DCCD1}">
-              <a14:hiddenFill xmlns="" xmlns:a14="http://schemas.microsoft.com/office/drawing/2010/main">
+              <a14:hiddenFill xmlns:a14="http://schemas.microsoft.com/office/drawing/2010/main" xmlns="">
                 <a:solidFill>
                   <a:schemeClr val="accent1"/>
                 </a:solidFill>
               </a14:hiddenFill>
             </a:ext>
             <a:ext uri="{AF507438-7753-43e0-B8FC-AC1667EBCBE1}">
-              <a14:hiddenEffects xmlns="" xmlns:a14="http://schemas.microsoft.com/office/drawing/2010/main">
+              <a14:hiddenEffects xmlns:a14="http://schemas.microsoft.com/office/drawing/2010/main" xmlns="">
                 <a:effectLst>
                   <a:outerShdw blurRad="63500" dist="38099" dir="2700000" algn="ctr" rotWithShape="0">
                     <a:schemeClr val="bg2">
@@ -16811,14 +16859,14 @@
           <a:effectLst/>
           <a:extLst>
             <a:ext uri="{909E8E84-426E-40dd-AFC4-6F175D3DCCD1}">
-              <a14:hiddenFill xmlns="" xmlns:a14="http://schemas.microsoft.com/office/drawing/2010/main">
+              <a14:hiddenFill xmlns:a14="http://schemas.microsoft.com/office/drawing/2010/main" xmlns="">
                 <a:solidFill>
                   <a:schemeClr val="accent1"/>
                 </a:solidFill>
               </a14:hiddenFill>
             </a:ext>
             <a:ext uri="{AF507438-7753-43e0-B8FC-AC1667EBCBE1}">
-              <a14:hiddenEffects xmlns="" xmlns:a14="http://schemas.microsoft.com/office/drawing/2010/main">
+              <a14:hiddenEffects xmlns:a14="http://schemas.microsoft.com/office/drawing/2010/main" xmlns="">
                 <a:effectLst>
                   <a:outerShdw blurRad="63500" dist="38099" dir="2700000" algn="ctr" rotWithShape="0">
                     <a:schemeClr val="bg2">
@@ -16872,14 +16920,14 @@
           <a:effectLst/>
           <a:extLst>
             <a:ext uri="{909E8E84-426E-40dd-AFC4-6F175D3DCCD1}">
-              <a14:hiddenFill xmlns="" xmlns:a14="http://schemas.microsoft.com/office/drawing/2010/main">
+              <a14:hiddenFill xmlns:a14="http://schemas.microsoft.com/office/drawing/2010/main" xmlns="">
                 <a:solidFill>
                   <a:schemeClr val="accent1"/>
                 </a:solidFill>
               </a14:hiddenFill>
             </a:ext>
             <a:ext uri="{AF507438-7753-43e0-B8FC-AC1667EBCBE1}">
-              <a14:hiddenEffects xmlns="" xmlns:a14="http://schemas.microsoft.com/office/drawing/2010/main">
+              <a14:hiddenEffects xmlns:a14="http://schemas.microsoft.com/office/drawing/2010/main" xmlns="">
                 <a:effectLst>
                   <a:outerShdw blurRad="63500" dist="38099" dir="2700000" algn="ctr" rotWithShape="0">
                     <a:schemeClr val="bg2">
@@ -16933,14 +16981,14 @@
           <a:effectLst/>
           <a:extLst>
             <a:ext uri="{909E8E84-426E-40dd-AFC4-6F175D3DCCD1}">
-              <a14:hiddenFill xmlns="" xmlns:a14="http://schemas.microsoft.com/office/drawing/2010/main">
+              <a14:hiddenFill xmlns:a14="http://schemas.microsoft.com/office/drawing/2010/main" xmlns="">
                 <a:solidFill>
                   <a:schemeClr val="accent1"/>
                 </a:solidFill>
               </a14:hiddenFill>
             </a:ext>
             <a:ext uri="{AF507438-7753-43e0-B8FC-AC1667EBCBE1}">
-              <a14:hiddenEffects xmlns="" xmlns:a14="http://schemas.microsoft.com/office/drawing/2010/main">
+              <a14:hiddenEffects xmlns:a14="http://schemas.microsoft.com/office/drawing/2010/main" xmlns="">
                 <a:effectLst>
                   <a:outerShdw blurRad="63500" dist="38099" dir="2700000" algn="ctr" rotWithShape="0">
                     <a:schemeClr val="bg2">
@@ -16994,14 +17042,14 @@
           <a:effectLst/>
           <a:extLst>
             <a:ext uri="{909E8E84-426E-40dd-AFC4-6F175D3DCCD1}">
-              <a14:hiddenFill xmlns="" xmlns:a14="http://schemas.microsoft.com/office/drawing/2010/main">
+              <a14:hiddenFill xmlns:a14="http://schemas.microsoft.com/office/drawing/2010/main" xmlns="">
                 <a:solidFill>
                   <a:schemeClr val="accent1"/>
                 </a:solidFill>
               </a14:hiddenFill>
             </a:ext>
             <a:ext uri="{AF507438-7753-43e0-B8FC-AC1667EBCBE1}">
-              <a14:hiddenEffects xmlns="" xmlns:a14="http://schemas.microsoft.com/office/drawing/2010/main">
+              <a14:hiddenEffects xmlns:a14="http://schemas.microsoft.com/office/drawing/2010/main" xmlns="">
                 <a:effectLst>
                   <a:outerShdw blurRad="63500" dist="38099" dir="2700000" algn="ctr" rotWithShape="0">
                     <a:schemeClr val="bg2">
@@ -17055,14 +17103,14 @@
           <a:effectLst/>
           <a:extLst>
             <a:ext uri="{909E8E84-426E-40dd-AFC4-6F175D3DCCD1}">
-              <a14:hiddenFill xmlns="" xmlns:a14="http://schemas.microsoft.com/office/drawing/2010/main">
+              <a14:hiddenFill xmlns:a14="http://schemas.microsoft.com/office/drawing/2010/main" xmlns="">
                 <a:solidFill>
                   <a:schemeClr val="accent1"/>
                 </a:solidFill>
               </a14:hiddenFill>
             </a:ext>
             <a:ext uri="{AF507438-7753-43e0-B8FC-AC1667EBCBE1}">
-              <a14:hiddenEffects xmlns="" xmlns:a14="http://schemas.microsoft.com/office/drawing/2010/main">
+              <a14:hiddenEffects xmlns:a14="http://schemas.microsoft.com/office/drawing/2010/main" xmlns="">
                 <a:effectLst>
                   <a:outerShdw blurRad="63500" dist="38099" dir="2700000" algn="ctr" rotWithShape="0">
                     <a:schemeClr val="bg2">
@@ -17116,14 +17164,14 @@
           <a:effectLst/>
           <a:extLst>
             <a:ext uri="{909E8E84-426E-40dd-AFC4-6F175D3DCCD1}">
-              <a14:hiddenFill xmlns="" xmlns:a14="http://schemas.microsoft.com/office/drawing/2010/main">
+              <a14:hiddenFill xmlns:a14="http://schemas.microsoft.com/office/drawing/2010/main" xmlns="">
                 <a:solidFill>
                   <a:schemeClr val="accent1"/>
                 </a:solidFill>
               </a14:hiddenFill>
             </a:ext>
             <a:ext uri="{AF507438-7753-43e0-B8FC-AC1667EBCBE1}">
-              <a14:hiddenEffects xmlns="" xmlns:a14="http://schemas.microsoft.com/office/drawing/2010/main">
+              <a14:hiddenEffects xmlns:a14="http://schemas.microsoft.com/office/drawing/2010/main" xmlns="">
                 <a:effectLst>
                   <a:outerShdw blurRad="63500" dist="38099" dir="2700000" algn="ctr" rotWithShape="0">
                     <a:schemeClr val="bg2">
@@ -17172,14 +17220,14 @@
           <a:effectLst/>
           <a:extLst>
             <a:ext uri="{909E8E84-426E-40dd-AFC4-6F175D3DCCD1}">
-              <a14:hiddenFill xmlns="" xmlns:a14="http://schemas.microsoft.com/office/drawing/2010/main">
+              <a14:hiddenFill xmlns:a14="http://schemas.microsoft.com/office/drawing/2010/main" xmlns="">
                 <a:solidFill>
                   <a:schemeClr val="accent1"/>
                 </a:solidFill>
               </a14:hiddenFill>
             </a:ext>
             <a:ext uri="{91240B29-F687-4f45-9708-019B960494DF}">
-              <a14:hiddenLine xmlns="" xmlns:a14="http://schemas.microsoft.com/office/drawing/2010/main" w="9525">
+              <a14:hiddenLine xmlns:a14="http://schemas.microsoft.com/office/drawing/2010/main" xmlns="" w="9525">
                 <a:solidFill>
                   <a:schemeClr val="tx1"/>
                 </a:solidFill>
@@ -17189,7 +17237,7 @@
               </a14:hiddenLine>
             </a:ext>
             <a:ext uri="{AF507438-7753-43e0-B8FC-AC1667EBCBE1}">
-              <a14:hiddenEffects xmlns="" xmlns:a14="http://schemas.microsoft.com/office/drawing/2010/main">
+              <a14:hiddenEffects xmlns:a14="http://schemas.microsoft.com/office/drawing/2010/main" xmlns="">
                 <a:effectLst>
                   <a:outerShdw blurRad="63500" dist="38099" dir="2700000" algn="ctr" rotWithShape="0">
                     <a:schemeClr val="bg2">
@@ -17485,14 +17533,14 @@
           </a:xfrm>
           <a:extLst>
             <a:ext uri="{909E8E84-426E-40dd-AFC4-6F175D3DCCD1}">
-              <a14:hiddenFill xmlns="" xmlns:a14="http://schemas.microsoft.com/office/drawing/2010/main">
+              <a14:hiddenFill xmlns:a14="http://schemas.microsoft.com/office/drawing/2010/main" xmlns="">
                 <a:solidFill>
                   <a:schemeClr val="accent1"/>
                 </a:solidFill>
               </a14:hiddenFill>
             </a:ext>
             <a:ext uri="{91240B29-F687-4f45-9708-019B960494DF}">
-              <a14:hiddenLine xmlns="" xmlns:a14="http://schemas.microsoft.com/office/drawing/2010/main" w="9525">
+              <a14:hiddenLine xmlns:a14="http://schemas.microsoft.com/office/drawing/2010/main" xmlns="" w="9525">
                 <a:solidFill>
                   <a:schemeClr val="tx1"/>
                 </a:solidFill>
@@ -17502,7 +17550,7 @@
               </a14:hiddenLine>
             </a:ext>
             <a:ext uri="{AF507438-7753-43e0-B8FC-AC1667EBCBE1}">
-              <a14:hiddenEffects xmlns="" xmlns:a14="http://schemas.microsoft.com/office/drawing/2010/main">
+              <a14:hiddenEffects xmlns:a14="http://schemas.microsoft.com/office/drawing/2010/main" xmlns="">
                 <a:effectLst>
                   <a:outerShdw blurRad="63500" dist="38099" dir="2700000" algn="ctr" rotWithShape="0">
                     <a:schemeClr val="bg2">
@@ -17572,14 +17620,14 @@
           <a:effectLst/>
           <a:extLst>
             <a:ext uri="{909E8E84-426E-40dd-AFC4-6F175D3DCCD1}">
-              <a14:hiddenFill xmlns="" xmlns:a14="http://schemas.microsoft.com/office/drawing/2010/main">
+              <a14:hiddenFill xmlns:a14="http://schemas.microsoft.com/office/drawing/2010/main" xmlns="">
                 <a:solidFill>
                   <a:schemeClr val="accent1"/>
                 </a:solidFill>
               </a14:hiddenFill>
             </a:ext>
             <a:ext uri="{91240B29-F687-4f45-9708-019B960494DF}">
-              <a14:hiddenLine xmlns="" xmlns:a14="http://schemas.microsoft.com/office/drawing/2010/main" w="9525">
+              <a14:hiddenLine xmlns:a14="http://schemas.microsoft.com/office/drawing/2010/main" xmlns="" w="9525">
                 <a:solidFill>
                   <a:schemeClr val="tx1"/>
                 </a:solidFill>
@@ -17589,7 +17637,7 @@
               </a14:hiddenLine>
             </a:ext>
             <a:ext uri="{AF507438-7753-43e0-B8FC-AC1667EBCBE1}">
-              <a14:hiddenEffects xmlns="" xmlns:a14="http://schemas.microsoft.com/office/drawing/2010/main">
+              <a14:hiddenEffects xmlns:a14="http://schemas.microsoft.com/office/drawing/2010/main" xmlns="">
                 <a:effectLst>
                   <a:outerShdw blurRad="63500" dist="38099" dir="2700000" algn="ctr" rotWithShape="0">
                     <a:schemeClr val="bg2">
@@ -17646,12 +17694,12 @@
             <a:effectLst/>
             <a:extLst>
               <a:ext uri="{909E8E84-426E-40dd-AFC4-6F175D3DCCD1}">
-                <a14:hiddenFill xmlns="" xmlns:a14="http://schemas.microsoft.com/office/drawing/2010/main">
+                <a14:hiddenFill xmlns:a14="http://schemas.microsoft.com/office/drawing/2010/main" xmlns="">
                   <a:noFill/>
                 </a14:hiddenFill>
               </a:ext>
               <a:ext uri="{AF507438-7753-43e0-B8FC-AC1667EBCBE1}">
-                <a14:hiddenEffects xmlns="" xmlns:a14="http://schemas.microsoft.com/office/drawing/2010/main">
+                <a14:hiddenEffects xmlns:a14="http://schemas.microsoft.com/office/drawing/2010/main" xmlns="">
                   <a:effectLst>
                     <a:outerShdw blurRad="63500" dist="38099" dir="2700000" algn="ctr" rotWithShape="0">
                       <a:schemeClr val="bg2">
@@ -17705,12 +17753,12 @@
             <a:effectLst/>
             <a:extLst>
               <a:ext uri="{909E8E84-426E-40dd-AFC4-6F175D3DCCD1}">
-                <a14:hiddenFill xmlns="" xmlns:a14="http://schemas.microsoft.com/office/drawing/2010/main">
+                <a14:hiddenFill xmlns:a14="http://schemas.microsoft.com/office/drawing/2010/main" xmlns="">
                   <a:noFill/>
                 </a14:hiddenFill>
               </a:ext>
               <a:ext uri="{AF507438-7753-43e0-B8FC-AC1667EBCBE1}">
-                <a14:hiddenEffects xmlns="" xmlns:a14="http://schemas.microsoft.com/office/drawing/2010/main">
+                <a14:hiddenEffects xmlns:a14="http://schemas.microsoft.com/office/drawing/2010/main" xmlns="">
                   <a:effectLst>
                     <a:outerShdw blurRad="63500" dist="38099" dir="2700000" algn="ctr" rotWithShape="0">
                       <a:schemeClr val="bg2">
@@ -17759,14 +17807,14 @@
             <a:effectLst/>
             <a:extLst>
               <a:ext uri="{909E8E84-426E-40dd-AFC4-6F175D3DCCD1}">
-                <a14:hiddenFill xmlns="" xmlns:a14="http://schemas.microsoft.com/office/drawing/2010/main">
+                <a14:hiddenFill xmlns:a14="http://schemas.microsoft.com/office/drawing/2010/main" xmlns="">
                   <a:solidFill>
                     <a:schemeClr val="accent1"/>
                   </a:solidFill>
                 </a14:hiddenFill>
               </a:ext>
               <a:ext uri="{91240B29-F687-4f45-9708-019B960494DF}">
-                <a14:hiddenLine xmlns="" xmlns:a14="http://schemas.microsoft.com/office/drawing/2010/main" w="9525">
+                <a14:hiddenLine xmlns:a14="http://schemas.microsoft.com/office/drawing/2010/main" xmlns="" w="9525">
                   <a:solidFill>
                     <a:schemeClr val="tx1"/>
                   </a:solidFill>
@@ -17776,7 +17824,7 @@
                 </a14:hiddenLine>
               </a:ext>
               <a:ext uri="{AF507438-7753-43e0-B8FC-AC1667EBCBE1}">
-                <a14:hiddenEffects xmlns="" xmlns:a14="http://schemas.microsoft.com/office/drawing/2010/main">
+                <a14:hiddenEffects xmlns:a14="http://schemas.microsoft.com/office/drawing/2010/main" xmlns="">
                   <a:effectLst>
                     <a:outerShdw blurRad="63500" dist="38099" dir="2700000" algn="ctr" rotWithShape="0">
                       <a:schemeClr val="bg2">
@@ -17945,12 +17993,12 @@
           <a:effectLst/>
           <a:extLst>
             <a:ext uri="{909E8E84-426E-40dd-AFC4-6F175D3DCCD1}">
-              <a14:hiddenFill xmlns="" xmlns:a14="http://schemas.microsoft.com/office/drawing/2010/main">
+              <a14:hiddenFill xmlns:a14="http://schemas.microsoft.com/office/drawing/2010/main" xmlns="">
                 <a:noFill/>
               </a14:hiddenFill>
             </a:ext>
             <a:ext uri="{AF507438-7753-43e0-B8FC-AC1667EBCBE1}">
-              <a14:hiddenEffects xmlns="" xmlns:a14="http://schemas.microsoft.com/office/drawing/2010/main">
+              <a14:hiddenEffects xmlns:a14="http://schemas.microsoft.com/office/drawing/2010/main" xmlns="">
                 <a:effectLst>
                   <a:outerShdw blurRad="63500" dist="38099" dir="2700000" algn="ctr" rotWithShape="0">
                     <a:schemeClr val="bg2">
@@ -17999,14 +18047,14 @@
           <a:effectLst/>
           <a:extLst>
             <a:ext uri="{909E8E84-426E-40dd-AFC4-6F175D3DCCD1}">
-              <a14:hiddenFill xmlns="" xmlns:a14="http://schemas.microsoft.com/office/drawing/2010/main">
+              <a14:hiddenFill xmlns:a14="http://schemas.microsoft.com/office/drawing/2010/main" xmlns="">
                 <a:solidFill>
                   <a:schemeClr val="accent1"/>
                 </a:solidFill>
               </a14:hiddenFill>
             </a:ext>
             <a:ext uri="{91240B29-F687-4f45-9708-019B960494DF}">
-              <a14:hiddenLine xmlns="" xmlns:a14="http://schemas.microsoft.com/office/drawing/2010/main" w="9525">
+              <a14:hiddenLine xmlns:a14="http://schemas.microsoft.com/office/drawing/2010/main" xmlns="" w="9525">
                 <a:solidFill>
                   <a:schemeClr val="tx1"/>
                 </a:solidFill>
@@ -18016,7 +18064,7 @@
               </a14:hiddenLine>
             </a:ext>
             <a:ext uri="{AF507438-7753-43e0-B8FC-AC1667EBCBE1}">
-              <a14:hiddenEffects xmlns="" xmlns:a14="http://schemas.microsoft.com/office/drawing/2010/main">
+              <a14:hiddenEffects xmlns:a14="http://schemas.microsoft.com/office/drawing/2010/main" xmlns="">
                 <a:effectLst>
                   <a:outerShdw blurRad="63500" dist="38099" dir="2700000" algn="ctr" rotWithShape="0">
                     <a:schemeClr val="bg2">
@@ -18183,14 +18231,14 @@
           <a:effectLst/>
           <a:extLst>
             <a:ext uri="{909E8E84-426E-40dd-AFC4-6F175D3DCCD1}">
-              <a14:hiddenFill xmlns="" xmlns:a14="http://schemas.microsoft.com/office/drawing/2010/main">
+              <a14:hiddenFill xmlns:a14="http://schemas.microsoft.com/office/drawing/2010/main" xmlns="">
                 <a:solidFill>
                   <a:schemeClr val="accent1"/>
                 </a:solidFill>
               </a14:hiddenFill>
             </a:ext>
             <a:ext uri="{AF507438-7753-43e0-B8FC-AC1667EBCBE1}">
-              <a14:hiddenEffects xmlns="" xmlns:a14="http://schemas.microsoft.com/office/drawing/2010/main">
+              <a14:hiddenEffects xmlns:a14="http://schemas.microsoft.com/office/drawing/2010/main" xmlns="">
                 <a:effectLst>
                   <a:outerShdw blurRad="63500" dist="38099" dir="2700000" algn="ctr" rotWithShape="0">
                     <a:schemeClr val="bg2">
@@ -18244,14 +18292,14 @@
           <a:effectLst/>
           <a:extLst>
             <a:ext uri="{909E8E84-426E-40dd-AFC4-6F175D3DCCD1}">
-              <a14:hiddenFill xmlns="" xmlns:a14="http://schemas.microsoft.com/office/drawing/2010/main">
+              <a14:hiddenFill xmlns:a14="http://schemas.microsoft.com/office/drawing/2010/main" xmlns="">
                 <a:solidFill>
                   <a:schemeClr val="accent1"/>
                 </a:solidFill>
               </a14:hiddenFill>
             </a:ext>
             <a:ext uri="{AF507438-7753-43e0-B8FC-AC1667EBCBE1}">
-              <a14:hiddenEffects xmlns="" xmlns:a14="http://schemas.microsoft.com/office/drawing/2010/main">
+              <a14:hiddenEffects xmlns:a14="http://schemas.microsoft.com/office/drawing/2010/main" xmlns="">
                 <a:effectLst>
                   <a:outerShdw blurRad="63500" dist="38099" dir="2700000" algn="ctr" rotWithShape="0">
                     <a:schemeClr val="bg2">
@@ -18305,14 +18353,14 @@
           <a:effectLst/>
           <a:extLst>
             <a:ext uri="{909E8E84-426E-40dd-AFC4-6F175D3DCCD1}">
-              <a14:hiddenFill xmlns="" xmlns:a14="http://schemas.microsoft.com/office/drawing/2010/main">
+              <a14:hiddenFill xmlns:a14="http://schemas.microsoft.com/office/drawing/2010/main" xmlns="">
                 <a:solidFill>
                   <a:schemeClr val="accent1"/>
                 </a:solidFill>
               </a14:hiddenFill>
             </a:ext>
             <a:ext uri="{AF507438-7753-43e0-B8FC-AC1667EBCBE1}">
-              <a14:hiddenEffects xmlns="" xmlns:a14="http://schemas.microsoft.com/office/drawing/2010/main">
+              <a14:hiddenEffects xmlns:a14="http://schemas.microsoft.com/office/drawing/2010/main" xmlns="">
                 <a:effectLst>
                   <a:outerShdw blurRad="63500" dist="38099" dir="2700000" algn="ctr" rotWithShape="0">
                     <a:schemeClr val="bg2">
@@ -18366,14 +18414,14 @@
           <a:effectLst/>
           <a:extLst>
             <a:ext uri="{909E8E84-426E-40dd-AFC4-6F175D3DCCD1}">
-              <a14:hiddenFill xmlns="" xmlns:a14="http://schemas.microsoft.com/office/drawing/2010/main">
+              <a14:hiddenFill xmlns:a14="http://schemas.microsoft.com/office/drawing/2010/main" xmlns="">
                 <a:solidFill>
                   <a:schemeClr val="accent1"/>
                 </a:solidFill>
               </a14:hiddenFill>
             </a:ext>
             <a:ext uri="{AF507438-7753-43e0-B8FC-AC1667EBCBE1}">
-              <a14:hiddenEffects xmlns="" xmlns:a14="http://schemas.microsoft.com/office/drawing/2010/main">
+              <a14:hiddenEffects xmlns:a14="http://schemas.microsoft.com/office/drawing/2010/main" xmlns="">
                 <a:effectLst>
                   <a:outerShdw blurRad="63500" dist="38099" dir="2700000" algn="ctr" rotWithShape="0">
                     <a:schemeClr val="bg2">
@@ -18427,14 +18475,14 @@
           <a:effectLst/>
           <a:extLst>
             <a:ext uri="{909E8E84-426E-40dd-AFC4-6F175D3DCCD1}">
-              <a14:hiddenFill xmlns="" xmlns:a14="http://schemas.microsoft.com/office/drawing/2010/main">
+              <a14:hiddenFill xmlns:a14="http://schemas.microsoft.com/office/drawing/2010/main" xmlns="">
                 <a:solidFill>
                   <a:schemeClr val="accent1"/>
                 </a:solidFill>
               </a14:hiddenFill>
             </a:ext>
             <a:ext uri="{AF507438-7753-43e0-B8FC-AC1667EBCBE1}">
-              <a14:hiddenEffects xmlns="" xmlns:a14="http://schemas.microsoft.com/office/drawing/2010/main">
+              <a14:hiddenEffects xmlns:a14="http://schemas.microsoft.com/office/drawing/2010/main" xmlns="">
                 <a:effectLst>
                   <a:outerShdw blurRad="63500" dist="38099" dir="2700000" algn="ctr" rotWithShape="0">
                     <a:schemeClr val="bg2">
@@ -18488,14 +18536,14 @@
           <a:effectLst/>
           <a:extLst>
             <a:ext uri="{909E8E84-426E-40dd-AFC4-6F175D3DCCD1}">
-              <a14:hiddenFill xmlns="" xmlns:a14="http://schemas.microsoft.com/office/drawing/2010/main">
+              <a14:hiddenFill xmlns:a14="http://schemas.microsoft.com/office/drawing/2010/main" xmlns="">
                 <a:solidFill>
                   <a:schemeClr val="accent1"/>
                 </a:solidFill>
               </a14:hiddenFill>
             </a:ext>
             <a:ext uri="{AF507438-7753-43e0-B8FC-AC1667EBCBE1}">
-              <a14:hiddenEffects xmlns="" xmlns:a14="http://schemas.microsoft.com/office/drawing/2010/main">
+              <a14:hiddenEffects xmlns:a14="http://schemas.microsoft.com/office/drawing/2010/main" xmlns="">
                 <a:effectLst>
                   <a:outerShdw blurRad="63500" dist="38099" dir="2700000" algn="ctr" rotWithShape="0">
                     <a:schemeClr val="bg2">
@@ -18549,14 +18597,14 @@
           <a:effectLst/>
           <a:extLst>
             <a:ext uri="{909E8E84-426E-40dd-AFC4-6F175D3DCCD1}">
-              <a14:hiddenFill xmlns="" xmlns:a14="http://schemas.microsoft.com/office/drawing/2010/main">
+              <a14:hiddenFill xmlns:a14="http://schemas.microsoft.com/office/drawing/2010/main" xmlns="">
                 <a:solidFill>
                   <a:schemeClr val="accent1"/>
                 </a:solidFill>
               </a14:hiddenFill>
             </a:ext>
             <a:ext uri="{AF507438-7753-43e0-B8FC-AC1667EBCBE1}">
-              <a14:hiddenEffects xmlns="" xmlns:a14="http://schemas.microsoft.com/office/drawing/2010/main">
+              <a14:hiddenEffects xmlns:a14="http://schemas.microsoft.com/office/drawing/2010/main" xmlns="">
                 <a:effectLst>
                   <a:outerShdw blurRad="63500" dist="38099" dir="2700000" algn="ctr" rotWithShape="0">
                     <a:schemeClr val="bg2">
@@ -18610,14 +18658,14 @@
           <a:effectLst/>
           <a:extLst>
             <a:ext uri="{909E8E84-426E-40dd-AFC4-6F175D3DCCD1}">
-              <a14:hiddenFill xmlns="" xmlns:a14="http://schemas.microsoft.com/office/drawing/2010/main">
+              <a14:hiddenFill xmlns:a14="http://schemas.microsoft.com/office/drawing/2010/main" xmlns="">
                 <a:solidFill>
                   <a:schemeClr val="accent1"/>
                 </a:solidFill>
               </a14:hiddenFill>
             </a:ext>
             <a:ext uri="{AF507438-7753-43e0-B8FC-AC1667EBCBE1}">
-              <a14:hiddenEffects xmlns="" xmlns:a14="http://schemas.microsoft.com/office/drawing/2010/main">
+              <a14:hiddenEffects xmlns:a14="http://schemas.microsoft.com/office/drawing/2010/main" xmlns="">
                 <a:effectLst>
                   <a:outerShdw blurRad="63500" dist="38099" dir="2700000" algn="ctr" rotWithShape="0">
                     <a:schemeClr val="bg2">
@@ -18671,14 +18719,14 @@
           <a:effectLst/>
           <a:extLst>
             <a:ext uri="{909E8E84-426E-40dd-AFC4-6F175D3DCCD1}">
-              <a14:hiddenFill xmlns="" xmlns:a14="http://schemas.microsoft.com/office/drawing/2010/main">
+              <a14:hiddenFill xmlns:a14="http://schemas.microsoft.com/office/drawing/2010/main" xmlns="">
                 <a:solidFill>
                   <a:schemeClr val="accent1"/>
                 </a:solidFill>
               </a14:hiddenFill>
             </a:ext>
             <a:ext uri="{AF507438-7753-43e0-B8FC-AC1667EBCBE1}">
-              <a14:hiddenEffects xmlns="" xmlns:a14="http://schemas.microsoft.com/office/drawing/2010/main">
+              <a14:hiddenEffects xmlns:a14="http://schemas.microsoft.com/office/drawing/2010/main" xmlns="">
                 <a:effectLst>
                   <a:outerShdw blurRad="63500" dist="38099" dir="2700000" algn="ctr" rotWithShape="0">
                     <a:schemeClr val="bg2">
@@ -18732,14 +18780,14 @@
           <a:effectLst/>
           <a:extLst>
             <a:ext uri="{909E8E84-426E-40dd-AFC4-6F175D3DCCD1}">
-              <a14:hiddenFill xmlns="" xmlns:a14="http://schemas.microsoft.com/office/drawing/2010/main">
+              <a14:hiddenFill xmlns:a14="http://schemas.microsoft.com/office/drawing/2010/main" xmlns="">
                 <a:solidFill>
                   <a:schemeClr val="accent1"/>
                 </a:solidFill>
               </a14:hiddenFill>
             </a:ext>
             <a:ext uri="{AF507438-7753-43e0-B8FC-AC1667EBCBE1}">
-              <a14:hiddenEffects xmlns="" xmlns:a14="http://schemas.microsoft.com/office/drawing/2010/main">
+              <a14:hiddenEffects xmlns:a14="http://schemas.microsoft.com/office/drawing/2010/main" xmlns="">
                 <a:effectLst>
                   <a:outerShdw blurRad="63500" dist="38099" dir="2700000" algn="ctr" rotWithShape="0">
                     <a:schemeClr val="bg2">
@@ -18793,14 +18841,14 @@
           <a:effectLst/>
           <a:extLst>
             <a:ext uri="{909E8E84-426E-40dd-AFC4-6F175D3DCCD1}">
-              <a14:hiddenFill xmlns="" xmlns:a14="http://schemas.microsoft.com/office/drawing/2010/main">
+              <a14:hiddenFill xmlns:a14="http://schemas.microsoft.com/office/drawing/2010/main" xmlns="">
                 <a:solidFill>
                   <a:schemeClr val="accent1"/>
                 </a:solidFill>
               </a14:hiddenFill>
             </a:ext>
             <a:ext uri="{AF507438-7753-43e0-B8FC-AC1667EBCBE1}">
-              <a14:hiddenEffects xmlns="" xmlns:a14="http://schemas.microsoft.com/office/drawing/2010/main">
+              <a14:hiddenEffects xmlns:a14="http://schemas.microsoft.com/office/drawing/2010/main" xmlns="">
                 <a:effectLst>
                   <a:outerShdw blurRad="63500" dist="38099" dir="2700000" algn="ctr" rotWithShape="0">
                     <a:schemeClr val="bg2">
@@ -18854,14 +18902,14 @@
           <a:effectLst/>
           <a:extLst>
             <a:ext uri="{909E8E84-426E-40dd-AFC4-6F175D3DCCD1}">
-              <a14:hiddenFill xmlns="" xmlns:a14="http://schemas.microsoft.com/office/drawing/2010/main">
+              <a14:hiddenFill xmlns:a14="http://schemas.microsoft.com/office/drawing/2010/main" xmlns="">
                 <a:solidFill>
                   <a:schemeClr val="accent1"/>
                 </a:solidFill>
               </a14:hiddenFill>
             </a:ext>
             <a:ext uri="{AF507438-7753-43e0-B8FC-AC1667EBCBE1}">
-              <a14:hiddenEffects xmlns="" xmlns:a14="http://schemas.microsoft.com/office/drawing/2010/main">
+              <a14:hiddenEffects xmlns:a14="http://schemas.microsoft.com/office/drawing/2010/main" xmlns="">
                 <a:effectLst>
                   <a:outerShdw blurRad="63500" dist="38099" dir="2700000" algn="ctr" rotWithShape="0">
                     <a:schemeClr val="bg2">
@@ -18915,14 +18963,14 @@
           <a:effectLst/>
           <a:extLst>
             <a:ext uri="{909E8E84-426E-40dd-AFC4-6F175D3DCCD1}">
-              <a14:hiddenFill xmlns="" xmlns:a14="http://schemas.microsoft.com/office/drawing/2010/main">
+              <a14:hiddenFill xmlns:a14="http://schemas.microsoft.com/office/drawing/2010/main" xmlns="">
                 <a:solidFill>
                   <a:schemeClr val="accent1"/>
                 </a:solidFill>
               </a14:hiddenFill>
             </a:ext>
             <a:ext uri="{AF507438-7753-43e0-B8FC-AC1667EBCBE1}">
-              <a14:hiddenEffects xmlns="" xmlns:a14="http://schemas.microsoft.com/office/drawing/2010/main">
+              <a14:hiddenEffects xmlns:a14="http://schemas.microsoft.com/office/drawing/2010/main" xmlns="">
                 <a:effectLst>
                   <a:outerShdw blurRad="63500" dist="38099" dir="2700000" algn="ctr" rotWithShape="0">
                     <a:schemeClr val="bg2">
@@ -18976,14 +19024,14 @@
           <a:effectLst/>
           <a:extLst>
             <a:ext uri="{909E8E84-426E-40dd-AFC4-6F175D3DCCD1}">
-              <a14:hiddenFill xmlns="" xmlns:a14="http://schemas.microsoft.com/office/drawing/2010/main">
+              <a14:hiddenFill xmlns:a14="http://schemas.microsoft.com/office/drawing/2010/main" xmlns="">
                 <a:solidFill>
                   <a:schemeClr val="accent1"/>
                 </a:solidFill>
               </a14:hiddenFill>
             </a:ext>
             <a:ext uri="{AF507438-7753-43e0-B8FC-AC1667EBCBE1}">
-              <a14:hiddenEffects xmlns="" xmlns:a14="http://schemas.microsoft.com/office/drawing/2010/main">
+              <a14:hiddenEffects xmlns:a14="http://schemas.microsoft.com/office/drawing/2010/main" xmlns="">
                 <a:effectLst>
                   <a:outerShdw blurRad="63500" dist="38099" dir="2700000" algn="ctr" rotWithShape="0">
                     <a:schemeClr val="bg2">
@@ -19037,14 +19085,14 @@
           <a:effectLst/>
           <a:extLst>
             <a:ext uri="{909E8E84-426E-40dd-AFC4-6F175D3DCCD1}">
-              <a14:hiddenFill xmlns="" xmlns:a14="http://schemas.microsoft.com/office/drawing/2010/main">
+              <a14:hiddenFill xmlns:a14="http://schemas.microsoft.com/office/drawing/2010/main" xmlns="">
                 <a:solidFill>
                   <a:schemeClr val="accent1"/>
                 </a:solidFill>
               </a14:hiddenFill>
             </a:ext>
             <a:ext uri="{AF507438-7753-43e0-B8FC-AC1667EBCBE1}">
-              <a14:hiddenEffects xmlns="" xmlns:a14="http://schemas.microsoft.com/office/drawing/2010/main">
+              <a14:hiddenEffects xmlns:a14="http://schemas.microsoft.com/office/drawing/2010/main" xmlns="">
                 <a:effectLst>
                   <a:outerShdw blurRad="63500" dist="38099" dir="2700000" algn="ctr" rotWithShape="0">
                     <a:schemeClr val="bg2">
@@ -19098,14 +19146,14 @@
           <a:effectLst/>
           <a:extLst>
             <a:ext uri="{909E8E84-426E-40dd-AFC4-6F175D3DCCD1}">
-              <a14:hiddenFill xmlns="" xmlns:a14="http://schemas.microsoft.com/office/drawing/2010/main">
+              <a14:hiddenFill xmlns:a14="http://schemas.microsoft.com/office/drawing/2010/main" xmlns="">
                 <a:solidFill>
                   <a:schemeClr val="accent1"/>
                 </a:solidFill>
               </a14:hiddenFill>
             </a:ext>
             <a:ext uri="{AF507438-7753-43e0-B8FC-AC1667EBCBE1}">
-              <a14:hiddenEffects xmlns="" xmlns:a14="http://schemas.microsoft.com/office/drawing/2010/main">
+              <a14:hiddenEffects xmlns:a14="http://schemas.microsoft.com/office/drawing/2010/main" xmlns="">
                 <a:effectLst>
                   <a:outerShdw blurRad="63500" dist="38099" dir="2700000" algn="ctr" rotWithShape="0">
                     <a:schemeClr val="bg2">
@@ -19154,14 +19202,14 @@
           <a:effectLst/>
           <a:extLst>
             <a:ext uri="{909E8E84-426E-40dd-AFC4-6F175D3DCCD1}">
-              <a14:hiddenFill xmlns="" xmlns:a14="http://schemas.microsoft.com/office/drawing/2010/main">
+              <a14:hiddenFill xmlns:a14="http://schemas.microsoft.com/office/drawing/2010/main" xmlns="">
                 <a:solidFill>
                   <a:schemeClr val="accent1"/>
                 </a:solidFill>
               </a14:hiddenFill>
             </a:ext>
             <a:ext uri="{91240B29-F687-4f45-9708-019B960494DF}">
-              <a14:hiddenLine xmlns="" xmlns:a14="http://schemas.microsoft.com/office/drawing/2010/main" w="9525">
+              <a14:hiddenLine xmlns:a14="http://schemas.microsoft.com/office/drawing/2010/main" xmlns="" w="9525">
                 <a:solidFill>
                   <a:schemeClr val="tx1"/>
                 </a:solidFill>
@@ -19171,7 +19219,7 @@
               </a14:hiddenLine>
             </a:ext>
             <a:ext uri="{AF507438-7753-43e0-B8FC-AC1667EBCBE1}">
-              <a14:hiddenEffects xmlns="" xmlns:a14="http://schemas.microsoft.com/office/drawing/2010/main">
+              <a14:hiddenEffects xmlns:a14="http://schemas.microsoft.com/office/drawing/2010/main" xmlns="">
                 <a:effectLst>
                   <a:outerShdw blurRad="63500" dist="38099" dir="2700000" algn="ctr" rotWithShape="0">
                     <a:schemeClr val="bg2">
@@ -19473,12 +19521,12 @@
           <a:effectLst/>
           <a:extLst>
             <a:ext uri="{909E8E84-426E-40dd-AFC4-6F175D3DCCD1}">
-              <a14:hiddenFill xmlns="" xmlns:a14="http://schemas.microsoft.com/office/drawing/2010/main">
+              <a14:hiddenFill xmlns:a14="http://schemas.microsoft.com/office/drawing/2010/main" xmlns="">
                 <a:noFill/>
               </a14:hiddenFill>
             </a:ext>
             <a:ext uri="{AF507438-7753-43e0-B8FC-AC1667EBCBE1}">
-              <a14:hiddenEffects xmlns="" xmlns:a14="http://schemas.microsoft.com/office/drawing/2010/main">
+              <a14:hiddenEffects xmlns:a14="http://schemas.microsoft.com/office/drawing/2010/main" xmlns="">
                 <a:effectLst>
                   <a:outerShdw blurRad="63500" dist="38099" dir="2700000" algn="ctr" rotWithShape="0">
                     <a:schemeClr val="bg2">
@@ -19728,14 +19776,14 @@
           </a:xfrm>
           <a:extLst>
             <a:ext uri="{909E8E84-426E-40dd-AFC4-6F175D3DCCD1}">
-              <a14:hiddenFill xmlns="" xmlns:a14="http://schemas.microsoft.com/office/drawing/2010/main">
+              <a14:hiddenFill xmlns:a14="http://schemas.microsoft.com/office/drawing/2010/main" xmlns="">
                 <a:solidFill>
                   <a:schemeClr val="accent1"/>
                 </a:solidFill>
               </a14:hiddenFill>
             </a:ext>
             <a:ext uri="{91240B29-F687-4f45-9708-019B960494DF}">
-              <a14:hiddenLine xmlns="" xmlns:a14="http://schemas.microsoft.com/office/drawing/2010/main" w="9525">
+              <a14:hiddenLine xmlns:a14="http://schemas.microsoft.com/office/drawing/2010/main" xmlns="" w="9525">
                 <a:solidFill>
                   <a:schemeClr val="tx1"/>
                 </a:solidFill>
@@ -19745,7 +19793,7 @@
               </a14:hiddenLine>
             </a:ext>
             <a:ext uri="{AF507438-7753-43e0-B8FC-AC1667EBCBE1}">
-              <a14:hiddenEffects xmlns="" xmlns:a14="http://schemas.microsoft.com/office/drawing/2010/main">
+              <a14:hiddenEffects xmlns:a14="http://schemas.microsoft.com/office/drawing/2010/main" xmlns="">
                 <a:effectLst>
                   <a:outerShdw blurRad="63500" dist="38099" dir="2700000" algn="ctr" rotWithShape="0">
                     <a:schemeClr val="bg2">
@@ -19815,14 +19863,14 @@
           <a:effectLst/>
           <a:extLst>
             <a:ext uri="{909E8E84-426E-40dd-AFC4-6F175D3DCCD1}">
-              <a14:hiddenFill xmlns="" xmlns:a14="http://schemas.microsoft.com/office/drawing/2010/main">
+              <a14:hiddenFill xmlns:a14="http://schemas.microsoft.com/office/drawing/2010/main" xmlns="">
                 <a:solidFill>
                   <a:schemeClr val="accent1"/>
                 </a:solidFill>
               </a14:hiddenFill>
             </a:ext>
             <a:ext uri="{91240B29-F687-4f45-9708-019B960494DF}">
-              <a14:hiddenLine xmlns="" xmlns:a14="http://schemas.microsoft.com/office/drawing/2010/main" w="9525">
+              <a14:hiddenLine xmlns:a14="http://schemas.microsoft.com/office/drawing/2010/main" xmlns="" w="9525">
                 <a:solidFill>
                   <a:schemeClr val="tx1"/>
                 </a:solidFill>
@@ -19832,7 +19880,7 @@
               </a14:hiddenLine>
             </a:ext>
             <a:ext uri="{AF507438-7753-43e0-B8FC-AC1667EBCBE1}">
-              <a14:hiddenEffects xmlns="" xmlns:a14="http://schemas.microsoft.com/office/drawing/2010/main">
+              <a14:hiddenEffects xmlns:a14="http://schemas.microsoft.com/office/drawing/2010/main" xmlns="">
                 <a:effectLst>
                   <a:outerShdw blurRad="63500" dist="38099" dir="2700000" algn="ctr" rotWithShape="0">
                     <a:schemeClr val="bg2">
@@ -19889,12 +19937,12 @@
             <a:effectLst/>
             <a:extLst>
               <a:ext uri="{909E8E84-426E-40dd-AFC4-6F175D3DCCD1}">
-                <a14:hiddenFill xmlns="" xmlns:a14="http://schemas.microsoft.com/office/drawing/2010/main">
+                <a14:hiddenFill xmlns:a14="http://schemas.microsoft.com/office/drawing/2010/main" xmlns="">
                   <a:noFill/>
                 </a14:hiddenFill>
               </a:ext>
               <a:ext uri="{AF507438-7753-43e0-B8FC-AC1667EBCBE1}">
-                <a14:hiddenEffects xmlns="" xmlns:a14="http://schemas.microsoft.com/office/drawing/2010/main">
+                <a14:hiddenEffects xmlns:a14="http://schemas.microsoft.com/office/drawing/2010/main" xmlns="">
                   <a:effectLst>
                     <a:outerShdw blurRad="63500" dist="38099" dir="2700000" algn="ctr" rotWithShape="0">
                       <a:schemeClr val="bg2">
@@ -19948,12 +19996,12 @@
             <a:effectLst/>
             <a:extLst>
               <a:ext uri="{909E8E84-426E-40dd-AFC4-6F175D3DCCD1}">
-                <a14:hiddenFill xmlns="" xmlns:a14="http://schemas.microsoft.com/office/drawing/2010/main">
+                <a14:hiddenFill xmlns:a14="http://schemas.microsoft.com/office/drawing/2010/main" xmlns="">
                   <a:noFill/>
                 </a14:hiddenFill>
               </a:ext>
               <a:ext uri="{AF507438-7753-43e0-B8FC-AC1667EBCBE1}">
-                <a14:hiddenEffects xmlns="" xmlns:a14="http://schemas.microsoft.com/office/drawing/2010/main">
+                <a14:hiddenEffects xmlns:a14="http://schemas.microsoft.com/office/drawing/2010/main" xmlns="">
                   <a:effectLst>
                     <a:outerShdw blurRad="63500" dist="38099" dir="2700000" algn="ctr" rotWithShape="0">
                       <a:schemeClr val="bg2">
@@ -20002,14 +20050,14 @@
             <a:effectLst/>
             <a:extLst>
               <a:ext uri="{909E8E84-426E-40dd-AFC4-6F175D3DCCD1}">
-                <a14:hiddenFill xmlns="" xmlns:a14="http://schemas.microsoft.com/office/drawing/2010/main">
+                <a14:hiddenFill xmlns:a14="http://schemas.microsoft.com/office/drawing/2010/main" xmlns="">
                   <a:solidFill>
                     <a:schemeClr val="accent1"/>
                   </a:solidFill>
                 </a14:hiddenFill>
               </a:ext>
               <a:ext uri="{91240B29-F687-4f45-9708-019B960494DF}">
-                <a14:hiddenLine xmlns="" xmlns:a14="http://schemas.microsoft.com/office/drawing/2010/main" w="9525">
+                <a14:hiddenLine xmlns:a14="http://schemas.microsoft.com/office/drawing/2010/main" xmlns="" w="9525">
                   <a:solidFill>
                     <a:schemeClr val="tx1"/>
                   </a:solidFill>
@@ -20019,7 +20067,7 @@
                 </a14:hiddenLine>
               </a:ext>
               <a:ext uri="{AF507438-7753-43e0-B8FC-AC1667EBCBE1}">
-                <a14:hiddenEffects xmlns="" xmlns:a14="http://schemas.microsoft.com/office/drawing/2010/main">
+                <a14:hiddenEffects xmlns:a14="http://schemas.microsoft.com/office/drawing/2010/main" xmlns="">
                   <a:effectLst>
                     <a:outerShdw blurRad="63500" dist="38099" dir="2700000" algn="ctr" rotWithShape="0">
                       <a:schemeClr val="bg2">
@@ -20188,12 +20236,12 @@
           <a:effectLst/>
           <a:extLst>
             <a:ext uri="{909E8E84-426E-40dd-AFC4-6F175D3DCCD1}">
-              <a14:hiddenFill xmlns="" xmlns:a14="http://schemas.microsoft.com/office/drawing/2010/main">
+              <a14:hiddenFill xmlns:a14="http://schemas.microsoft.com/office/drawing/2010/main" xmlns="">
                 <a:noFill/>
               </a14:hiddenFill>
             </a:ext>
             <a:ext uri="{AF507438-7753-43e0-B8FC-AC1667EBCBE1}">
-              <a14:hiddenEffects xmlns="" xmlns:a14="http://schemas.microsoft.com/office/drawing/2010/main">
+              <a14:hiddenEffects xmlns:a14="http://schemas.microsoft.com/office/drawing/2010/main" xmlns="">
                 <a:effectLst>
                   <a:outerShdw blurRad="63500" dist="38099" dir="2700000" algn="ctr" rotWithShape="0">
                     <a:schemeClr val="bg2">
@@ -20242,14 +20290,14 @@
           <a:effectLst/>
           <a:extLst>
             <a:ext uri="{909E8E84-426E-40dd-AFC4-6F175D3DCCD1}">
-              <a14:hiddenFill xmlns="" xmlns:a14="http://schemas.microsoft.com/office/drawing/2010/main">
+              <a14:hiddenFill xmlns:a14="http://schemas.microsoft.com/office/drawing/2010/main" xmlns="">
                 <a:solidFill>
                   <a:schemeClr val="accent1"/>
                 </a:solidFill>
               </a14:hiddenFill>
             </a:ext>
             <a:ext uri="{91240B29-F687-4f45-9708-019B960494DF}">
-              <a14:hiddenLine xmlns="" xmlns:a14="http://schemas.microsoft.com/office/drawing/2010/main" w="9525">
+              <a14:hiddenLine xmlns:a14="http://schemas.microsoft.com/office/drawing/2010/main" xmlns="" w="9525">
                 <a:solidFill>
                   <a:schemeClr val="tx1"/>
                 </a:solidFill>
@@ -20259,7 +20307,7 @@
               </a14:hiddenLine>
             </a:ext>
             <a:ext uri="{AF507438-7753-43e0-B8FC-AC1667EBCBE1}">
-              <a14:hiddenEffects xmlns="" xmlns:a14="http://schemas.microsoft.com/office/drawing/2010/main">
+              <a14:hiddenEffects xmlns:a14="http://schemas.microsoft.com/office/drawing/2010/main" xmlns="">
                 <a:effectLst>
                   <a:outerShdw blurRad="63500" dist="38099" dir="2700000" algn="ctr" rotWithShape="0">
                     <a:schemeClr val="bg2">
@@ -20426,14 +20474,14 @@
           <a:effectLst/>
           <a:extLst>
             <a:ext uri="{909E8E84-426E-40dd-AFC4-6F175D3DCCD1}">
-              <a14:hiddenFill xmlns="" xmlns:a14="http://schemas.microsoft.com/office/drawing/2010/main">
+              <a14:hiddenFill xmlns:a14="http://schemas.microsoft.com/office/drawing/2010/main" xmlns="">
                 <a:solidFill>
                   <a:schemeClr val="accent1"/>
                 </a:solidFill>
               </a14:hiddenFill>
             </a:ext>
             <a:ext uri="{AF507438-7753-43e0-B8FC-AC1667EBCBE1}">
-              <a14:hiddenEffects xmlns="" xmlns:a14="http://schemas.microsoft.com/office/drawing/2010/main">
+              <a14:hiddenEffects xmlns:a14="http://schemas.microsoft.com/office/drawing/2010/main" xmlns="">
                 <a:effectLst>
                   <a:outerShdw blurRad="63500" dist="38099" dir="2700000" algn="ctr" rotWithShape="0">
                     <a:schemeClr val="bg2">
@@ -20487,14 +20535,14 @@
           <a:effectLst/>
           <a:extLst>
             <a:ext uri="{909E8E84-426E-40dd-AFC4-6F175D3DCCD1}">
-              <a14:hiddenFill xmlns="" xmlns:a14="http://schemas.microsoft.com/office/drawing/2010/main">
+              <a14:hiddenFill xmlns:a14="http://schemas.microsoft.com/office/drawing/2010/main" xmlns="">
                 <a:solidFill>
                   <a:schemeClr val="accent1"/>
                 </a:solidFill>
               </a14:hiddenFill>
             </a:ext>
             <a:ext uri="{AF507438-7753-43e0-B8FC-AC1667EBCBE1}">
-              <a14:hiddenEffects xmlns="" xmlns:a14="http://schemas.microsoft.com/office/drawing/2010/main">
+              <a14:hiddenEffects xmlns:a14="http://schemas.microsoft.com/office/drawing/2010/main" xmlns="">
                 <a:effectLst>
                   <a:outerShdw blurRad="63500" dist="38099" dir="2700000" algn="ctr" rotWithShape="0">
                     <a:schemeClr val="bg2">
@@ -20548,14 +20596,14 @@
           <a:effectLst/>
           <a:extLst>
             <a:ext uri="{909E8E84-426E-40dd-AFC4-6F175D3DCCD1}">
-              <a14:hiddenFill xmlns="" xmlns:a14="http://schemas.microsoft.com/office/drawing/2010/main">
+              <a14:hiddenFill xmlns:a14="http://schemas.microsoft.com/office/drawing/2010/main" xmlns="">
                 <a:solidFill>
                   <a:schemeClr val="accent1"/>
                 </a:solidFill>
               </a14:hiddenFill>
             </a:ext>
             <a:ext uri="{AF507438-7753-43e0-B8FC-AC1667EBCBE1}">
-              <a14:hiddenEffects xmlns="" xmlns:a14="http://schemas.microsoft.com/office/drawing/2010/main">
+              <a14:hiddenEffects xmlns:a14="http://schemas.microsoft.com/office/drawing/2010/main" xmlns="">
                 <a:effectLst>
                   <a:outerShdw blurRad="63500" dist="38099" dir="2700000" algn="ctr" rotWithShape="0">
                     <a:schemeClr val="bg2">
@@ -20609,14 +20657,14 @@
           <a:effectLst/>
           <a:extLst>
             <a:ext uri="{909E8E84-426E-40dd-AFC4-6F175D3DCCD1}">
-              <a14:hiddenFill xmlns="" xmlns:a14="http://schemas.microsoft.com/office/drawing/2010/main">
+              <a14:hiddenFill xmlns:a14="http://schemas.microsoft.com/office/drawing/2010/main" xmlns="">
                 <a:solidFill>
                   <a:schemeClr val="accent1"/>
                 </a:solidFill>
               </a14:hiddenFill>
             </a:ext>
             <a:ext uri="{AF507438-7753-43e0-B8FC-AC1667EBCBE1}">
-              <a14:hiddenEffects xmlns="" xmlns:a14="http://schemas.microsoft.com/office/drawing/2010/main">
+              <a14:hiddenEffects xmlns:a14="http://schemas.microsoft.com/office/drawing/2010/main" xmlns="">
                 <a:effectLst>
                   <a:outerShdw blurRad="63500" dist="38099" dir="2700000" algn="ctr" rotWithShape="0">
                     <a:schemeClr val="bg2">
@@ -20670,14 +20718,14 @@
           <a:effectLst/>
           <a:extLst>
             <a:ext uri="{909E8E84-426E-40dd-AFC4-6F175D3DCCD1}">
-              <a14:hiddenFill xmlns="" xmlns:a14="http://schemas.microsoft.com/office/drawing/2010/main">
+              <a14:hiddenFill xmlns:a14="http://schemas.microsoft.com/office/drawing/2010/main" xmlns="">
                 <a:solidFill>
                   <a:schemeClr val="accent1"/>
                 </a:solidFill>
               </a14:hiddenFill>
             </a:ext>
             <a:ext uri="{AF507438-7753-43e0-B8FC-AC1667EBCBE1}">
-              <a14:hiddenEffects xmlns="" xmlns:a14="http://schemas.microsoft.com/office/drawing/2010/main">
+              <a14:hiddenEffects xmlns:a14="http://schemas.microsoft.com/office/drawing/2010/main" xmlns="">
                 <a:effectLst>
                   <a:outerShdw blurRad="63500" dist="38099" dir="2700000" algn="ctr" rotWithShape="0">
                     <a:schemeClr val="bg2">
@@ -20731,14 +20779,14 @@
           <a:effectLst/>
           <a:extLst>
             <a:ext uri="{909E8E84-426E-40dd-AFC4-6F175D3DCCD1}">
-              <a14:hiddenFill xmlns="" xmlns:a14="http://schemas.microsoft.com/office/drawing/2010/main">
+              <a14:hiddenFill xmlns:a14="http://schemas.microsoft.com/office/drawing/2010/main" xmlns="">
                 <a:solidFill>
                   <a:schemeClr val="accent1"/>
                 </a:solidFill>
               </a14:hiddenFill>
             </a:ext>
             <a:ext uri="{AF507438-7753-43e0-B8FC-AC1667EBCBE1}">
-              <a14:hiddenEffects xmlns="" xmlns:a14="http://schemas.microsoft.com/office/drawing/2010/main">
+              <a14:hiddenEffects xmlns:a14="http://schemas.microsoft.com/office/drawing/2010/main" xmlns="">
                 <a:effectLst>
                   <a:outerShdw blurRad="63500" dist="38099" dir="2700000" algn="ctr" rotWithShape="0">
                     <a:schemeClr val="bg2">
@@ -20792,14 +20840,14 @@
           <a:effectLst/>
           <a:extLst>
             <a:ext uri="{909E8E84-426E-40dd-AFC4-6F175D3DCCD1}">
-              <a14:hiddenFill xmlns="" xmlns:a14="http://schemas.microsoft.com/office/drawing/2010/main">
+              <a14:hiddenFill xmlns:a14="http://schemas.microsoft.com/office/drawing/2010/main" xmlns="">
                 <a:solidFill>
                   <a:schemeClr val="accent1"/>
                 </a:solidFill>
               </a14:hiddenFill>
             </a:ext>
             <a:ext uri="{AF507438-7753-43e0-B8FC-AC1667EBCBE1}">
-              <a14:hiddenEffects xmlns="" xmlns:a14="http://schemas.microsoft.com/office/drawing/2010/main">
+              <a14:hiddenEffects xmlns:a14="http://schemas.microsoft.com/office/drawing/2010/main" xmlns="">
                 <a:effectLst>
                   <a:outerShdw blurRad="63500" dist="38099" dir="2700000" algn="ctr" rotWithShape="0">
                     <a:schemeClr val="bg2">
@@ -20853,14 +20901,14 @@
           <a:effectLst/>
           <a:extLst>
             <a:ext uri="{909E8E84-426E-40dd-AFC4-6F175D3DCCD1}">
-              <a14:hiddenFill xmlns="" xmlns:a14="http://schemas.microsoft.com/office/drawing/2010/main">
+              <a14:hiddenFill xmlns:a14="http://schemas.microsoft.com/office/drawing/2010/main" xmlns="">
                 <a:solidFill>
                   <a:schemeClr val="accent1"/>
                 </a:solidFill>
               </a14:hiddenFill>
             </a:ext>
             <a:ext uri="{AF507438-7753-43e0-B8FC-AC1667EBCBE1}">
-              <a14:hiddenEffects xmlns="" xmlns:a14="http://schemas.microsoft.com/office/drawing/2010/main">
+              <a14:hiddenEffects xmlns:a14="http://schemas.microsoft.com/office/drawing/2010/main" xmlns="">
                 <a:effectLst>
                   <a:outerShdw blurRad="63500" dist="38099" dir="2700000" algn="ctr" rotWithShape="0">
                     <a:schemeClr val="bg2">
@@ -20914,14 +20962,14 @@
           <a:effectLst/>
           <a:extLst>
             <a:ext uri="{909E8E84-426E-40dd-AFC4-6F175D3DCCD1}">
-              <a14:hiddenFill xmlns="" xmlns:a14="http://schemas.microsoft.com/office/drawing/2010/main">
+              <a14:hiddenFill xmlns:a14="http://schemas.microsoft.com/office/drawing/2010/main" xmlns="">
                 <a:solidFill>
                   <a:schemeClr val="accent1"/>
                 </a:solidFill>
               </a14:hiddenFill>
             </a:ext>
             <a:ext uri="{AF507438-7753-43e0-B8FC-AC1667EBCBE1}">
-              <a14:hiddenEffects xmlns="" xmlns:a14="http://schemas.microsoft.com/office/drawing/2010/main">
+              <a14:hiddenEffects xmlns:a14="http://schemas.microsoft.com/office/drawing/2010/main" xmlns="">
                 <a:effectLst>
                   <a:outerShdw blurRad="63500" dist="38099" dir="2700000" algn="ctr" rotWithShape="0">
                     <a:schemeClr val="bg2">
@@ -20975,14 +21023,14 @@
           <a:effectLst/>
           <a:extLst>
             <a:ext uri="{909E8E84-426E-40dd-AFC4-6F175D3DCCD1}">
-              <a14:hiddenFill xmlns="" xmlns:a14="http://schemas.microsoft.com/office/drawing/2010/main">
+              <a14:hiddenFill xmlns:a14="http://schemas.microsoft.com/office/drawing/2010/main" xmlns="">
                 <a:solidFill>
                   <a:schemeClr val="accent1"/>
                 </a:solidFill>
               </a14:hiddenFill>
             </a:ext>
             <a:ext uri="{AF507438-7753-43e0-B8FC-AC1667EBCBE1}">
-              <a14:hiddenEffects xmlns="" xmlns:a14="http://schemas.microsoft.com/office/drawing/2010/main">
+              <a14:hiddenEffects xmlns:a14="http://schemas.microsoft.com/office/drawing/2010/main" xmlns="">
                 <a:effectLst>
                   <a:outerShdw blurRad="63500" dist="38099" dir="2700000" algn="ctr" rotWithShape="0">
                     <a:schemeClr val="bg2">
@@ -21036,14 +21084,14 @@
           <a:effectLst/>
           <a:extLst>
             <a:ext uri="{909E8E84-426E-40dd-AFC4-6F175D3DCCD1}">
-              <a14:hiddenFill xmlns="" xmlns:a14="http://schemas.microsoft.com/office/drawing/2010/main">
+              <a14:hiddenFill xmlns:a14="http://schemas.microsoft.com/office/drawing/2010/main" xmlns="">
                 <a:solidFill>
                   <a:schemeClr val="accent1"/>
                 </a:solidFill>
               </a14:hiddenFill>
             </a:ext>
             <a:ext uri="{AF507438-7753-43e0-B8FC-AC1667EBCBE1}">
-              <a14:hiddenEffects xmlns="" xmlns:a14="http://schemas.microsoft.com/office/drawing/2010/main">
+              <a14:hiddenEffects xmlns:a14="http://schemas.microsoft.com/office/drawing/2010/main" xmlns="">
                 <a:effectLst>
                   <a:outerShdw blurRad="63500" dist="38099" dir="2700000" algn="ctr" rotWithShape="0">
                     <a:schemeClr val="bg2">
@@ -21097,14 +21145,14 @@
           <a:effectLst/>
           <a:extLst>
             <a:ext uri="{909E8E84-426E-40dd-AFC4-6F175D3DCCD1}">
-              <a14:hiddenFill xmlns="" xmlns:a14="http://schemas.microsoft.com/office/drawing/2010/main">
+              <a14:hiddenFill xmlns:a14="http://schemas.microsoft.com/office/drawing/2010/main" xmlns="">
                 <a:solidFill>
                   <a:schemeClr val="accent1"/>
                 </a:solidFill>
               </a14:hiddenFill>
             </a:ext>
             <a:ext uri="{AF507438-7753-43e0-B8FC-AC1667EBCBE1}">
-              <a14:hiddenEffects xmlns="" xmlns:a14="http://schemas.microsoft.com/office/drawing/2010/main">
+              <a14:hiddenEffects xmlns:a14="http://schemas.microsoft.com/office/drawing/2010/main" xmlns="">
                 <a:effectLst>
                   <a:outerShdw blurRad="63500" dist="38099" dir="2700000" algn="ctr" rotWithShape="0">
                     <a:schemeClr val="bg2">
@@ -21158,14 +21206,14 @@
           <a:effectLst/>
           <a:extLst>
             <a:ext uri="{909E8E84-426E-40dd-AFC4-6F175D3DCCD1}">
-              <a14:hiddenFill xmlns="" xmlns:a14="http://schemas.microsoft.com/office/drawing/2010/main">
+              <a14:hiddenFill xmlns:a14="http://schemas.microsoft.com/office/drawing/2010/main" xmlns="">
                 <a:solidFill>
                   <a:schemeClr val="accent1"/>
                 </a:solidFill>
               </a14:hiddenFill>
             </a:ext>
             <a:ext uri="{AF507438-7753-43e0-B8FC-AC1667EBCBE1}">
-              <a14:hiddenEffects xmlns="" xmlns:a14="http://schemas.microsoft.com/office/drawing/2010/main">
+              <a14:hiddenEffects xmlns:a14="http://schemas.microsoft.com/office/drawing/2010/main" xmlns="">
                 <a:effectLst>
                   <a:outerShdw blurRad="63500" dist="38099" dir="2700000" algn="ctr" rotWithShape="0">
                     <a:schemeClr val="bg2">
@@ -21219,14 +21267,14 @@
           <a:effectLst/>
           <a:extLst>
             <a:ext uri="{909E8E84-426E-40dd-AFC4-6F175D3DCCD1}">
-              <a14:hiddenFill xmlns="" xmlns:a14="http://schemas.microsoft.com/office/drawing/2010/main">
+              <a14:hiddenFill xmlns:a14="http://schemas.microsoft.com/office/drawing/2010/main" xmlns="">
                 <a:solidFill>
                   <a:schemeClr val="accent1"/>
                 </a:solidFill>
               </a14:hiddenFill>
             </a:ext>
             <a:ext uri="{AF507438-7753-43e0-B8FC-AC1667EBCBE1}">
-              <a14:hiddenEffects xmlns="" xmlns:a14="http://schemas.microsoft.com/office/drawing/2010/main">
+              <a14:hiddenEffects xmlns:a14="http://schemas.microsoft.com/office/drawing/2010/main" xmlns="">
                 <a:effectLst>
                   <a:outerShdw blurRad="63500" dist="38099" dir="2700000" algn="ctr" rotWithShape="0">
                     <a:schemeClr val="bg2">
@@ -21280,14 +21328,14 @@
           <a:effectLst/>
           <a:extLst>
             <a:ext uri="{909E8E84-426E-40dd-AFC4-6F175D3DCCD1}">
-              <a14:hiddenFill xmlns="" xmlns:a14="http://schemas.microsoft.com/office/drawing/2010/main">
+              <a14:hiddenFill xmlns:a14="http://schemas.microsoft.com/office/drawing/2010/main" xmlns="">
                 <a:solidFill>
                   <a:schemeClr val="accent1"/>
                 </a:solidFill>
               </a14:hiddenFill>
             </a:ext>
             <a:ext uri="{AF507438-7753-43e0-B8FC-AC1667EBCBE1}">
-              <a14:hiddenEffects xmlns="" xmlns:a14="http://schemas.microsoft.com/office/drawing/2010/main">
+              <a14:hiddenEffects xmlns:a14="http://schemas.microsoft.com/office/drawing/2010/main" xmlns="">
                 <a:effectLst>
                   <a:outerShdw blurRad="63500" dist="38099" dir="2700000" algn="ctr" rotWithShape="0">
                     <a:schemeClr val="bg2">
@@ -21341,14 +21389,14 @@
           <a:effectLst/>
           <a:extLst>
             <a:ext uri="{909E8E84-426E-40dd-AFC4-6F175D3DCCD1}">
-              <a14:hiddenFill xmlns="" xmlns:a14="http://schemas.microsoft.com/office/drawing/2010/main">
+              <a14:hiddenFill xmlns:a14="http://schemas.microsoft.com/office/drawing/2010/main" xmlns="">
                 <a:solidFill>
                   <a:schemeClr val="accent1"/>
                 </a:solidFill>
               </a14:hiddenFill>
             </a:ext>
             <a:ext uri="{AF507438-7753-43e0-B8FC-AC1667EBCBE1}">
-              <a14:hiddenEffects xmlns="" xmlns:a14="http://schemas.microsoft.com/office/drawing/2010/main">
+              <a14:hiddenEffects xmlns:a14="http://schemas.microsoft.com/office/drawing/2010/main" xmlns="">
                 <a:effectLst>
                   <a:outerShdw blurRad="63500" dist="38099" dir="2700000" algn="ctr" rotWithShape="0">
                     <a:schemeClr val="bg2">
@@ -21397,14 +21445,14 @@
           <a:effectLst/>
           <a:extLst>
             <a:ext uri="{909E8E84-426E-40dd-AFC4-6F175D3DCCD1}">
-              <a14:hiddenFill xmlns="" xmlns:a14="http://schemas.microsoft.com/office/drawing/2010/main">
+              <a14:hiddenFill xmlns:a14="http://schemas.microsoft.com/office/drawing/2010/main" xmlns="">
                 <a:solidFill>
                   <a:schemeClr val="accent1"/>
                 </a:solidFill>
               </a14:hiddenFill>
             </a:ext>
             <a:ext uri="{91240B29-F687-4f45-9708-019B960494DF}">
-              <a14:hiddenLine xmlns="" xmlns:a14="http://schemas.microsoft.com/office/drawing/2010/main" w="9525">
+              <a14:hiddenLine xmlns:a14="http://schemas.microsoft.com/office/drawing/2010/main" xmlns="" w="9525">
                 <a:solidFill>
                   <a:schemeClr val="tx1"/>
                 </a:solidFill>
@@ -21414,7 +21462,7 @@
               </a14:hiddenLine>
             </a:ext>
             <a:ext uri="{AF507438-7753-43e0-B8FC-AC1667EBCBE1}">
-              <a14:hiddenEffects xmlns="" xmlns:a14="http://schemas.microsoft.com/office/drawing/2010/main">
+              <a14:hiddenEffects xmlns:a14="http://schemas.microsoft.com/office/drawing/2010/main" xmlns="">
                 <a:effectLst>
                   <a:outerShdw blurRad="63500" dist="38099" dir="2700000" algn="ctr" rotWithShape="0">
                     <a:schemeClr val="bg2">
@@ -21716,12 +21764,12 @@
           <a:effectLst/>
           <a:extLst>
             <a:ext uri="{909E8E84-426E-40dd-AFC4-6F175D3DCCD1}">
-              <a14:hiddenFill xmlns="" xmlns:a14="http://schemas.microsoft.com/office/drawing/2010/main">
+              <a14:hiddenFill xmlns:a14="http://schemas.microsoft.com/office/drawing/2010/main" xmlns="">
                 <a:noFill/>
               </a14:hiddenFill>
             </a:ext>
             <a:ext uri="{AF507438-7753-43e0-B8FC-AC1667EBCBE1}">
-              <a14:hiddenEffects xmlns="" xmlns:a14="http://schemas.microsoft.com/office/drawing/2010/main">
+              <a14:hiddenEffects xmlns:a14="http://schemas.microsoft.com/office/drawing/2010/main" xmlns="">
                 <a:effectLst>
                   <a:outerShdw blurRad="63500" dist="38099" dir="2700000" algn="ctr" rotWithShape="0">
                     <a:schemeClr val="bg2">
@@ -21971,14 +22019,14 @@
           </a:xfrm>
           <a:extLst>
             <a:ext uri="{909E8E84-426E-40dd-AFC4-6F175D3DCCD1}">
-              <a14:hiddenFill xmlns="" xmlns:a14="http://schemas.microsoft.com/office/drawing/2010/main">
+              <a14:hiddenFill xmlns:a14="http://schemas.microsoft.com/office/drawing/2010/main" xmlns="">
                 <a:solidFill>
                   <a:schemeClr val="accent1"/>
                 </a:solidFill>
               </a14:hiddenFill>
             </a:ext>
             <a:ext uri="{91240B29-F687-4f45-9708-019B960494DF}">
-              <a14:hiddenLine xmlns="" xmlns:a14="http://schemas.microsoft.com/office/drawing/2010/main" w="9525">
+              <a14:hiddenLine xmlns:a14="http://schemas.microsoft.com/office/drawing/2010/main" xmlns="" w="9525">
                 <a:solidFill>
                   <a:schemeClr val="tx1"/>
                 </a:solidFill>
@@ -21988,7 +22036,7 @@
               </a14:hiddenLine>
             </a:ext>
             <a:ext uri="{AF507438-7753-43e0-B8FC-AC1667EBCBE1}">
-              <a14:hiddenEffects xmlns="" xmlns:a14="http://schemas.microsoft.com/office/drawing/2010/main">
+              <a14:hiddenEffects xmlns:a14="http://schemas.microsoft.com/office/drawing/2010/main" xmlns="">
                 <a:effectLst>
                   <a:outerShdw blurRad="63500" dist="38099" dir="2700000" algn="ctr" rotWithShape="0">
                     <a:schemeClr val="bg2">
@@ -22058,14 +22106,14 @@
           <a:effectLst/>
           <a:extLst>
             <a:ext uri="{909E8E84-426E-40dd-AFC4-6F175D3DCCD1}">
-              <a14:hiddenFill xmlns="" xmlns:a14="http://schemas.microsoft.com/office/drawing/2010/main">
+              <a14:hiddenFill xmlns:a14="http://schemas.microsoft.com/office/drawing/2010/main" xmlns="">
                 <a:solidFill>
                   <a:schemeClr val="accent1"/>
                 </a:solidFill>
               </a14:hiddenFill>
             </a:ext>
             <a:ext uri="{91240B29-F687-4f45-9708-019B960494DF}">
-              <a14:hiddenLine xmlns="" xmlns:a14="http://schemas.microsoft.com/office/drawing/2010/main" w="9525">
+              <a14:hiddenLine xmlns:a14="http://schemas.microsoft.com/office/drawing/2010/main" xmlns="" w="9525">
                 <a:solidFill>
                   <a:schemeClr val="tx1"/>
                 </a:solidFill>
@@ -22075,7 +22123,7 @@
               </a14:hiddenLine>
             </a:ext>
             <a:ext uri="{AF507438-7753-43e0-B8FC-AC1667EBCBE1}">
-              <a14:hiddenEffects xmlns="" xmlns:a14="http://schemas.microsoft.com/office/drawing/2010/main">
+              <a14:hiddenEffects xmlns:a14="http://schemas.microsoft.com/office/drawing/2010/main" xmlns="">
                 <a:effectLst>
                   <a:outerShdw blurRad="63500" dist="38099" dir="2700000" algn="ctr" rotWithShape="0">
                     <a:schemeClr val="bg2">
@@ -22132,12 +22180,12 @@
             <a:effectLst/>
             <a:extLst>
               <a:ext uri="{909E8E84-426E-40dd-AFC4-6F175D3DCCD1}">
-                <a14:hiddenFill xmlns="" xmlns:a14="http://schemas.microsoft.com/office/drawing/2010/main">
+                <a14:hiddenFill xmlns:a14="http://schemas.microsoft.com/office/drawing/2010/main" xmlns="">
                   <a:noFill/>
                 </a14:hiddenFill>
               </a:ext>
               <a:ext uri="{AF507438-7753-43e0-B8FC-AC1667EBCBE1}">
-                <a14:hiddenEffects xmlns="" xmlns:a14="http://schemas.microsoft.com/office/drawing/2010/main">
+                <a14:hiddenEffects xmlns:a14="http://schemas.microsoft.com/office/drawing/2010/main" xmlns="">
                   <a:effectLst>
                     <a:outerShdw blurRad="63500" dist="38099" dir="2700000" algn="ctr" rotWithShape="0">
                       <a:schemeClr val="bg2">
@@ -22191,12 +22239,12 @@
             <a:effectLst/>
             <a:extLst>
               <a:ext uri="{909E8E84-426E-40dd-AFC4-6F175D3DCCD1}">
-                <a14:hiddenFill xmlns="" xmlns:a14="http://schemas.microsoft.com/office/drawing/2010/main">
+                <a14:hiddenFill xmlns:a14="http://schemas.microsoft.com/office/drawing/2010/main" xmlns="">
                   <a:noFill/>
                 </a14:hiddenFill>
               </a:ext>
               <a:ext uri="{AF507438-7753-43e0-B8FC-AC1667EBCBE1}">
-                <a14:hiddenEffects xmlns="" xmlns:a14="http://schemas.microsoft.com/office/drawing/2010/main">
+                <a14:hiddenEffects xmlns:a14="http://schemas.microsoft.com/office/drawing/2010/main" xmlns="">
                   <a:effectLst>
                     <a:outerShdw blurRad="63500" dist="38099" dir="2700000" algn="ctr" rotWithShape="0">
                       <a:schemeClr val="bg2">
@@ -22245,14 +22293,14 @@
             <a:effectLst/>
             <a:extLst>
               <a:ext uri="{909E8E84-426E-40dd-AFC4-6F175D3DCCD1}">
-                <a14:hiddenFill xmlns="" xmlns:a14="http://schemas.microsoft.com/office/drawing/2010/main">
+                <a14:hiddenFill xmlns:a14="http://schemas.microsoft.com/office/drawing/2010/main" xmlns="">
                   <a:solidFill>
                     <a:schemeClr val="accent1"/>
                   </a:solidFill>
                 </a14:hiddenFill>
               </a:ext>
               <a:ext uri="{91240B29-F687-4f45-9708-019B960494DF}">
-                <a14:hiddenLine xmlns="" xmlns:a14="http://schemas.microsoft.com/office/drawing/2010/main" w="9525">
+                <a14:hiddenLine xmlns:a14="http://schemas.microsoft.com/office/drawing/2010/main" xmlns="" w="9525">
                   <a:solidFill>
                     <a:schemeClr val="tx1"/>
                   </a:solidFill>
@@ -22262,7 +22310,7 @@
                 </a14:hiddenLine>
               </a:ext>
               <a:ext uri="{AF507438-7753-43e0-B8FC-AC1667EBCBE1}">
-                <a14:hiddenEffects xmlns="" xmlns:a14="http://schemas.microsoft.com/office/drawing/2010/main">
+                <a14:hiddenEffects xmlns:a14="http://schemas.microsoft.com/office/drawing/2010/main" xmlns="">
                   <a:effectLst>
                     <a:outerShdw blurRad="63500" dist="38099" dir="2700000" algn="ctr" rotWithShape="0">
                       <a:schemeClr val="bg2">
@@ -22431,12 +22479,12 @@
           <a:effectLst/>
           <a:extLst>
             <a:ext uri="{909E8E84-426E-40dd-AFC4-6F175D3DCCD1}">
-              <a14:hiddenFill xmlns="" xmlns:a14="http://schemas.microsoft.com/office/drawing/2010/main">
+              <a14:hiddenFill xmlns:a14="http://schemas.microsoft.com/office/drawing/2010/main" xmlns="">
                 <a:noFill/>
               </a14:hiddenFill>
             </a:ext>
             <a:ext uri="{AF507438-7753-43e0-B8FC-AC1667EBCBE1}">
-              <a14:hiddenEffects xmlns="" xmlns:a14="http://schemas.microsoft.com/office/drawing/2010/main">
+              <a14:hiddenEffects xmlns:a14="http://schemas.microsoft.com/office/drawing/2010/main" xmlns="">
                 <a:effectLst>
                   <a:outerShdw blurRad="63500" dist="38099" dir="2700000" algn="ctr" rotWithShape="0">
                     <a:schemeClr val="bg2">
@@ -22485,14 +22533,14 @@
           <a:effectLst/>
           <a:extLst>
             <a:ext uri="{909E8E84-426E-40dd-AFC4-6F175D3DCCD1}">
-              <a14:hiddenFill xmlns="" xmlns:a14="http://schemas.microsoft.com/office/drawing/2010/main">
+              <a14:hiddenFill xmlns:a14="http://schemas.microsoft.com/office/drawing/2010/main" xmlns="">
                 <a:solidFill>
                   <a:schemeClr val="accent1"/>
                 </a:solidFill>
               </a14:hiddenFill>
             </a:ext>
             <a:ext uri="{91240B29-F687-4f45-9708-019B960494DF}">
-              <a14:hiddenLine xmlns="" xmlns:a14="http://schemas.microsoft.com/office/drawing/2010/main" w="9525">
+              <a14:hiddenLine xmlns:a14="http://schemas.microsoft.com/office/drawing/2010/main" xmlns="" w="9525">
                 <a:solidFill>
                   <a:schemeClr val="tx1"/>
                 </a:solidFill>
@@ -22502,7 +22550,7 @@
               </a14:hiddenLine>
             </a:ext>
             <a:ext uri="{AF507438-7753-43e0-B8FC-AC1667EBCBE1}">
-              <a14:hiddenEffects xmlns="" xmlns:a14="http://schemas.microsoft.com/office/drawing/2010/main">
+              <a14:hiddenEffects xmlns:a14="http://schemas.microsoft.com/office/drawing/2010/main" xmlns="">
                 <a:effectLst>
                   <a:outerShdw blurRad="63500" dist="38099" dir="2700000" algn="ctr" rotWithShape="0">
                     <a:schemeClr val="bg2">
@@ -22669,14 +22717,14 @@
           <a:effectLst/>
           <a:extLst>
             <a:ext uri="{909E8E84-426E-40dd-AFC4-6F175D3DCCD1}">
-              <a14:hiddenFill xmlns="" xmlns:a14="http://schemas.microsoft.com/office/drawing/2010/main">
+              <a14:hiddenFill xmlns:a14="http://schemas.microsoft.com/office/drawing/2010/main" xmlns="">
                 <a:solidFill>
                   <a:schemeClr val="accent1"/>
                 </a:solidFill>
               </a14:hiddenFill>
             </a:ext>
             <a:ext uri="{AF507438-7753-43e0-B8FC-AC1667EBCBE1}">
-              <a14:hiddenEffects xmlns="" xmlns:a14="http://schemas.microsoft.com/office/drawing/2010/main">
+              <a14:hiddenEffects xmlns:a14="http://schemas.microsoft.com/office/drawing/2010/main" xmlns="">
                 <a:effectLst>
                   <a:outerShdw blurRad="63500" dist="38099" dir="2700000" algn="ctr" rotWithShape="0">
                     <a:schemeClr val="bg2">
@@ -22730,14 +22778,14 @@
           <a:effectLst/>
           <a:extLst>
             <a:ext uri="{909E8E84-426E-40dd-AFC4-6F175D3DCCD1}">
-              <a14:hiddenFill xmlns="" xmlns:a14="http://schemas.microsoft.com/office/drawing/2010/main">
+              <a14:hiddenFill xmlns:a14="http://schemas.microsoft.com/office/drawing/2010/main" xmlns="">
                 <a:solidFill>
                   <a:schemeClr val="accent1"/>
                 </a:solidFill>
               </a14:hiddenFill>
             </a:ext>
             <a:ext uri="{AF507438-7753-43e0-B8FC-AC1667EBCBE1}">
-              <a14:hiddenEffects xmlns="" xmlns:a14="http://schemas.microsoft.com/office/drawing/2010/main">
+              <a14:hiddenEffects xmlns:a14="http://schemas.microsoft.com/office/drawing/2010/main" xmlns="">
                 <a:effectLst>
                   <a:outerShdw blurRad="63500" dist="38099" dir="2700000" algn="ctr" rotWithShape="0">
                     <a:schemeClr val="bg2">
@@ -22791,14 +22839,14 @@
           <a:effectLst/>
           <a:extLst>
             <a:ext uri="{909E8E84-426E-40dd-AFC4-6F175D3DCCD1}">
-              <a14:hiddenFill xmlns="" xmlns:a14="http://schemas.microsoft.com/office/drawing/2010/main">
+              <a14:hiddenFill xmlns:a14="http://schemas.microsoft.com/office/drawing/2010/main" xmlns="">
                 <a:solidFill>
                   <a:schemeClr val="accent1"/>
                 </a:solidFill>
               </a14:hiddenFill>
             </a:ext>
             <a:ext uri="{AF507438-7753-43e0-B8FC-AC1667EBCBE1}">
-              <a14:hiddenEffects xmlns="" xmlns:a14="http://schemas.microsoft.com/office/drawing/2010/main">
+              <a14:hiddenEffects xmlns:a14="http://schemas.microsoft.com/office/drawing/2010/main" xmlns="">
                 <a:effectLst>
                   <a:outerShdw blurRad="63500" dist="38099" dir="2700000" algn="ctr" rotWithShape="0">
                     <a:schemeClr val="bg2">
@@ -22852,14 +22900,14 @@
           <a:effectLst/>
           <a:extLst>
             <a:ext uri="{909E8E84-426E-40dd-AFC4-6F175D3DCCD1}">
-              <a14:hiddenFill xmlns="" xmlns:a14="http://schemas.microsoft.com/office/drawing/2010/main">
+              <a14:hiddenFill xmlns:a14="http://schemas.microsoft.com/office/drawing/2010/main" xmlns="">
                 <a:solidFill>
                   <a:schemeClr val="accent1"/>
                 </a:solidFill>
               </a14:hiddenFill>
             </a:ext>
             <a:ext uri="{AF507438-7753-43e0-B8FC-AC1667EBCBE1}">
-              <a14:hiddenEffects xmlns="" xmlns:a14="http://schemas.microsoft.com/office/drawing/2010/main">
+              <a14:hiddenEffects xmlns:a14="http://schemas.microsoft.com/office/drawing/2010/main" xmlns="">
                 <a:effectLst>
                   <a:outerShdw blurRad="63500" dist="38099" dir="2700000" algn="ctr" rotWithShape="0">
                     <a:schemeClr val="bg2">
@@ -22913,14 +22961,14 @@
           <a:effectLst/>
           <a:extLst>
             <a:ext uri="{909E8E84-426E-40dd-AFC4-6F175D3DCCD1}">
-              <a14:hiddenFill xmlns="" xmlns:a14="http://schemas.microsoft.com/office/drawing/2010/main">
+              <a14:hiddenFill xmlns:a14="http://schemas.microsoft.com/office/drawing/2010/main" xmlns="">
                 <a:solidFill>
                   <a:schemeClr val="accent1"/>
                 </a:solidFill>
               </a14:hiddenFill>
             </a:ext>
             <a:ext uri="{AF507438-7753-43e0-B8FC-AC1667EBCBE1}">
-              <a14:hiddenEffects xmlns="" xmlns:a14="http://schemas.microsoft.com/office/drawing/2010/main">
+              <a14:hiddenEffects xmlns:a14="http://schemas.microsoft.com/office/drawing/2010/main" xmlns="">
                 <a:effectLst>
                   <a:outerShdw blurRad="63500" dist="38099" dir="2700000" algn="ctr" rotWithShape="0">
                     <a:schemeClr val="bg2">
@@ -22974,14 +23022,14 @@
           <a:effectLst/>
           <a:extLst>
             <a:ext uri="{909E8E84-426E-40dd-AFC4-6F175D3DCCD1}">
-              <a14:hiddenFill xmlns="" xmlns:a14="http://schemas.microsoft.com/office/drawing/2010/main">
+              <a14:hiddenFill xmlns:a14="http://schemas.microsoft.com/office/drawing/2010/main" xmlns="">
                 <a:solidFill>
                   <a:schemeClr val="accent1"/>
                 </a:solidFill>
               </a14:hiddenFill>
             </a:ext>
             <a:ext uri="{AF507438-7753-43e0-B8FC-AC1667EBCBE1}">
-              <a14:hiddenEffects xmlns="" xmlns:a14="http://schemas.microsoft.com/office/drawing/2010/main">
+              <a14:hiddenEffects xmlns:a14="http://schemas.microsoft.com/office/drawing/2010/main" xmlns="">
                 <a:effectLst>
                   <a:outerShdw blurRad="63500" dist="38099" dir="2700000" algn="ctr" rotWithShape="0">
                     <a:schemeClr val="bg2">
@@ -23035,14 +23083,14 @@
           <a:effectLst/>
           <a:extLst>
             <a:ext uri="{909E8E84-426E-40dd-AFC4-6F175D3DCCD1}">
-              <a14:hiddenFill xmlns="" xmlns:a14="http://schemas.microsoft.com/office/drawing/2010/main">
+              <a14:hiddenFill xmlns:a14="http://schemas.microsoft.com/office/drawing/2010/main" xmlns="">
                 <a:solidFill>
                   <a:schemeClr val="accent1"/>
                 </a:solidFill>
               </a14:hiddenFill>
             </a:ext>
             <a:ext uri="{AF507438-7753-43e0-B8FC-AC1667EBCBE1}">
-              <a14:hiddenEffects xmlns="" xmlns:a14="http://schemas.microsoft.com/office/drawing/2010/main">
+              <a14:hiddenEffects xmlns:a14="http://schemas.microsoft.com/office/drawing/2010/main" xmlns="">
                 <a:effectLst>
                   <a:outerShdw blurRad="63500" dist="38099" dir="2700000" algn="ctr" rotWithShape="0">
                     <a:schemeClr val="bg2">
@@ -23096,14 +23144,14 @@
           <a:effectLst/>
           <a:extLst>
             <a:ext uri="{909E8E84-426E-40dd-AFC4-6F175D3DCCD1}">
-              <a14:hiddenFill xmlns="" xmlns:a14="http://schemas.microsoft.com/office/drawing/2010/main">
+              <a14:hiddenFill xmlns:a14="http://schemas.microsoft.com/office/drawing/2010/main" xmlns="">
                 <a:solidFill>
                   <a:schemeClr val="accent1"/>
                 </a:solidFill>
               </a14:hiddenFill>
             </a:ext>
             <a:ext uri="{AF507438-7753-43e0-B8FC-AC1667EBCBE1}">
-              <a14:hiddenEffects xmlns="" xmlns:a14="http://schemas.microsoft.com/office/drawing/2010/main">
+              <a14:hiddenEffects xmlns:a14="http://schemas.microsoft.com/office/drawing/2010/main" xmlns="">
                 <a:effectLst>
                   <a:outerShdw blurRad="63500" dist="38099" dir="2700000" algn="ctr" rotWithShape="0">
                     <a:schemeClr val="bg2">
@@ -23157,14 +23205,14 @@
           <a:effectLst/>
           <a:extLst>
             <a:ext uri="{909E8E84-426E-40dd-AFC4-6F175D3DCCD1}">
-              <a14:hiddenFill xmlns="" xmlns:a14="http://schemas.microsoft.com/office/drawing/2010/main">
+              <a14:hiddenFill xmlns:a14="http://schemas.microsoft.com/office/drawing/2010/main" xmlns="">
                 <a:solidFill>
                   <a:schemeClr val="accent1"/>
                 </a:solidFill>
               </a14:hiddenFill>
             </a:ext>
             <a:ext uri="{AF507438-7753-43e0-B8FC-AC1667EBCBE1}">
-              <a14:hiddenEffects xmlns="" xmlns:a14="http://schemas.microsoft.com/office/drawing/2010/main">
+              <a14:hiddenEffects xmlns:a14="http://schemas.microsoft.com/office/drawing/2010/main" xmlns="">
                 <a:effectLst>
                   <a:outerShdw blurRad="63500" dist="38099" dir="2700000" algn="ctr" rotWithShape="0">
                     <a:schemeClr val="bg2">
@@ -23218,14 +23266,14 @@
           <a:effectLst/>
           <a:extLst>
             <a:ext uri="{909E8E84-426E-40dd-AFC4-6F175D3DCCD1}">
-              <a14:hiddenFill xmlns="" xmlns:a14="http://schemas.microsoft.com/office/drawing/2010/main">
+              <a14:hiddenFill xmlns:a14="http://schemas.microsoft.com/office/drawing/2010/main" xmlns="">
                 <a:solidFill>
                   <a:schemeClr val="accent1"/>
                 </a:solidFill>
               </a14:hiddenFill>
             </a:ext>
             <a:ext uri="{AF507438-7753-43e0-B8FC-AC1667EBCBE1}">
-              <a14:hiddenEffects xmlns="" xmlns:a14="http://schemas.microsoft.com/office/drawing/2010/main">
+              <a14:hiddenEffects xmlns:a14="http://schemas.microsoft.com/office/drawing/2010/main" xmlns="">
                 <a:effectLst>
                   <a:outerShdw blurRad="63500" dist="38099" dir="2700000" algn="ctr" rotWithShape="0">
                     <a:schemeClr val="bg2">
@@ -23279,14 +23327,14 @@
           <a:effectLst/>
           <a:extLst>
             <a:ext uri="{909E8E84-426E-40dd-AFC4-6F175D3DCCD1}">
-              <a14:hiddenFill xmlns="" xmlns:a14="http://schemas.microsoft.com/office/drawing/2010/main">
+              <a14:hiddenFill xmlns:a14="http://schemas.microsoft.com/office/drawing/2010/main" xmlns="">
                 <a:solidFill>
                   <a:schemeClr val="accent1"/>
                 </a:solidFill>
               </a14:hiddenFill>
             </a:ext>
             <a:ext uri="{AF507438-7753-43e0-B8FC-AC1667EBCBE1}">
-              <a14:hiddenEffects xmlns="" xmlns:a14="http://schemas.microsoft.com/office/drawing/2010/main">
+              <a14:hiddenEffects xmlns:a14="http://schemas.microsoft.com/office/drawing/2010/main" xmlns="">
                 <a:effectLst>
                   <a:outerShdw blurRad="63500" dist="38099" dir="2700000" algn="ctr" rotWithShape="0">
                     <a:schemeClr val="bg2">
@@ -23340,14 +23388,14 @@
           <a:effectLst/>
           <a:extLst>
             <a:ext uri="{909E8E84-426E-40dd-AFC4-6F175D3DCCD1}">
-              <a14:hiddenFill xmlns="" xmlns:a14="http://schemas.microsoft.com/office/drawing/2010/main">
+              <a14:hiddenFill xmlns:a14="http://schemas.microsoft.com/office/drawing/2010/main" xmlns="">
                 <a:solidFill>
                   <a:schemeClr val="accent1"/>
                 </a:solidFill>
               </a14:hiddenFill>
             </a:ext>
             <a:ext uri="{AF507438-7753-43e0-B8FC-AC1667EBCBE1}">
-              <a14:hiddenEffects xmlns="" xmlns:a14="http://schemas.microsoft.com/office/drawing/2010/main">
+              <a14:hiddenEffects xmlns:a14="http://schemas.microsoft.com/office/drawing/2010/main" xmlns="">
                 <a:effectLst>
                   <a:outerShdw blurRad="63500" dist="38099" dir="2700000" algn="ctr" rotWithShape="0">
                     <a:schemeClr val="bg2">
@@ -23401,14 +23449,14 @@
           <a:effectLst/>
           <a:extLst>
             <a:ext uri="{909E8E84-426E-40dd-AFC4-6F175D3DCCD1}">
-              <a14:hiddenFill xmlns="" xmlns:a14="http://schemas.microsoft.com/office/drawing/2010/main">
+              <a14:hiddenFill xmlns:a14="http://schemas.microsoft.com/office/drawing/2010/main" xmlns="">
                 <a:solidFill>
                   <a:schemeClr val="accent1"/>
                 </a:solidFill>
               </a14:hiddenFill>
             </a:ext>
             <a:ext uri="{AF507438-7753-43e0-B8FC-AC1667EBCBE1}">
-              <a14:hiddenEffects xmlns="" xmlns:a14="http://schemas.microsoft.com/office/drawing/2010/main">
+              <a14:hiddenEffects xmlns:a14="http://schemas.microsoft.com/office/drawing/2010/main" xmlns="">
                 <a:effectLst>
                   <a:outerShdw blurRad="63500" dist="38099" dir="2700000" algn="ctr" rotWithShape="0">
                     <a:schemeClr val="bg2">
@@ -23462,14 +23510,14 @@
           <a:effectLst/>
           <a:extLst>
             <a:ext uri="{909E8E84-426E-40dd-AFC4-6F175D3DCCD1}">
-              <a14:hiddenFill xmlns="" xmlns:a14="http://schemas.microsoft.com/office/drawing/2010/main">
+              <a14:hiddenFill xmlns:a14="http://schemas.microsoft.com/office/drawing/2010/main" xmlns="">
                 <a:solidFill>
                   <a:schemeClr val="accent1"/>
                 </a:solidFill>
               </a14:hiddenFill>
             </a:ext>
             <a:ext uri="{AF507438-7753-43e0-B8FC-AC1667EBCBE1}">
-              <a14:hiddenEffects xmlns="" xmlns:a14="http://schemas.microsoft.com/office/drawing/2010/main">
+              <a14:hiddenEffects xmlns:a14="http://schemas.microsoft.com/office/drawing/2010/main" xmlns="">
                 <a:effectLst>
                   <a:outerShdw blurRad="63500" dist="38099" dir="2700000" algn="ctr" rotWithShape="0">
                     <a:schemeClr val="bg2">
@@ -23523,14 +23571,14 @@
           <a:effectLst/>
           <a:extLst>
             <a:ext uri="{909E8E84-426E-40dd-AFC4-6F175D3DCCD1}">
-              <a14:hiddenFill xmlns="" xmlns:a14="http://schemas.microsoft.com/office/drawing/2010/main">
+              <a14:hiddenFill xmlns:a14="http://schemas.microsoft.com/office/drawing/2010/main" xmlns="">
                 <a:solidFill>
                   <a:schemeClr val="accent1"/>
                 </a:solidFill>
               </a14:hiddenFill>
             </a:ext>
             <a:ext uri="{AF507438-7753-43e0-B8FC-AC1667EBCBE1}">
-              <a14:hiddenEffects xmlns="" xmlns:a14="http://schemas.microsoft.com/office/drawing/2010/main">
+              <a14:hiddenEffects xmlns:a14="http://schemas.microsoft.com/office/drawing/2010/main" xmlns="">
                 <a:effectLst>
                   <a:outerShdw blurRad="63500" dist="38099" dir="2700000" algn="ctr" rotWithShape="0">
                     <a:schemeClr val="bg2">
@@ -23584,14 +23632,14 @@
           <a:effectLst/>
           <a:extLst>
             <a:ext uri="{909E8E84-426E-40dd-AFC4-6F175D3DCCD1}">
-              <a14:hiddenFill xmlns="" xmlns:a14="http://schemas.microsoft.com/office/drawing/2010/main">
+              <a14:hiddenFill xmlns:a14="http://schemas.microsoft.com/office/drawing/2010/main" xmlns="">
                 <a:solidFill>
                   <a:schemeClr val="accent1"/>
                 </a:solidFill>
               </a14:hiddenFill>
             </a:ext>
             <a:ext uri="{AF507438-7753-43e0-B8FC-AC1667EBCBE1}">
-              <a14:hiddenEffects xmlns="" xmlns:a14="http://schemas.microsoft.com/office/drawing/2010/main">
+              <a14:hiddenEffects xmlns:a14="http://schemas.microsoft.com/office/drawing/2010/main" xmlns="">
                 <a:effectLst>
                   <a:outerShdw blurRad="63500" dist="38099" dir="2700000" algn="ctr" rotWithShape="0">
                     <a:schemeClr val="bg2">
@@ -23640,14 +23688,14 @@
           <a:effectLst/>
           <a:extLst>
             <a:ext uri="{909E8E84-426E-40dd-AFC4-6F175D3DCCD1}">
-              <a14:hiddenFill xmlns="" xmlns:a14="http://schemas.microsoft.com/office/drawing/2010/main">
+              <a14:hiddenFill xmlns:a14="http://schemas.microsoft.com/office/drawing/2010/main" xmlns="">
                 <a:solidFill>
                   <a:schemeClr val="accent1"/>
                 </a:solidFill>
               </a14:hiddenFill>
             </a:ext>
             <a:ext uri="{91240B29-F687-4f45-9708-019B960494DF}">
-              <a14:hiddenLine xmlns="" xmlns:a14="http://schemas.microsoft.com/office/drawing/2010/main" w="9525">
+              <a14:hiddenLine xmlns:a14="http://schemas.microsoft.com/office/drawing/2010/main" xmlns="" w="9525">
                 <a:solidFill>
                   <a:schemeClr val="tx1"/>
                 </a:solidFill>
@@ -23657,7 +23705,7 @@
               </a14:hiddenLine>
             </a:ext>
             <a:ext uri="{AF507438-7753-43e0-B8FC-AC1667EBCBE1}">
-              <a14:hiddenEffects xmlns="" xmlns:a14="http://schemas.microsoft.com/office/drawing/2010/main">
+              <a14:hiddenEffects xmlns:a14="http://schemas.microsoft.com/office/drawing/2010/main" xmlns="">
                 <a:effectLst>
                   <a:outerShdw blurRad="63500" dist="38099" dir="2700000" algn="ctr" rotWithShape="0">
                     <a:schemeClr val="bg2">
@@ -24005,6 +24053,13 @@
   <p:clrMapOvr>
     <a:masterClrMapping/>
   </p:clrMapOvr>
+  <p:timing>
+    <p:tnLst>
+      <p:par>
+        <p:cTn id="1" dur="indefinite" restart="never" nodeType="tmRoot"/>
+      </p:par>
+    </p:tnLst>
+  </p:timing>
 </p:sld>
 </file>
 
@@ -24042,14 +24097,14 @@
           </a:xfrm>
           <a:extLst>
             <a:ext uri="{909E8E84-426E-40dd-AFC4-6F175D3DCCD1}">
-              <a14:hiddenFill xmlns="" xmlns:a14="http://schemas.microsoft.com/office/drawing/2010/main">
+              <a14:hiddenFill xmlns:a14="http://schemas.microsoft.com/office/drawing/2010/main" xmlns="">
                 <a:solidFill>
                   <a:schemeClr val="accent1"/>
                 </a:solidFill>
               </a14:hiddenFill>
             </a:ext>
             <a:ext uri="{91240B29-F687-4f45-9708-019B960494DF}">
-              <a14:hiddenLine xmlns="" xmlns:a14="http://schemas.microsoft.com/office/drawing/2010/main" w="9525">
+              <a14:hiddenLine xmlns:a14="http://schemas.microsoft.com/office/drawing/2010/main" xmlns="" w="9525">
                 <a:solidFill>
                   <a:schemeClr val="tx1"/>
                 </a:solidFill>
@@ -24059,7 +24114,7 @@
               </a14:hiddenLine>
             </a:ext>
             <a:ext uri="{AF507438-7753-43e0-B8FC-AC1667EBCBE1}">
-              <a14:hiddenEffects xmlns="" xmlns:a14="http://schemas.microsoft.com/office/drawing/2010/main">
+              <a14:hiddenEffects xmlns:a14="http://schemas.microsoft.com/office/drawing/2010/main" xmlns="">
                 <a:effectLst>
                   <a:outerShdw blurRad="63500" dist="38099" dir="2700000" algn="ctr" rotWithShape="0">
                     <a:schemeClr val="bg2">
@@ -24129,14 +24184,14 @@
           <a:effectLst/>
           <a:extLst>
             <a:ext uri="{909E8E84-426E-40dd-AFC4-6F175D3DCCD1}">
-              <a14:hiddenFill xmlns="" xmlns:a14="http://schemas.microsoft.com/office/drawing/2010/main">
+              <a14:hiddenFill xmlns:a14="http://schemas.microsoft.com/office/drawing/2010/main" xmlns="">
                 <a:solidFill>
                   <a:schemeClr val="accent1"/>
                 </a:solidFill>
               </a14:hiddenFill>
             </a:ext>
             <a:ext uri="{91240B29-F687-4f45-9708-019B960494DF}">
-              <a14:hiddenLine xmlns="" xmlns:a14="http://schemas.microsoft.com/office/drawing/2010/main" w="9525">
+              <a14:hiddenLine xmlns:a14="http://schemas.microsoft.com/office/drawing/2010/main" xmlns="" w="9525">
                 <a:solidFill>
                   <a:schemeClr val="tx1"/>
                 </a:solidFill>
@@ -24146,7 +24201,7 @@
               </a14:hiddenLine>
             </a:ext>
             <a:ext uri="{AF507438-7753-43e0-B8FC-AC1667EBCBE1}">
-              <a14:hiddenEffects xmlns="" xmlns:a14="http://schemas.microsoft.com/office/drawing/2010/main">
+              <a14:hiddenEffects xmlns:a14="http://schemas.microsoft.com/office/drawing/2010/main" xmlns="">
                 <a:effectLst>
                   <a:outerShdw blurRad="63500" dist="38099" dir="2700000" algn="ctr" rotWithShape="0">
                     <a:schemeClr val="bg2">
@@ -24188,12 +24243,12 @@
           <a:effectLst/>
           <a:extLst>
             <a:ext uri="{909E8E84-426E-40dd-AFC4-6F175D3DCCD1}">
-              <a14:hiddenFill xmlns="" xmlns:a14="http://schemas.microsoft.com/office/drawing/2010/main">
+              <a14:hiddenFill xmlns:a14="http://schemas.microsoft.com/office/drawing/2010/main" xmlns="">
                 <a:noFill/>
               </a14:hiddenFill>
             </a:ext>
             <a:ext uri="{AF507438-7753-43e0-B8FC-AC1667EBCBE1}">
-              <a14:hiddenEffects xmlns="" xmlns:a14="http://schemas.microsoft.com/office/drawing/2010/main">
+              <a14:hiddenEffects xmlns:a14="http://schemas.microsoft.com/office/drawing/2010/main" xmlns="">
                 <a:effectLst>
                   <a:outerShdw blurRad="63500" dist="38099" dir="2700000" algn="ctr" rotWithShape="0">
                     <a:schemeClr val="bg2">
@@ -24242,14 +24297,14 @@
           <a:effectLst/>
           <a:extLst>
             <a:ext uri="{909E8E84-426E-40dd-AFC4-6F175D3DCCD1}">
-              <a14:hiddenFill xmlns="" xmlns:a14="http://schemas.microsoft.com/office/drawing/2010/main">
+              <a14:hiddenFill xmlns:a14="http://schemas.microsoft.com/office/drawing/2010/main" xmlns="">
                 <a:solidFill>
                   <a:schemeClr val="accent1"/>
                 </a:solidFill>
               </a14:hiddenFill>
             </a:ext>
             <a:ext uri="{91240B29-F687-4f45-9708-019B960494DF}">
-              <a14:hiddenLine xmlns="" xmlns:a14="http://schemas.microsoft.com/office/drawing/2010/main" w="9525">
+              <a14:hiddenLine xmlns:a14="http://schemas.microsoft.com/office/drawing/2010/main" xmlns="" w="9525">
                 <a:solidFill>
                   <a:schemeClr val="tx1"/>
                 </a:solidFill>
@@ -24259,7 +24314,7 @@
               </a14:hiddenLine>
             </a:ext>
             <a:ext uri="{AF507438-7753-43e0-B8FC-AC1667EBCBE1}">
-              <a14:hiddenEffects xmlns="" xmlns:a14="http://schemas.microsoft.com/office/drawing/2010/main">
+              <a14:hiddenEffects xmlns:a14="http://schemas.microsoft.com/office/drawing/2010/main" xmlns="">
                 <a:effectLst>
                   <a:outerShdw blurRad="63500" dist="38099" dir="2700000" algn="ctr" rotWithShape="0">
                     <a:schemeClr val="bg2">
@@ -24426,14 +24481,14 @@
           <a:effectLst/>
           <a:extLst>
             <a:ext uri="{909E8E84-426E-40dd-AFC4-6F175D3DCCD1}">
-              <a14:hiddenFill xmlns="" xmlns:a14="http://schemas.microsoft.com/office/drawing/2010/main">
+              <a14:hiddenFill xmlns:a14="http://schemas.microsoft.com/office/drawing/2010/main" xmlns="">
                 <a:solidFill>
                   <a:schemeClr val="accent1"/>
                 </a:solidFill>
               </a14:hiddenFill>
             </a:ext>
             <a:ext uri="{AF507438-7753-43e0-B8FC-AC1667EBCBE1}">
-              <a14:hiddenEffects xmlns="" xmlns:a14="http://schemas.microsoft.com/office/drawing/2010/main">
+              <a14:hiddenEffects xmlns:a14="http://schemas.microsoft.com/office/drawing/2010/main" xmlns="">
                 <a:effectLst>
                   <a:outerShdw blurRad="63500" dist="38099" dir="2700000" algn="ctr" rotWithShape="0">
                     <a:schemeClr val="bg2">
@@ -24487,14 +24542,14 @@
           <a:effectLst/>
           <a:extLst>
             <a:ext uri="{909E8E84-426E-40dd-AFC4-6F175D3DCCD1}">
-              <a14:hiddenFill xmlns="" xmlns:a14="http://schemas.microsoft.com/office/drawing/2010/main">
+              <a14:hiddenFill xmlns:a14="http://schemas.microsoft.com/office/drawing/2010/main" xmlns="">
                 <a:solidFill>
                   <a:schemeClr val="accent1"/>
                 </a:solidFill>
               </a14:hiddenFill>
             </a:ext>
             <a:ext uri="{AF507438-7753-43e0-B8FC-AC1667EBCBE1}">
-              <a14:hiddenEffects xmlns="" xmlns:a14="http://schemas.microsoft.com/office/drawing/2010/main">
+              <a14:hiddenEffects xmlns:a14="http://schemas.microsoft.com/office/drawing/2010/main" xmlns="">
                 <a:effectLst>
                   <a:outerShdw blurRad="63500" dist="38099" dir="2700000" algn="ctr" rotWithShape="0">
                     <a:schemeClr val="bg2">
@@ -24548,14 +24603,14 @@
           <a:effectLst/>
           <a:extLst>
             <a:ext uri="{909E8E84-426E-40dd-AFC4-6F175D3DCCD1}">
-              <a14:hiddenFill xmlns="" xmlns:a14="http://schemas.microsoft.com/office/drawing/2010/main">
+              <a14:hiddenFill xmlns:a14="http://schemas.microsoft.com/office/drawing/2010/main" xmlns="">
                 <a:solidFill>
                   <a:schemeClr val="accent1"/>
                 </a:solidFill>
               </a14:hiddenFill>
             </a:ext>
             <a:ext uri="{AF507438-7753-43e0-B8FC-AC1667EBCBE1}">
-              <a14:hiddenEffects xmlns="" xmlns:a14="http://schemas.microsoft.com/office/drawing/2010/main">
+              <a14:hiddenEffects xmlns:a14="http://schemas.microsoft.com/office/drawing/2010/main" xmlns="">
                 <a:effectLst>
                   <a:outerShdw blurRad="63500" dist="38099" dir="2700000" algn="ctr" rotWithShape="0">
                     <a:schemeClr val="bg2">
@@ -24609,14 +24664,14 @@
           <a:effectLst/>
           <a:extLst>
             <a:ext uri="{909E8E84-426E-40dd-AFC4-6F175D3DCCD1}">
-              <a14:hiddenFill xmlns="" xmlns:a14="http://schemas.microsoft.com/office/drawing/2010/main">
+              <a14:hiddenFill xmlns:a14="http://schemas.microsoft.com/office/drawing/2010/main" xmlns="">
                 <a:solidFill>
                   <a:schemeClr val="accent1"/>
                 </a:solidFill>
               </a14:hiddenFill>
             </a:ext>
             <a:ext uri="{AF507438-7753-43e0-B8FC-AC1667EBCBE1}">
-              <a14:hiddenEffects xmlns="" xmlns:a14="http://schemas.microsoft.com/office/drawing/2010/main">
+              <a14:hiddenEffects xmlns:a14="http://schemas.microsoft.com/office/drawing/2010/main" xmlns="">
                 <a:effectLst>
                   <a:outerShdw blurRad="63500" dist="38099" dir="2700000" algn="ctr" rotWithShape="0">
                     <a:schemeClr val="bg2">
@@ -24670,14 +24725,14 @@
           <a:effectLst/>
           <a:extLst>
             <a:ext uri="{909E8E84-426E-40dd-AFC4-6F175D3DCCD1}">
-              <a14:hiddenFill xmlns="" xmlns:a14="http://schemas.microsoft.com/office/drawing/2010/main">
+              <a14:hiddenFill xmlns:a14="http://schemas.microsoft.com/office/drawing/2010/main" xmlns="">
                 <a:solidFill>
                   <a:schemeClr val="accent1"/>
                 </a:solidFill>
               </a14:hiddenFill>
             </a:ext>
             <a:ext uri="{AF507438-7753-43e0-B8FC-AC1667EBCBE1}">
-              <a14:hiddenEffects xmlns="" xmlns:a14="http://schemas.microsoft.com/office/drawing/2010/main">
+              <a14:hiddenEffects xmlns:a14="http://schemas.microsoft.com/office/drawing/2010/main" xmlns="">
                 <a:effectLst>
                   <a:outerShdw blurRad="63500" dist="38099" dir="2700000" algn="ctr" rotWithShape="0">
                     <a:schemeClr val="bg2">
@@ -24731,14 +24786,14 @@
           <a:effectLst/>
           <a:extLst>
             <a:ext uri="{909E8E84-426E-40dd-AFC4-6F175D3DCCD1}">
-              <a14:hiddenFill xmlns="" xmlns:a14="http://schemas.microsoft.com/office/drawing/2010/main">
+              <a14:hiddenFill xmlns:a14="http://schemas.microsoft.com/office/drawing/2010/main" xmlns="">
                 <a:solidFill>
                   <a:schemeClr val="accent1"/>
                 </a:solidFill>
               </a14:hiddenFill>
             </a:ext>
             <a:ext uri="{AF507438-7753-43e0-B8FC-AC1667EBCBE1}">
-              <a14:hiddenEffects xmlns="" xmlns:a14="http://schemas.microsoft.com/office/drawing/2010/main">
+              <a14:hiddenEffects xmlns:a14="http://schemas.microsoft.com/office/drawing/2010/main" xmlns="">
                 <a:effectLst>
                   <a:outerShdw blurRad="63500" dist="38099" dir="2700000" algn="ctr" rotWithShape="0">
                     <a:schemeClr val="bg2">
@@ -24792,14 +24847,14 @@
           <a:effectLst/>
           <a:extLst>
             <a:ext uri="{909E8E84-426E-40dd-AFC4-6F175D3DCCD1}">
-              <a14:hiddenFill xmlns="" xmlns:a14="http://schemas.microsoft.com/office/drawing/2010/main">
+              <a14:hiddenFill xmlns:a14="http://schemas.microsoft.com/office/drawing/2010/main" xmlns="">
                 <a:solidFill>
                   <a:schemeClr val="accent1"/>
                 </a:solidFill>
               </a14:hiddenFill>
             </a:ext>
             <a:ext uri="{AF507438-7753-43e0-B8FC-AC1667EBCBE1}">
-              <a14:hiddenEffects xmlns="" xmlns:a14="http://schemas.microsoft.com/office/drawing/2010/main">
+              <a14:hiddenEffects xmlns:a14="http://schemas.microsoft.com/office/drawing/2010/main" xmlns="">
                 <a:effectLst>
                   <a:outerShdw blurRad="63500" dist="38099" dir="2700000" algn="ctr" rotWithShape="0">
                     <a:schemeClr val="bg2">
@@ -24853,14 +24908,14 @@
           <a:effectLst/>
           <a:extLst>
             <a:ext uri="{909E8E84-426E-40dd-AFC4-6F175D3DCCD1}">
-              <a14:hiddenFill xmlns="" xmlns:a14="http://schemas.microsoft.com/office/drawing/2010/main">
+              <a14:hiddenFill xmlns:a14="http://schemas.microsoft.com/office/drawing/2010/main" xmlns="">
                 <a:solidFill>
                   <a:schemeClr val="accent1"/>
                 </a:solidFill>
               </a14:hiddenFill>
             </a:ext>
             <a:ext uri="{AF507438-7753-43e0-B8FC-AC1667EBCBE1}">
-              <a14:hiddenEffects xmlns="" xmlns:a14="http://schemas.microsoft.com/office/drawing/2010/main">
+              <a14:hiddenEffects xmlns:a14="http://schemas.microsoft.com/office/drawing/2010/main" xmlns="">
                 <a:effectLst>
                   <a:outerShdw blurRad="63500" dist="38099" dir="2700000" algn="ctr" rotWithShape="0">
                     <a:schemeClr val="bg2">
@@ -24914,14 +24969,14 @@
           <a:effectLst/>
           <a:extLst>
             <a:ext uri="{909E8E84-426E-40dd-AFC4-6F175D3DCCD1}">
-              <a14:hiddenFill xmlns="" xmlns:a14="http://schemas.microsoft.com/office/drawing/2010/main">
+              <a14:hiddenFill xmlns:a14="http://schemas.microsoft.com/office/drawing/2010/main" xmlns="">
                 <a:solidFill>
                   <a:schemeClr val="accent1"/>
                 </a:solidFill>
               </a14:hiddenFill>
             </a:ext>
             <a:ext uri="{AF507438-7753-43e0-B8FC-AC1667EBCBE1}">
-              <a14:hiddenEffects xmlns="" xmlns:a14="http://schemas.microsoft.com/office/drawing/2010/main">
+              <a14:hiddenEffects xmlns:a14="http://schemas.microsoft.com/office/drawing/2010/main" xmlns="">
                 <a:effectLst>
                   <a:outerShdw blurRad="63500" dist="38099" dir="2700000" algn="ctr" rotWithShape="0">
                     <a:schemeClr val="bg2">
@@ -24975,14 +25030,14 @@
           <a:effectLst/>
           <a:extLst>
             <a:ext uri="{909E8E84-426E-40dd-AFC4-6F175D3DCCD1}">
-              <a14:hiddenFill xmlns="" xmlns:a14="http://schemas.microsoft.com/office/drawing/2010/main">
+              <a14:hiddenFill xmlns:a14="http://schemas.microsoft.com/office/drawing/2010/main" xmlns="">
                 <a:solidFill>
                   <a:schemeClr val="accent1"/>
                 </a:solidFill>
               </a14:hiddenFill>
             </a:ext>
             <a:ext uri="{AF507438-7753-43e0-B8FC-AC1667EBCBE1}">
-              <a14:hiddenEffects xmlns="" xmlns:a14="http://schemas.microsoft.com/office/drawing/2010/main">
+              <a14:hiddenEffects xmlns:a14="http://schemas.microsoft.com/office/drawing/2010/main" xmlns="">
                 <a:effectLst>
                   <a:outerShdw blurRad="63500" dist="38099" dir="2700000" algn="ctr" rotWithShape="0">
                     <a:schemeClr val="bg2">
@@ -25036,14 +25091,14 @@
           <a:effectLst/>
           <a:extLst>
             <a:ext uri="{909E8E84-426E-40dd-AFC4-6F175D3DCCD1}">
-              <a14:hiddenFill xmlns="" xmlns:a14="http://schemas.microsoft.com/office/drawing/2010/main">
+              <a14:hiddenFill xmlns:a14="http://schemas.microsoft.com/office/drawing/2010/main" xmlns="">
                 <a:solidFill>
                   <a:schemeClr val="accent1"/>
                 </a:solidFill>
               </a14:hiddenFill>
             </a:ext>
             <a:ext uri="{AF507438-7753-43e0-B8FC-AC1667EBCBE1}">
-              <a14:hiddenEffects xmlns="" xmlns:a14="http://schemas.microsoft.com/office/drawing/2010/main">
+              <a14:hiddenEffects xmlns:a14="http://schemas.microsoft.com/office/drawing/2010/main" xmlns="">
                 <a:effectLst>
                   <a:outerShdw blurRad="63500" dist="38099" dir="2700000" algn="ctr" rotWithShape="0">
                     <a:schemeClr val="bg2">
@@ -25097,14 +25152,14 @@
           <a:effectLst/>
           <a:extLst>
             <a:ext uri="{909E8E84-426E-40dd-AFC4-6F175D3DCCD1}">
-              <a14:hiddenFill xmlns="" xmlns:a14="http://schemas.microsoft.com/office/drawing/2010/main">
+              <a14:hiddenFill xmlns:a14="http://schemas.microsoft.com/office/drawing/2010/main" xmlns="">
                 <a:solidFill>
                   <a:schemeClr val="accent1"/>
                 </a:solidFill>
               </a14:hiddenFill>
             </a:ext>
             <a:ext uri="{AF507438-7753-43e0-B8FC-AC1667EBCBE1}">
-              <a14:hiddenEffects xmlns="" xmlns:a14="http://schemas.microsoft.com/office/drawing/2010/main">
+              <a14:hiddenEffects xmlns:a14="http://schemas.microsoft.com/office/drawing/2010/main" xmlns="">
                 <a:effectLst>
                   <a:outerShdw blurRad="63500" dist="38099" dir="2700000" algn="ctr" rotWithShape="0">
                     <a:schemeClr val="bg2">
@@ -25158,14 +25213,14 @@
           <a:effectLst/>
           <a:extLst>
             <a:ext uri="{909E8E84-426E-40dd-AFC4-6F175D3DCCD1}">
-              <a14:hiddenFill xmlns="" xmlns:a14="http://schemas.microsoft.com/office/drawing/2010/main">
+              <a14:hiddenFill xmlns:a14="http://schemas.microsoft.com/office/drawing/2010/main" xmlns="">
                 <a:solidFill>
                   <a:schemeClr val="accent1"/>
                 </a:solidFill>
               </a14:hiddenFill>
             </a:ext>
             <a:ext uri="{AF507438-7753-43e0-B8FC-AC1667EBCBE1}">
-              <a14:hiddenEffects xmlns="" xmlns:a14="http://schemas.microsoft.com/office/drawing/2010/main">
+              <a14:hiddenEffects xmlns:a14="http://schemas.microsoft.com/office/drawing/2010/main" xmlns="">
                 <a:effectLst>
                   <a:outerShdw blurRad="63500" dist="38099" dir="2700000" algn="ctr" rotWithShape="0">
                     <a:schemeClr val="bg2">
@@ -25219,14 +25274,14 @@
           <a:effectLst/>
           <a:extLst>
             <a:ext uri="{909E8E84-426E-40dd-AFC4-6F175D3DCCD1}">
-              <a14:hiddenFill xmlns="" xmlns:a14="http://schemas.microsoft.com/office/drawing/2010/main">
+              <a14:hiddenFill xmlns:a14="http://schemas.microsoft.com/office/drawing/2010/main" xmlns="">
                 <a:solidFill>
                   <a:schemeClr val="accent1"/>
                 </a:solidFill>
               </a14:hiddenFill>
             </a:ext>
             <a:ext uri="{AF507438-7753-43e0-B8FC-AC1667EBCBE1}">
-              <a14:hiddenEffects xmlns="" xmlns:a14="http://schemas.microsoft.com/office/drawing/2010/main">
+              <a14:hiddenEffects xmlns:a14="http://schemas.microsoft.com/office/drawing/2010/main" xmlns="">
                 <a:effectLst>
                   <a:outerShdw blurRad="63500" dist="38099" dir="2700000" algn="ctr" rotWithShape="0">
                     <a:schemeClr val="bg2">
@@ -25280,14 +25335,14 @@
           <a:effectLst/>
           <a:extLst>
             <a:ext uri="{909E8E84-426E-40dd-AFC4-6F175D3DCCD1}">
-              <a14:hiddenFill xmlns="" xmlns:a14="http://schemas.microsoft.com/office/drawing/2010/main">
+              <a14:hiddenFill xmlns:a14="http://schemas.microsoft.com/office/drawing/2010/main" xmlns="">
                 <a:solidFill>
                   <a:schemeClr val="accent1"/>
                 </a:solidFill>
               </a14:hiddenFill>
             </a:ext>
             <a:ext uri="{AF507438-7753-43e0-B8FC-AC1667EBCBE1}">
-              <a14:hiddenEffects xmlns="" xmlns:a14="http://schemas.microsoft.com/office/drawing/2010/main">
+              <a14:hiddenEffects xmlns:a14="http://schemas.microsoft.com/office/drawing/2010/main" xmlns="">
                 <a:effectLst>
                   <a:outerShdw blurRad="63500" dist="38099" dir="2700000" algn="ctr" rotWithShape="0">
                     <a:schemeClr val="bg2">
@@ -25341,14 +25396,14 @@
           <a:effectLst/>
           <a:extLst>
             <a:ext uri="{909E8E84-426E-40dd-AFC4-6F175D3DCCD1}">
-              <a14:hiddenFill xmlns="" xmlns:a14="http://schemas.microsoft.com/office/drawing/2010/main">
+              <a14:hiddenFill xmlns:a14="http://schemas.microsoft.com/office/drawing/2010/main" xmlns="">
                 <a:solidFill>
                   <a:schemeClr val="accent1"/>
                 </a:solidFill>
               </a14:hiddenFill>
             </a:ext>
             <a:ext uri="{AF507438-7753-43e0-B8FC-AC1667EBCBE1}">
-              <a14:hiddenEffects xmlns="" xmlns:a14="http://schemas.microsoft.com/office/drawing/2010/main">
+              <a14:hiddenEffects xmlns:a14="http://schemas.microsoft.com/office/drawing/2010/main" xmlns="">
                 <a:effectLst>
                   <a:outerShdw blurRad="63500" dist="38099" dir="2700000" algn="ctr" rotWithShape="0">
                     <a:schemeClr val="bg2">
@@ -25397,14 +25452,14 @@
           <a:effectLst/>
           <a:extLst>
             <a:ext uri="{909E8E84-426E-40dd-AFC4-6F175D3DCCD1}">
-              <a14:hiddenFill xmlns="" xmlns:a14="http://schemas.microsoft.com/office/drawing/2010/main">
+              <a14:hiddenFill xmlns:a14="http://schemas.microsoft.com/office/drawing/2010/main" xmlns="">
                 <a:solidFill>
                   <a:schemeClr val="accent1"/>
                 </a:solidFill>
               </a14:hiddenFill>
             </a:ext>
             <a:ext uri="{91240B29-F687-4f45-9708-019B960494DF}">
-              <a14:hiddenLine xmlns="" xmlns:a14="http://schemas.microsoft.com/office/drawing/2010/main" w="9525">
+              <a14:hiddenLine xmlns:a14="http://schemas.microsoft.com/office/drawing/2010/main" xmlns="" w="9525">
                 <a:solidFill>
                   <a:schemeClr val="tx1"/>
                 </a:solidFill>
@@ -25414,7 +25469,7 @@
               </a14:hiddenLine>
             </a:ext>
             <a:ext uri="{AF507438-7753-43e0-B8FC-AC1667EBCBE1}">
-              <a14:hiddenEffects xmlns="" xmlns:a14="http://schemas.microsoft.com/office/drawing/2010/main">
+              <a14:hiddenEffects xmlns:a14="http://schemas.microsoft.com/office/drawing/2010/main" xmlns="">
                 <a:effectLst>
                   <a:outerShdw blurRad="63500" dist="38099" dir="2700000" algn="ctr" rotWithShape="0">
                     <a:schemeClr val="bg2">
@@ -25703,14 +25758,14 @@
         <p:spPr bwMode="auto">
           <a:extLst>
             <a:ext uri="{909E8E84-426E-40dd-AFC4-6F175D3DCCD1}">
-              <a14:hiddenFill xmlns="" xmlns:a14="http://schemas.microsoft.com/office/drawing/2010/main">
+              <a14:hiddenFill xmlns:a14="http://schemas.microsoft.com/office/drawing/2010/main" xmlns="">
                 <a:solidFill>
                   <a:schemeClr val="accent1"/>
                 </a:solidFill>
               </a14:hiddenFill>
             </a:ext>
             <a:ext uri="{91240B29-F687-4f45-9708-019B960494DF}">
-              <a14:hiddenLine xmlns="" xmlns:a14="http://schemas.microsoft.com/office/drawing/2010/main" w="9525">
+              <a14:hiddenLine xmlns:a14="http://schemas.microsoft.com/office/drawing/2010/main" xmlns="" w="9525">
                 <a:solidFill>
                   <a:schemeClr val="tx1"/>
                 </a:solidFill>
@@ -25720,7 +25775,7 @@
               </a14:hiddenLine>
             </a:ext>
             <a:ext uri="{AF507438-7753-43e0-B8FC-AC1667EBCBE1}">
-              <a14:hiddenEffects xmlns="" xmlns:a14="http://schemas.microsoft.com/office/drawing/2010/main">
+              <a14:hiddenEffects xmlns:a14="http://schemas.microsoft.com/office/drawing/2010/main" xmlns="">
                 <a:effectLst>
                   <a:outerShdw blurRad="63500" dist="38099" dir="2700000" algn="ctr" rotWithShape="0">
                     <a:schemeClr val="bg2">
@@ -25771,14 +25826,14 @@
           </a:xfrm>
           <a:extLst>
             <a:ext uri="{909E8E84-426E-40dd-AFC4-6F175D3DCCD1}">
-              <a14:hiddenFill xmlns="" xmlns:a14="http://schemas.microsoft.com/office/drawing/2010/main">
+              <a14:hiddenFill xmlns:a14="http://schemas.microsoft.com/office/drawing/2010/main" xmlns="">
                 <a:solidFill>
                   <a:schemeClr val="accent1"/>
                 </a:solidFill>
               </a14:hiddenFill>
             </a:ext>
             <a:ext uri="{91240B29-F687-4f45-9708-019B960494DF}">
-              <a14:hiddenLine xmlns="" xmlns:a14="http://schemas.microsoft.com/office/drawing/2010/main" w="9525">
+              <a14:hiddenLine xmlns:a14="http://schemas.microsoft.com/office/drawing/2010/main" xmlns="" w="9525">
                 <a:solidFill>
                   <a:schemeClr val="tx1"/>
                 </a:solidFill>
@@ -25788,7 +25843,7 @@
               </a14:hiddenLine>
             </a:ext>
             <a:ext uri="{AF507438-7753-43e0-B8FC-AC1667EBCBE1}">
-              <a14:hiddenEffects xmlns="" xmlns:a14="http://schemas.microsoft.com/office/drawing/2010/main">
+              <a14:hiddenEffects xmlns:a14="http://schemas.microsoft.com/office/drawing/2010/main" xmlns="">
                 <a:effectLst>
                   <a:outerShdw blurRad="63500" dist="38099" dir="2700000" algn="ctr" rotWithShape="0">
                     <a:schemeClr val="bg2">
@@ -26330,21 +26385,21 @@
                 <a:gridCol w="1447800">
                   <a:extLst>
                     <a:ext uri="{9D8B030D-6E8A-4147-A177-3AD203B41FA5}">
-                      <a16:colId xmlns:a16="http://schemas.microsoft.com/office/drawing/2014/main" val="20000"/>
+                      <a16:colId xmlns:a16="http://schemas.microsoft.com/office/drawing/2014/main" xmlns="" val="20000"/>
                     </a:ext>
                   </a:extLst>
                 </a:gridCol>
                 <a:gridCol w="1447800">
                   <a:extLst>
                     <a:ext uri="{9D8B030D-6E8A-4147-A177-3AD203B41FA5}">
-                      <a16:colId xmlns:a16="http://schemas.microsoft.com/office/drawing/2014/main" val="20001"/>
+                      <a16:colId xmlns:a16="http://schemas.microsoft.com/office/drawing/2014/main" xmlns="" val="20001"/>
                     </a:ext>
                   </a:extLst>
                 </a:gridCol>
                 <a:gridCol w="1447800">
                   <a:extLst>
                     <a:ext uri="{9D8B030D-6E8A-4147-A177-3AD203B41FA5}">
-                      <a16:colId xmlns:a16="http://schemas.microsoft.com/office/drawing/2014/main" val="20002"/>
+                      <a16:colId xmlns:a16="http://schemas.microsoft.com/office/drawing/2014/main" xmlns="" val="20002"/>
                     </a:ext>
                   </a:extLst>
                 </a:gridCol>
@@ -26662,7 +26717,7 @@
                 </a:tc>
                 <a:extLst>
                   <a:ext uri="{0D108BD9-81ED-4DB2-BD59-A6C34878D82A}">
-                    <a16:rowId xmlns:a16="http://schemas.microsoft.com/office/drawing/2014/main" val="10000"/>
+                    <a16:rowId xmlns:a16="http://schemas.microsoft.com/office/drawing/2014/main" xmlns="" val="10000"/>
                   </a:ext>
                 </a:extLst>
               </a:tr>
@@ -26921,7 +26976,7 @@
                 </a:tc>
                 <a:extLst>
                   <a:ext uri="{0D108BD9-81ED-4DB2-BD59-A6C34878D82A}">
-                    <a16:rowId xmlns:a16="http://schemas.microsoft.com/office/drawing/2014/main" val="10001"/>
+                    <a16:rowId xmlns:a16="http://schemas.microsoft.com/office/drawing/2014/main" xmlns="" val="10001"/>
                   </a:ext>
                 </a:extLst>
               </a:tr>
@@ -27180,7 +27235,7 @@
                 </a:tc>
                 <a:extLst>
                   <a:ext uri="{0D108BD9-81ED-4DB2-BD59-A6C34878D82A}">
-                    <a16:rowId xmlns:a16="http://schemas.microsoft.com/office/drawing/2014/main" val="10002"/>
+                    <a16:rowId xmlns:a16="http://schemas.microsoft.com/office/drawing/2014/main" xmlns="" val="10002"/>
                   </a:ext>
                 </a:extLst>
               </a:tr>
@@ -27436,7 +27491,7 @@
                 </a:tc>
                 <a:extLst>
                   <a:ext uri="{0D108BD9-81ED-4DB2-BD59-A6C34878D82A}">
-                    <a16:rowId xmlns:a16="http://schemas.microsoft.com/office/drawing/2014/main" val="10003"/>
+                    <a16:rowId xmlns:a16="http://schemas.microsoft.com/office/drawing/2014/main" xmlns="" val="10003"/>
                   </a:ext>
                 </a:extLst>
               </a:tr>
@@ -28051,6 +28106,13 @@
   <p:clrMapOvr>
     <a:masterClrMapping/>
   </p:clrMapOvr>
+  <p:timing>
+    <p:tnLst>
+      <p:par>
+        <p:cTn id="1" dur="indefinite" restart="never" nodeType="tmRoot"/>
+      </p:par>
+    </p:tnLst>
+  </p:timing>
 </p:sld>
 </file>
 
@@ -28456,21 +28518,21 @@
                 <a:gridCol w="1346200">
                   <a:extLst>
                     <a:ext uri="{9D8B030D-6E8A-4147-A177-3AD203B41FA5}">
-                      <a16:colId xmlns:a16="http://schemas.microsoft.com/office/drawing/2014/main" val="20000"/>
+                      <a16:colId xmlns:a16="http://schemas.microsoft.com/office/drawing/2014/main" xmlns="" val="20000"/>
                     </a:ext>
                   </a:extLst>
                 </a:gridCol>
                 <a:gridCol w="1346200">
                   <a:extLst>
                     <a:ext uri="{9D8B030D-6E8A-4147-A177-3AD203B41FA5}">
-                      <a16:colId xmlns:a16="http://schemas.microsoft.com/office/drawing/2014/main" val="20001"/>
+                      <a16:colId xmlns:a16="http://schemas.microsoft.com/office/drawing/2014/main" xmlns="" val="20001"/>
                     </a:ext>
                   </a:extLst>
                 </a:gridCol>
                 <a:gridCol w="1346200">
                   <a:extLst>
                     <a:ext uri="{9D8B030D-6E8A-4147-A177-3AD203B41FA5}">
-                      <a16:colId xmlns:a16="http://schemas.microsoft.com/office/drawing/2014/main" val="20002"/>
+                      <a16:colId xmlns:a16="http://schemas.microsoft.com/office/drawing/2014/main" xmlns="" val="20002"/>
                     </a:ext>
                   </a:extLst>
                 </a:gridCol>
@@ -28754,7 +28816,7 @@
                 </a:tc>
                 <a:extLst>
                   <a:ext uri="{0D108BD9-81ED-4DB2-BD59-A6C34878D82A}">
-                    <a16:rowId xmlns:a16="http://schemas.microsoft.com/office/drawing/2014/main" val="10000"/>
+                    <a16:rowId xmlns:a16="http://schemas.microsoft.com/office/drawing/2014/main" xmlns="" val="10000"/>
                   </a:ext>
                 </a:extLst>
               </a:tr>
@@ -29013,7 +29075,7 @@
                 </a:tc>
                 <a:extLst>
                   <a:ext uri="{0D108BD9-81ED-4DB2-BD59-A6C34878D82A}">
-                    <a16:rowId xmlns:a16="http://schemas.microsoft.com/office/drawing/2014/main" val="10001"/>
+                    <a16:rowId xmlns:a16="http://schemas.microsoft.com/office/drawing/2014/main" xmlns="" val="10001"/>
                   </a:ext>
                 </a:extLst>
               </a:tr>
@@ -29272,7 +29334,7 @@
                 </a:tc>
                 <a:extLst>
                   <a:ext uri="{0D108BD9-81ED-4DB2-BD59-A6C34878D82A}">
-                    <a16:rowId xmlns:a16="http://schemas.microsoft.com/office/drawing/2014/main" val="10002"/>
+                    <a16:rowId xmlns:a16="http://schemas.microsoft.com/office/drawing/2014/main" xmlns="" val="10002"/>
                   </a:ext>
                 </a:extLst>
               </a:tr>
@@ -29528,7 +29590,7 @@
                 </a:tc>
                 <a:extLst>
                   <a:ext uri="{0D108BD9-81ED-4DB2-BD59-A6C34878D82A}">
-                    <a16:rowId xmlns:a16="http://schemas.microsoft.com/office/drawing/2014/main" val="10003"/>
+                    <a16:rowId xmlns:a16="http://schemas.microsoft.com/office/drawing/2014/main" xmlns="" val="10003"/>
                   </a:ext>
                 </a:extLst>
               </a:tr>
@@ -29556,21 +29618,21 @@
                 <a:gridCol w="1346200">
                   <a:extLst>
                     <a:ext uri="{9D8B030D-6E8A-4147-A177-3AD203B41FA5}">
-                      <a16:colId xmlns:a16="http://schemas.microsoft.com/office/drawing/2014/main" val="20000"/>
+                      <a16:colId xmlns:a16="http://schemas.microsoft.com/office/drawing/2014/main" xmlns="" val="20000"/>
                     </a:ext>
                   </a:extLst>
                 </a:gridCol>
                 <a:gridCol w="1346200">
                   <a:extLst>
                     <a:ext uri="{9D8B030D-6E8A-4147-A177-3AD203B41FA5}">
-                      <a16:colId xmlns:a16="http://schemas.microsoft.com/office/drawing/2014/main" val="20001"/>
+                      <a16:colId xmlns:a16="http://schemas.microsoft.com/office/drawing/2014/main" xmlns="" val="20001"/>
                     </a:ext>
                   </a:extLst>
                 </a:gridCol>
                 <a:gridCol w="1346200">
                   <a:extLst>
                     <a:ext uri="{9D8B030D-6E8A-4147-A177-3AD203B41FA5}">
-                      <a16:colId xmlns:a16="http://schemas.microsoft.com/office/drawing/2014/main" val="20002"/>
+                      <a16:colId xmlns:a16="http://schemas.microsoft.com/office/drawing/2014/main" xmlns="" val="20002"/>
                     </a:ext>
                   </a:extLst>
                 </a:gridCol>
@@ -29854,7 +29916,7 @@
                 </a:tc>
                 <a:extLst>
                   <a:ext uri="{0D108BD9-81ED-4DB2-BD59-A6C34878D82A}">
-                    <a16:rowId xmlns:a16="http://schemas.microsoft.com/office/drawing/2014/main" val="10000"/>
+                    <a16:rowId xmlns:a16="http://schemas.microsoft.com/office/drawing/2014/main" xmlns="" val="10000"/>
                   </a:ext>
                 </a:extLst>
               </a:tr>
@@ -30113,7 +30175,7 @@
                 </a:tc>
                 <a:extLst>
                   <a:ext uri="{0D108BD9-81ED-4DB2-BD59-A6C34878D82A}">
-                    <a16:rowId xmlns:a16="http://schemas.microsoft.com/office/drawing/2014/main" val="10001"/>
+                    <a16:rowId xmlns:a16="http://schemas.microsoft.com/office/drawing/2014/main" xmlns="" val="10001"/>
                   </a:ext>
                 </a:extLst>
               </a:tr>
@@ -30372,7 +30434,7 @@
                 </a:tc>
                 <a:extLst>
                   <a:ext uri="{0D108BD9-81ED-4DB2-BD59-A6C34878D82A}">
-                    <a16:rowId xmlns:a16="http://schemas.microsoft.com/office/drawing/2014/main" val="10002"/>
+                    <a16:rowId xmlns:a16="http://schemas.microsoft.com/office/drawing/2014/main" xmlns="" val="10002"/>
                   </a:ext>
                 </a:extLst>
               </a:tr>
@@ -30628,7 +30690,7 @@
                 </a:tc>
                 <a:extLst>
                   <a:ext uri="{0D108BD9-81ED-4DB2-BD59-A6C34878D82A}">
-                    <a16:rowId xmlns:a16="http://schemas.microsoft.com/office/drawing/2014/main" val="10003"/>
+                    <a16:rowId xmlns:a16="http://schemas.microsoft.com/office/drawing/2014/main" xmlns="" val="10003"/>
                   </a:ext>
                 </a:extLst>
               </a:tr>
@@ -31277,21 +31339,21 @@
                 <a:gridCol w="1346200">
                   <a:extLst>
                     <a:ext uri="{9D8B030D-6E8A-4147-A177-3AD203B41FA5}">
-                      <a16:colId xmlns:a16="http://schemas.microsoft.com/office/drawing/2014/main" val="20000"/>
+                      <a16:colId xmlns:a16="http://schemas.microsoft.com/office/drawing/2014/main" xmlns="" val="20000"/>
                     </a:ext>
                   </a:extLst>
                 </a:gridCol>
                 <a:gridCol w="1346200">
                   <a:extLst>
                     <a:ext uri="{9D8B030D-6E8A-4147-A177-3AD203B41FA5}">
-                      <a16:colId xmlns:a16="http://schemas.microsoft.com/office/drawing/2014/main" val="20001"/>
+                      <a16:colId xmlns:a16="http://schemas.microsoft.com/office/drawing/2014/main" xmlns="" val="20001"/>
                     </a:ext>
                   </a:extLst>
                 </a:gridCol>
                 <a:gridCol w="1346200">
                   <a:extLst>
                     <a:ext uri="{9D8B030D-6E8A-4147-A177-3AD203B41FA5}">
-                      <a16:colId xmlns:a16="http://schemas.microsoft.com/office/drawing/2014/main" val="20002"/>
+                      <a16:colId xmlns:a16="http://schemas.microsoft.com/office/drawing/2014/main" xmlns="" val="20002"/>
                     </a:ext>
                   </a:extLst>
                 </a:gridCol>
@@ -31575,7 +31637,7 @@
                 </a:tc>
                 <a:extLst>
                   <a:ext uri="{0D108BD9-81ED-4DB2-BD59-A6C34878D82A}">
-                    <a16:rowId xmlns:a16="http://schemas.microsoft.com/office/drawing/2014/main" val="10000"/>
+                    <a16:rowId xmlns:a16="http://schemas.microsoft.com/office/drawing/2014/main" xmlns="" val="10000"/>
                   </a:ext>
                 </a:extLst>
               </a:tr>
@@ -31834,7 +31896,7 @@
                 </a:tc>
                 <a:extLst>
                   <a:ext uri="{0D108BD9-81ED-4DB2-BD59-A6C34878D82A}">
-                    <a16:rowId xmlns:a16="http://schemas.microsoft.com/office/drawing/2014/main" val="10001"/>
+                    <a16:rowId xmlns:a16="http://schemas.microsoft.com/office/drawing/2014/main" xmlns="" val="10001"/>
                   </a:ext>
                 </a:extLst>
               </a:tr>
@@ -32093,7 +32155,7 @@
                 </a:tc>
                 <a:extLst>
                   <a:ext uri="{0D108BD9-81ED-4DB2-BD59-A6C34878D82A}">
-                    <a16:rowId xmlns:a16="http://schemas.microsoft.com/office/drawing/2014/main" val="10002"/>
+                    <a16:rowId xmlns:a16="http://schemas.microsoft.com/office/drawing/2014/main" xmlns="" val="10002"/>
                   </a:ext>
                 </a:extLst>
               </a:tr>
@@ -32349,7 +32411,7 @@
                 </a:tc>
                 <a:extLst>
                   <a:ext uri="{0D108BD9-81ED-4DB2-BD59-A6C34878D82A}">
-                    <a16:rowId xmlns:a16="http://schemas.microsoft.com/office/drawing/2014/main" val="10003"/>
+                    <a16:rowId xmlns:a16="http://schemas.microsoft.com/office/drawing/2014/main" xmlns="" val="10003"/>
                   </a:ext>
                 </a:extLst>
               </a:tr>
@@ -32377,21 +32439,21 @@
                 <a:gridCol w="1346200">
                   <a:extLst>
                     <a:ext uri="{9D8B030D-6E8A-4147-A177-3AD203B41FA5}">
-                      <a16:colId xmlns:a16="http://schemas.microsoft.com/office/drawing/2014/main" val="20000"/>
+                      <a16:colId xmlns:a16="http://schemas.microsoft.com/office/drawing/2014/main" xmlns="" val="20000"/>
                     </a:ext>
                   </a:extLst>
                 </a:gridCol>
                 <a:gridCol w="1346200">
                   <a:extLst>
                     <a:ext uri="{9D8B030D-6E8A-4147-A177-3AD203B41FA5}">
-                      <a16:colId xmlns:a16="http://schemas.microsoft.com/office/drawing/2014/main" val="20001"/>
+                      <a16:colId xmlns:a16="http://schemas.microsoft.com/office/drawing/2014/main" xmlns="" val="20001"/>
                     </a:ext>
                   </a:extLst>
                 </a:gridCol>
                 <a:gridCol w="1346200">
                   <a:extLst>
                     <a:ext uri="{9D8B030D-6E8A-4147-A177-3AD203B41FA5}">
-                      <a16:colId xmlns:a16="http://schemas.microsoft.com/office/drawing/2014/main" val="20002"/>
+                      <a16:colId xmlns:a16="http://schemas.microsoft.com/office/drawing/2014/main" xmlns="" val="20002"/>
                     </a:ext>
                   </a:extLst>
                 </a:gridCol>
@@ -32675,7 +32737,7 @@
                 </a:tc>
                 <a:extLst>
                   <a:ext uri="{0D108BD9-81ED-4DB2-BD59-A6C34878D82A}">
-                    <a16:rowId xmlns:a16="http://schemas.microsoft.com/office/drawing/2014/main" val="10000"/>
+                    <a16:rowId xmlns:a16="http://schemas.microsoft.com/office/drawing/2014/main" xmlns="" val="10000"/>
                   </a:ext>
                 </a:extLst>
               </a:tr>
@@ -32934,7 +32996,7 @@
                 </a:tc>
                 <a:extLst>
                   <a:ext uri="{0D108BD9-81ED-4DB2-BD59-A6C34878D82A}">
-                    <a16:rowId xmlns:a16="http://schemas.microsoft.com/office/drawing/2014/main" val="10001"/>
+                    <a16:rowId xmlns:a16="http://schemas.microsoft.com/office/drawing/2014/main" xmlns="" val="10001"/>
                   </a:ext>
                 </a:extLst>
               </a:tr>
@@ -33193,7 +33255,7 @@
                 </a:tc>
                 <a:extLst>
                   <a:ext uri="{0D108BD9-81ED-4DB2-BD59-A6C34878D82A}">
-                    <a16:rowId xmlns:a16="http://schemas.microsoft.com/office/drawing/2014/main" val="10002"/>
+                    <a16:rowId xmlns:a16="http://schemas.microsoft.com/office/drawing/2014/main" xmlns="" val="10002"/>
                   </a:ext>
                 </a:extLst>
               </a:tr>
@@ -33449,7 +33511,7 @@
                 </a:tc>
                 <a:extLst>
                   <a:ext uri="{0D108BD9-81ED-4DB2-BD59-A6C34878D82A}">
-                    <a16:rowId xmlns:a16="http://schemas.microsoft.com/office/drawing/2014/main" val="10003"/>
+                    <a16:rowId xmlns:a16="http://schemas.microsoft.com/office/drawing/2014/main" xmlns="" val="10003"/>
                   </a:ext>
                 </a:extLst>
               </a:tr>
@@ -33750,6 +33812,13 @@
   <p:clrMapOvr>
     <a:masterClrMapping/>
   </p:clrMapOvr>
+  <p:timing>
+    <p:tnLst>
+      <p:par>
+        <p:cTn id="1" dur="indefinite" restart="never" nodeType="tmRoot"/>
+      </p:par>
+    </p:tnLst>
+  </p:timing>
 </p:sld>
 </file>
 
@@ -33842,6 +33911,13 @@
   <p:clrMapOvr>
     <a:masterClrMapping/>
   </p:clrMapOvr>
+  <p:timing>
+    <p:tnLst>
+      <p:par>
+        <p:cTn id="1" dur="indefinite" restart="never" nodeType="tmRoot"/>
+      </p:par>
+    </p:tnLst>
+  </p:timing>
 </p:sld>
 </file>
 
